--- a/presentation/Investing in S&P 500 Stocks (2).pptx
+++ b/presentation/Investing in S&P 500 Stocks (2).pptx
@@ -5,7 +5,7 @@
     <p:sldMasterId id="2147483648" r:id="rId1"/>
   </p:sldMasterIdLst>
   <p:notesMasterIdLst>
-    <p:notesMasterId r:id="rId21"/>
+    <p:notesMasterId r:id="rId20"/>
   </p:notesMasterIdLst>
   <p:sldIdLst>
     <p:sldId id="256" r:id="rId6"/>
@@ -20,22 +20,21 @@
     <p:sldId id="265" r:id="rId15"/>
     <p:sldId id="266" r:id="rId16"/>
     <p:sldId id="267" r:id="rId17"/>
-    <p:sldId id="268" r:id="rId18"/>
   </p:sldIdLst>
   <p:sldSz cx="18288000" cy="10287000"/>
   <p:notesSz cx="6858000" cy="9144000"/>
   <p:embeddedFontLst>
     <p:embeddedFont>
       <p:font typeface="Canva Sans Bold" charset="1" panose="020B0803030501040103"/>
+      <p:regular r:id="rId18"/>
+    </p:embeddedFont>
+    <p:embeddedFont>
+      <p:font typeface="Canva Sans" charset="1" panose="020B0503030501040103"/>
       <p:regular r:id="rId19"/>
     </p:embeddedFont>
     <p:embeddedFont>
-      <p:font typeface="Canva Sans" charset="1" panose="020B0503030501040103"/>
-      <p:regular r:id="rId20"/>
-    </p:embeddedFont>
-    <p:embeddedFont>
       <p:font typeface="Barlow Bold" charset="1" panose="00000800000000000000"/>
-      <p:regular r:id="rId24"/>
+      <p:regular r:id="rId23"/>
     </p:embeddedFont>
   </p:embeddedFontLst>
   <p:defaultTextStyle>
@@ -699,254 +698,6 @@
 </p:notes>
 </file>
 
-<file path=ppt/notesSlides/notesSlide10.xml><?xml version="1.0" encoding="utf-8"?>
-<p:notes xmlns:p="http://schemas.openxmlformats.org/presentationml/2006/main" xmlns:a="http://schemas.openxmlformats.org/drawingml/2006/main">
-  <p:cSld>
-    <p:spTree xmlns:r="http://schemas.openxmlformats.org/officeDocument/2006/relationships">
-      <p:nvGrpSpPr>
-        <p:cNvPr id="1" name=""/>
-        <p:cNvGrpSpPr/>
-        <p:nvPr/>
-      </p:nvGrpSpPr>
-      <p:grpSpPr>
-        <a:xfrm>
-          <a:off x="0" y="0"/>
-          <a:ext cx="0" cy="0"/>
-          <a:chOff x="0" y="0"/>
-          <a:chExt cx="0" cy="0"/>
-        </a:xfrm>
-      </p:grpSpPr>
-      <p:sp>
-        <p:nvSpPr>
-          <p:cNvPr id="2" name="Header Placeholder 1"/>
-          <p:cNvSpPr>
-            <a:spLocks noGrp="1"/>
-          </p:cNvSpPr>
-          <p:nvPr>
-            <p:ph type="hdr" sz="quarter"/>
-          </p:nvPr>
-        </p:nvSpPr>
-        <p:spPr>
-          <a:xfrm>
-            <a:off x="0" y="0"/>
-            <a:ext cx="3962400" cy="342900"/>
-          </a:xfrm>
-          <a:prstGeom prst="rect">
-            <a:avLst/>
-          </a:prstGeom>
-        </p:spPr>
-        <p:txBody>
-          <a:bodyPr vert="horz" lIns="91440" tIns="45720" rIns="91440" bIns="45720" rtlCol="0"/>
-          <a:lstStyle>
-            <a:lvl1pPr algn="l">
-              <a:defRPr sz="1200"/>
-            </a:lvl1pPr>
-          </a:lstStyle>
-          <a:p/>
-        </p:txBody>
-      </p:sp>
-      <p:sp>
-        <p:nvSpPr>
-          <p:cNvPr id="3" name="Date Placeholder 2"/>
-          <p:cNvSpPr>
-            <a:spLocks noGrp="1"/>
-          </p:cNvSpPr>
-          <p:nvPr>
-            <p:ph type="dt" idx="1"/>
-          </p:nvPr>
-        </p:nvSpPr>
-        <p:spPr>
-          <a:xfrm>
-            <a:off x="5180013" y="0"/>
-            <a:ext cx="3962400" cy="342900"/>
-          </a:xfrm>
-          <a:prstGeom prst="rect">
-            <a:avLst/>
-          </a:prstGeom>
-        </p:spPr>
-        <p:txBody>
-          <a:bodyPr vert="horz" lIns="91440" tIns="45720" rIns="91440" bIns="45720" rtlCol="0"/>
-          <a:lstStyle>
-            <a:lvl1pPr algn="r">
-              <a:defRPr sz="1200"/>
-            </a:lvl1pPr>
-          </a:lstStyle>
-          <a:p>
-            <a:r id="{B7268E1E-0E44-426D-905E-8AD9B19D2182}" type="datetimeFigureOut">
-              <a:rPr lang="cs-CZ" smtClean="0"/>
-              <a:t>1.7.2013</a:t>
-            </a:r>
-          </a:p>
-        </p:txBody>
-      </p:sp>
-      <p:sp>
-        <p:nvSpPr>
-          <p:cNvPr id="4" name="Slide Image Placeholder 3"/>
-          <p:cNvSpPr>
-            <a:spLocks noGrp="1" noRot="1" noChangeAspect="1"/>
-          </p:cNvSpPr>
-          <p:nvPr>
-            <p:ph type="sldImg" idx="2"/>
-          </p:nvPr>
-        </p:nvSpPr>
-        <p:spPr>
-          <a:xfrm>
-            <a:off x="2857500" y="512763"/>
-            <a:ext cx="3429000" cy="2566987"/>
-          </a:xfrm>
-          <a:prstGeom prst="rect">
-            <a:avLst/>
-          </a:prstGeom>
-          <a:noFill/>
-          <a:ln w="12700">
-            <a:solidFill>
-              <a:prstClr val="black"/>
-            </a:solidFill>
-          </a:ln>
-        </p:spPr>
-        <p:txBody>
-          <a:bodyPr vert="horz" lIns="91440" tIns="45720" rIns="91440" bIns="45720" rtlCol="0" anchor="ctr"/>
-          <a:lstStyle/>
-          <a:p/>
-        </p:txBody>
-      </p:sp>
-      <p:sp>
-        <p:nvSpPr>
-          <p:cNvPr id="5" name="Notes Placeholder 4"/>
-          <p:cNvSpPr>
-            <a:spLocks noGrp="1"/>
-          </p:cNvSpPr>
-          <p:nvPr>
-            <p:ph type="body" sz="quarter" idx="3"/>
-          </p:nvPr>
-        </p:nvSpPr>
-        <p:spPr>
-          <a:xfrm>
-            <a:off x="914400" y="3251200"/>
-            <a:ext cx="7315200" cy="3081338"/>
-          </a:xfrm>
-          <a:prstGeom prst="rect">
-            <a:avLst/>
-          </a:prstGeom>
-        </p:spPr>
-        <p:txBody>
-          <a:bodyPr vert="horz" lIns="91440" tIns="45720" rIns="91440" bIns="45720" rtlCol="0"/>
-          <a:lstStyle/>
-          <a:p>
-            <a:r>
-              <a:rPr lang="en-US"/>
-              <a:t>keras</a:t>
-            </a:r>
-          </a:p>
-          <a:p>
-            <a:r>
-              <a:rPr lang="en-US"/>
-              <a:t>not sure if it works entirely as it should</a:t>
-            </a:r>
-          </a:p>
-          <a:p>
-            <a:r>
-              <a:rPr lang="en-US"/>
-              <a:t>--&gt; potential</a:t>
-            </a:r>
-          </a:p>
-          <a:p>
-            <a:r>
-              <a:rPr lang="en-US"/>
-              <a:t/>
-            </a:r>
-          </a:p>
-          <a:p>
-            <a:r>
-              <a:rPr lang="en-US"/>
-              <a:t>second risk profile</a:t>
-            </a:r>
-          </a:p>
-          <a:p>
-            <a:r>
-              <a:rPr lang="en-US"/>
-              <a:t>top predicted profits</a:t>
-            </a:r>
-          </a:p>
-          <a:p>
-            <a:r>
-              <a:rPr lang="en-US"/>
-              <a:t>prefer more steady growth, a bit safer</a:t>
-            </a:r>
-          </a:p>
-        </p:txBody>
-      </p:sp>
-      <p:sp>
-        <p:nvSpPr>
-          <p:cNvPr id="6" name="Footer Placeholder 5"/>
-          <p:cNvSpPr>
-            <a:spLocks noGrp="1"/>
-          </p:cNvSpPr>
-          <p:nvPr>
-            <p:ph type="ftr" sz="quarter" idx="4"/>
-          </p:nvPr>
-        </p:nvSpPr>
-        <p:spPr>
-          <a:xfrm>
-            <a:off x="0" y="6502400"/>
-            <a:ext cx="3962400" cy="341313"/>
-          </a:xfrm>
-          <a:prstGeom prst="rect">
-            <a:avLst/>
-          </a:prstGeom>
-        </p:spPr>
-        <p:txBody>
-          <a:bodyPr vert="horz" lIns="91440" tIns="45720" rIns="91440" bIns="45720" rtlCol="0" anchor="b"/>
-          <a:lstStyle>
-            <a:lvl1pPr algn="l">
-              <a:defRPr sz="1200"/>
-            </a:lvl1pPr>
-          </a:lstStyle>
-          <a:p/>
-        </p:txBody>
-      </p:sp>
-      <p:sp>
-        <p:nvSpPr>
-          <p:cNvPr id="7" name="Slide Number Placeholder 6"/>
-          <p:cNvSpPr>
-            <a:spLocks noGrp="1"/>
-          </p:cNvSpPr>
-          <p:nvPr>
-            <p:ph type="sldNum" sz="quarter" idx="5"/>
-          </p:nvPr>
-        </p:nvSpPr>
-        <p:spPr>
-          <a:xfrm>
-            <a:off x="5180013" y="6502400"/>
-            <a:ext cx="3962400" cy="341313"/>
-          </a:xfrm>
-          <a:prstGeom prst="rect">
-            <a:avLst/>
-          </a:prstGeom>
-        </p:spPr>
-        <p:txBody>
-          <a:bodyPr vert="horz" lIns="91440" tIns="45720" rIns="91440" bIns="45720" rtlCol="0" anchor="b"/>
-          <a:lstStyle>
-            <a:lvl1pPr algn="r">
-              <a:defRPr sz="1200"/>
-            </a:lvl1pPr>
-          </a:lstStyle>
-          <a:p>
-            <a:r id="{871B2431-D351-4C6E-A3CF-9DFAC0E3E050}" type="slidenum">
-              <a:rPr lang="cs-CZ" smtClean="0"/>
-              <a:t>‹#›</a:t>
-            </a:r>
-          </a:p>
-        </p:txBody>
-      </p:sp>
-    </p:spTree>
-  </p:cSld>
-  <p:clrMapOvr>
-    <a:masterClrMapping/>
-  </p:clrMapOvr>
-</p:notes>
-</file>
-
 <file path=ppt/notesSlides/notesSlide2.xml><?xml version="1.0" encoding="utf-8"?>
 <p:notes xmlns:p="http://schemas.openxmlformats.org/presentationml/2006/main" xmlns:a="http://schemas.openxmlformats.org/drawingml/2006/main">
   <p:cSld>
@@ -1083,9 +834,68 @@
           <a:p>
             <a:r>
               <a:rPr lang="en-US"/>
-              <a:t>Dataset from Kaggle</a:t>
-            </a:r>
-            <a:endParaRPr lang="en-US" smtClean="0"/>
+              <a:t>to test data</a:t>
+            </a:r>
+          </a:p>
+          <a:p>
+            <a:r>
+              <a:rPr lang="en-US"/>
+              <a:t>short analysis:</a:t>
+            </a:r>
+          </a:p>
+          <a:p>
+            <a:r>
+              <a:rPr lang="en-US"/>
+              <a:t/>
+            </a:r>
+          </a:p>
+          <a:p>
+            <a:r>
+              <a:rPr lang="en-US"/>
+              <a:t>normalized price data</a:t>
+            </a:r>
+          </a:p>
+          <a:p>
+            <a:r>
+              <a:rPr lang="en-US"/>
+              <a:t/>
+            </a:r>
+          </a:p>
+          <a:p>
+            <a:r>
+              <a:rPr lang="en-US"/>
+              <a:t>average of all s&amp;p 500 stocks:</a:t>
+            </a:r>
+          </a:p>
+          <a:p>
+            <a:r>
+              <a:rPr lang="en-US"/>
+              <a:t>8.5 x since 2010</a:t>
+            </a:r>
+          </a:p>
+          <a:p>
+            <a:r>
+              <a:rPr lang="en-US"/>
+              <a:t/>
+            </a:r>
+          </a:p>
+          <a:p>
+            <a:r>
+              <a:rPr lang="en-US"/>
+              <a:t>long term investing seems to pay out</a:t>
+            </a:r>
+          </a:p>
+          <a:p>
+            <a:r>
+              <a:rPr lang="en-US"/>
+              <a:t/>
+            </a:r>
+          </a:p>
+          <a:p>
+            <a:r>
+              <a:rPr lang="en-US"/>
+              <a:t>2022: large dip because of war in ukraine</a:t>
+            </a:r>
           </a:p>
         </p:txBody>
       </p:sp>
@@ -1296,13 +1106,7 @@
           <a:p>
             <a:r>
               <a:rPr lang="en-US"/>
-              <a:t>to test data</a:t>
-            </a:r>
-          </a:p>
-          <a:p>
-            <a:r>
-              <a:rPr lang="en-US"/>
-              <a:t>short analysis:</a:t>
+              <a:t>regarding volatility:</a:t>
             </a:r>
           </a:p>
           <a:p>
@@ -1314,7 +1118,13 @@
           <a:p>
             <a:r>
               <a:rPr lang="en-US"/>
-              <a:t>normalized price data</a:t>
+              <a:t>day to day volatility</a:t>
+            </a:r>
+          </a:p>
+          <a:p>
+            <a:r>
+              <a:rPr lang="en-US"/>
+              <a:t>--&gt; per stock:</a:t>
             </a:r>
           </a:p>
           <a:p>
@@ -1326,13 +1136,13 @@
           <a:p>
             <a:r>
               <a:rPr lang="en-US"/>
-              <a:t>average of all s&amp;p 500 stocks:</a:t>
+              <a:t>price change = </a:t>
             </a:r>
           </a:p>
           <a:p>
             <a:r>
               <a:rPr lang="en-US"/>
-              <a:t>8.5 x since 2010</a:t>
+              <a:t>percentual difference to day before</a:t>
             </a:r>
           </a:p>
           <a:p>
@@ -1344,7 +1154,7 @@
           <a:p>
             <a:r>
               <a:rPr lang="en-US"/>
-              <a:t>long term investing seems to pay out</a:t>
+              <a:t>standard deviation</a:t>
             </a:r>
           </a:p>
           <a:p>
@@ -1356,7 +1166,7 @@
           <a:p>
             <a:r>
               <a:rPr lang="en-US"/>
-              <a:t>2022: large dip because of war in ukraine</a:t>
+              <a:t>aggregated sectors</a:t>
             </a:r>
           </a:p>
         </p:txBody>
@@ -1568,7 +1378,13 @@
           <a:p>
             <a:r>
               <a:rPr lang="en-US"/>
-              <a:t>regarding volatility:</a:t>
+              <a:t>very low p-value</a:t>
+            </a:r>
+          </a:p>
+          <a:p>
+            <a:r>
+              <a:rPr lang="en-US"/>
+              <a:t>--&gt; we clearly reject null hypothesis</a:t>
             </a:r>
           </a:p>
           <a:p>
@@ -1580,13 +1396,7 @@
           <a:p>
             <a:r>
               <a:rPr lang="en-US"/>
-              <a:t>day to day volatility</a:t>
-            </a:r>
-          </a:p>
-          <a:p>
-            <a:r>
-              <a:rPr lang="en-US"/>
-              <a:t>--&gt; per stock:</a:t>
+              <a:t>energy has high median and overall</a:t>
             </a:r>
           </a:p>
           <a:p>
@@ -1598,13 +1408,19 @@
           <a:p>
             <a:r>
               <a:rPr lang="en-US"/>
-              <a:t>price change = </a:t>
+              <a:t>on the other side:</a:t>
             </a:r>
           </a:p>
           <a:p>
             <a:r>
               <a:rPr lang="en-US"/>
-              <a:t>percentual difference to day before</a:t>
+              <a:t>consumer staples, utilities</a:t>
+            </a:r>
+          </a:p>
+          <a:p>
+            <a:r>
+              <a:rPr lang="en-US"/>
+              <a:t>--&gt; lower volatility values</a:t>
             </a:r>
           </a:p>
           <a:p>
@@ -1616,7 +1432,13 @@
           <a:p>
             <a:r>
               <a:rPr lang="en-US"/>
-              <a:t>standard deviation</a:t>
+              <a:t>right side:</a:t>
+            </a:r>
+          </a:p>
+          <a:p>
+            <a:r>
+              <a:rPr lang="en-US"/>
+              <a:t>ranked from high to low volatility</a:t>
             </a:r>
           </a:p>
           <a:p>
@@ -1628,7 +1450,7 @@
           <a:p>
             <a:r>
               <a:rPr lang="en-US"/>
-              <a:t>aggregated sectors</a:t>
+              <a:t>significant difference</a:t>
             </a:r>
           </a:p>
         </p:txBody>
@@ -1840,13 +1662,7 @@
           <a:p>
             <a:r>
               <a:rPr lang="en-US"/>
-              <a:t>very low p-value</a:t>
-            </a:r>
-          </a:p>
-          <a:p>
-            <a:r>
-              <a:rPr lang="en-US"/>
-              <a:t>--&gt; we clearly reject null hypothesis</a:t>
+              <a:t>preparation for machine learning</a:t>
             </a:r>
           </a:p>
           <a:p>
@@ -1858,7 +1674,19 @@
           <a:p>
             <a:r>
               <a:rPr lang="en-US"/>
-              <a:t>energy has high median and overall</a:t>
+              <a:t>used some of the original features,</a:t>
+            </a:r>
+          </a:p>
+          <a:p>
+            <a:r>
+              <a:rPr lang="en-US"/>
+              <a:t>added some using webscraping,</a:t>
+            </a:r>
+          </a:p>
+          <a:p>
+            <a:r>
+              <a:rPr lang="en-US"/>
+              <a:t>added with feature engineering</a:t>
             </a:r>
           </a:p>
           <a:p>
@@ -1870,19 +1698,25 @@
           <a:p>
             <a:r>
               <a:rPr lang="en-US"/>
-              <a:t>on the other side:</a:t>
+              <a:t>already talk about:</a:t>
             </a:r>
           </a:p>
           <a:p>
             <a:r>
               <a:rPr lang="en-US"/>
-              <a:t>consumer staples, utilities</a:t>
+              <a:t>norm price</a:t>
             </a:r>
           </a:p>
           <a:p>
             <a:r>
               <a:rPr lang="en-US"/>
-              <a:t>--&gt; lower volatility values</a:t>
+              <a:t>price change</a:t>
+            </a:r>
+          </a:p>
+          <a:p>
+            <a:r>
+              <a:rPr lang="en-US"/>
+              <a:t>volatility</a:t>
             </a:r>
           </a:p>
           <a:p>
@@ -1894,13 +1728,19 @@
           <a:p>
             <a:r>
               <a:rPr lang="en-US"/>
-              <a:t>right side:</a:t>
+              <a:t>added financial indicators:</a:t>
             </a:r>
           </a:p>
           <a:p>
             <a:r>
               <a:rPr lang="en-US"/>
-              <a:t>ranked from high to low volatility</a:t>
+              <a:t>moving averages</a:t>
+            </a:r>
+          </a:p>
+          <a:p>
+            <a:r>
+              <a:rPr lang="en-US"/>
+              <a:t>also exponential</a:t>
             </a:r>
           </a:p>
           <a:p>
@@ -1912,7 +1752,67 @@
           <a:p>
             <a:r>
               <a:rPr lang="en-US"/>
-              <a:t>significant difference</a:t>
+              <a:t>bollinger bands:</a:t>
+            </a:r>
+          </a:p>
+          <a:p>
+            <a:r>
+              <a:rPr lang="en-US"/>
+              <a:t>standard deviation x2</a:t>
+            </a:r>
+          </a:p>
+          <a:p>
+            <a:r>
+              <a:rPr lang="en-US"/>
+              <a:t/>
+            </a:r>
+          </a:p>
+          <a:p>
+            <a:r>
+              <a:rPr lang="en-US"/>
+              <a:t>RSI:</a:t>
+            </a:r>
+          </a:p>
+          <a:p>
+            <a:r>
+              <a:rPr lang="en-US"/>
+              <a:t>relative strength index</a:t>
+            </a:r>
+          </a:p>
+          <a:p>
+            <a:r>
+              <a:rPr lang="en-US"/>
+              <a:t>indicates overbought / oversold conditions</a:t>
+            </a:r>
+          </a:p>
+          <a:p>
+            <a:r>
+              <a:rPr lang="en-US"/>
+              <a:t>not in the same scale as price data</a:t>
+            </a:r>
+          </a:p>
+          <a:p>
+            <a:r>
+              <a:rPr lang="en-US"/>
+              <a:t/>
+            </a:r>
+          </a:p>
+          <a:p>
+            <a:r>
+              <a:rPr lang="en-US"/>
+              <a:t>MACD:</a:t>
+            </a:r>
+          </a:p>
+          <a:p>
+            <a:r>
+              <a:rPr lang="en-US"/>
+              <a:t>Moving Average Convergence/Divergence</a:t>
+            </a:r>
+          </a:p>
+          <a:p>
+            <a:r>
+              <a:rPr lang="en-US"/>
+              <a:t>another important trading indicator</a:t>
             </a:r>
           </a:p>
         </p:txBody>
@@ -2124,158 +2024,9 @@
           <a:p>
             <a:r>
               <a:rPr lang="en-US"/>
-              <a:t>preparation for machine learning</a:t>
-            </a:r>
-          </a:p>
-          <a:p>
-            <a:r>
-              <a:rPr lang="en-US"/>
-              <a:t/>
-            </a:r>
-          </a:p>
-          <a:p>
-            <a:r>
-              <a:rPr lang="en-US"/>
-              <a:t>used some of the original features,</a:t>
-            </a:r>
-          </a:p>
-          <a:p>
-            <a:r>
-              <a:rPr lang="en-US"/>
-              <a:t>added some using webscraping,</a:t>
-            </a:r>
-          </a:p>
-          <a:p>
-            <a:r>
-              <a:rPr lang="en-US"/>
-              <a:t>added with feature engineering</a:t>
-            </a:r>
-          </a:p>
-          <a:p>
-            <a:r>
-              <a:rPr lang="en-US"/>
-              <a:t/>
-            </a:r>
-          </a:p>
-          <a:p>
-            <a:r>
-              <a:rPr lang="en-US"/>
-              <a:t>already talk about:</a:t>
-            </a:r>
-          </a:p>
-          <a:p>
-            <a:r>
-              <a:rPr lang="en-US"/>
-              <a:t>norm price</a:t>
-            </a:r>
-          </a:p>
-          <a:p>
-            <a:r>
-              <a:rPr lang="en-US"/>
-              <a:t>price change</a:t>
-            </a:r>
-          </a:p>
-          <a:p>
-            <a:r>
-              <a:rPr lang="en-US"/>
-              <a:t>volatility</a:t>
-            </a:r>
-          </a:p>
-          <a:p>
-            <a:r>
-              <a:rPr lang="en-US"/>
-              <a:t/>
-            </a:r>
-          </a:p>
-          <a:p>
-            <a:r>
-              <a:rPr lang="en-US"/>
-              <a:t>added financial indicators:</a:t>
-            </a:r>
-          </a:p>
-          <a:p>
-            <a:r>
-              <a:rPr lang="en-US"/>
-              <a:t>moving averages</a:t>
-            </a:r>
-          </a:p>
-          <a:p>
-            <a:r>
-              <a:rPr lang="en-US"/>
-              <a:t>also exponential</a:t>
-            </a:r>
-          </a:p>
-          <a:p>
-            <a:r>
-              <a:rPr lang="en-US"/>
-              <a:t/>
-            </a:r>
-          </a:p>
-          <a:p>
-            <a:r>
-              <a:rPr lang="en-US"/>
-              <a:t>bollinger bands:</a:t>
-            </a:r>
-          </a:p>
-          <a:p>
-            <a:r>
-              <a:rPr lang="en-US"/>
-              <a:t>standard deviation x2</a:t>
-            </a:r>
-          </a:p>
-          <a:p>
-            <a:r>
-              <a:rPr lang="en-US"/>
-              <a:t/>
-            </a:r>
-          </a:p>
-          <a:p>
-            <a:r>
-              <a:rPr lang="en-US"/>
-              <a:t>RSI:</a:t>
-            </a:r>
-          </a:p>
-          <a:p>
-            <a:r>
-              <a:rPr lang="en-US"/>
-              <a:t>relative strength index</a:t>
-            </a:r>
-          </a:p>
-          <a:p>
-            <a:r>
-              <a:rPr lang="en-US"/>
-              <a:t>indicates overbought / oversold conditions</a:t>
-            </a:r>
-          </a:p>
-          <a:p>
-            <a:r>
-              <a:rPr lang="en-US"/>
-              <a:t>not in the same scale as price data</a:t>
-            </a:r>
-          </a:p>
-          <a:p>
-            <a:r>
-              <a:rPr lang="en-US"/>
-              <a:t/>
-            </a:r>
-          </a:p>
-          <a:p>
-            <a:r>
-              <a:rPr lang="en-US"/>
-              <a:t>MACD:</a:t>
-            </a:r>
-          </a:p>
-          <a:p>
-            <a:r>
-              <a:rPr lang="en-US"/>
-              <a:t>Moving Average Convergence/Divergence</a:t>
-            </a:r>
-          </a:p>
-          <a:p>
-            <a:r>
-              <a:rPr lang="en-US"/>
-              <a:t>another important trading indicator</a:t>
-            </a:r>
+              <a:t>example price data for one stock</a:t>
+            </a:r>
+            <a:endParaRPr lang="en-US" smtClean="0"/>
           </a:p>
         </p:txBody>
       </p:sp>
@@ -2486,9 +2237,140 @@
           <a:p>
             <a:r>
               <a:rPr lang="en-US"/>
-              <a:t>example price data for one stock</a:t>
-            </a:r>
-            <a:endParaRPr lang="en-US" smtClean="0"/>
+              <a:t>start machine learning with xg boost</a:t>
+            </a:r>
+          </a:p>
+          <a:p>
+            <a:r>
+              <a:rPr lang="en-US"/>
+              <a:t>- works well with large datasets</a:t>
+            </a:r>
+          </a:p>
+          <a:p>
+            <a:r>
+              <a:rPr lang="en-US"/>
+              <a:t>- does not care about outliers too much</a:t>
+            </a:r>
+          </a:p>
+          <a:p>
+            <a:r>
+              <a:rPr lang="en-US"/>
+              <a:t>- already know some of the parameters from previous experience</a:t>
+            </a:r>
+          </a:p>
+          <a:p>
+            <a:r>
+              <a:rPr lang="en-US"/>
+              <a:t/>
+            </a:r>
+          </a:p>
+          <a:p>
+            <a:r>
+              <a:rPr lang="en-US"/>
+              <a:t>lagged features:</a:t>
+            </a:r>
+          </a:p>
+          <a:p>
+            <a:r>
+              <a:rPr lang="en-US"/>
+              <a:t>technical indicators</a:t>
+            </a:r>
+          </a:p>
+          <a:p>
+            <a:r>
+              <a:rPr lang="en-US"/>
+              <a:t>--&gt; shifted for 1, 2, ... days</a:t>
+            </a:r>
+          </a:p>
+          <a:p>
+            <a:r>
+              <a:rPr lang="en-US"/>
+              <a:t/>
+            </a:r>
+          </a:p>
+          <a:p>
+            <a:r>
+              <a:rPr lang="en-US"/>
+              <a:t>metrics: profit on virtual portfolio: invested in 10 top predicted profit stocks</a:t>
+            </a:r>
+          </a:p>
+          <a:p>
+            <a:r>
+              <a:rPr lang="en-US"/>
+              <a:t/>
+            </a:r>
+          </a:p>
+          <a:p>
+            <a:r>
+              <a:rPr lang="en-US"/>
+              <a:t>non tuned model</a:t>
+            </a:r>
+          </a:p>
+          <a:p>
+            <a:r>
+              <a:rPr lang="en-US"/>
+              <a:t>already good numbers</a:t>
+            </a:r>
+          </a:p>
+          <a:p>
+            <a:r>
+              <a:rPr lang="en-US"/>
+              <a:t/>
+            </a:r>
+          </a:p>
+          <a:p>
+            <a:r>
+              <a:rPr lang="en-US"/>
+              <a:t>want to make use of the categorical features</a:t>
+            </a:r>
+          </a:p>
+          <a:p>
+            <a:r>
+              <a:rPr lang="en-US"/>
+              <a:t/>
+            </a:r>
+          </a:p>
+          <a:p>
+            <a:r>
+              <a:rPr lang="en-US"/>
+              <a:t>categoricals:</a:t>
+            </a:r>
+          </a:p>
+          <a:p>
+            <a:r>
+              <a:rPr lang="en-US"/>
+              <a:t>0ne-hot encoding: over 600 new features</a:t>
+            </a:r>
+          </a:p>
+          <a:p>
+            <a:r>
+              <a:rPr lang="en-US"/>
+              <a:t>--&gt; way too much</a:t>
+            </a:r>
+          </a:p>
+          <a:p>
+            <a:r>
+              <a:rPr lang="en-US"/>
+              <a:t>integer encoding: implies an order but there is no order</a:t>
+            </a:r>
+          </a:p>
+          <a:p>
+            <a:r>
+              <a:rPr lang="en-US"/>
+              <a:t/>
+            </a:r>
+          </a:p>
+          <a:p>
+            <a:r>
+              <a:rPr lang="en-US"/>
+              <a:t>researched opportunities</a:t>
+            </a:r>
+          </a:p>
+          <a:p>
+            <a:r>
+              <a:rPr lang="en-US"/>
+              <a:t>neural networks are great with this kind of categorical data</a:t>
+            </a:r>
           </a:p>
         </p:txBody>
       </p:sp>
@@ -2699,25 +2581,13 @@
           <a:p>
             <a:r>
               <a:rPr lang="en-US"/>
-              <a:t>start machine learning with xg boost</a:t>
+              <a:t>tensor flow:</a:t>
             </a:r>
           </a:p>
           <a:p>
             <a:r>
               <a:rPr lang="en-US"/>
-              <a:t>- works well with large datasets</a:t>
-            </a:r>
-          </a:p>
-          <a:p>
-            <a:r>
-              <a:rPr lang="en-US"/>
-              <a:t>- does not care about outliers too much</a:t>
-            </a:r>
-          </a:p>
-          <a:p>
-            <a:r>
-              <a:rPr lang="en-US"/>
-              <a:t>- already know some of the parameters from previous experience</a:t>
+              <a:t>deep learning framework</a:t>
             </a:r>
           </a:p>
           <a:p>
@@ -2729,19 +2599,19 @@
           <a:p>
             <a:r>
               <a:rPr lang="en-US"/>
-              <a:t>lagged features:</a:t>
+              <a:t>logic behind deep learning model: different layers:</a:t>
             </a:r>
           </a:p>
           <a:p>
             <a:r>
               <a:rPr lang="en-US"/>
-              <a:t>technical indicators</a:t>
+              <a:t>- input layer: every categorical feature needs own layer</a:t>
             </a:r>
           </a:p>
           <a:p>
             <a:r>
               <a:rPr lang="en-US"/>
-              <a:t>--&gt; shifted for 1, 2, ... days</a:t>
+              <a:t>embedding + flatten</a:t>
             </a:r>
           </a:p>
           <a:p>
@@ -2753,7 +2623,13 @@
           <a:p>
             <a:r>
               <a:rPr lang="en-US"/>
-              <a:t>metrics: profit on virtual portfolio: invested in 10 top predicted profit stocks</a:t>
+              <a:t>- hidden layers: where the magic happens</a:t>
+            </a:r>
+          </a:p>
+          <a:p>
+            <a:r>
+              <a:rPr lang="en-US"/>
+              <a:t>dense layers (basic building blocks), lstm (long short term memory) for time series predictions</a:t>
             </a:r>
           </a:p>
           <a:p>
@@ -2765,13 +2641,7 @@
           <a:p>
             <a:r>
               <a:rPr lang="en-US"/>
-              <a:t>non tuned model</a:t>
-            </a:r>
-          </a:p>
-          <a:p>
-            <a:r>
-              <a:rPr lang="en-US"/>
-              <a:t>already good numbers</a:t>
+              <a:t>- output layer for predictions</a:t>
             </a:r>
           </a:p>
           <a:p>
@@ -2783,7 +2653,25 @@
           <a:p>
             <a:r>
               <a:rPr lang="en-US"/>
-              <a:t>want to make use of the categorical features</a:t>
+              <a:t>adam:</a:t>
+            </a:r>
+          </a:p>
+          <a:p>
+            <a:r>
+              <a:rPr lang="en-US"/>
+              <a:t>optimizer</a:t>
+            </a:r>
+          </a:p>
+          <a:p>
+            <a:r>
+              <a:rPr lang="en-US"/>
+              <a:t>Adaptive Moment Estimation</a:t>
+            </a:r>
+          </a:p>
+          <a:p>
+            <a:r>
+              <a:rPr lang="en-US"/>
+              <a:t>efficiently adjusts the weights while training, </a:t>
             </a:r>
           </a:p>
           <a:p>
@@ -2795,43 +2683,7 @@
           <a:p>
             <a:r>
               <a:rPr lang="en-US"/>
-              <a:t>categoricals:</a:t>
-            </a:r>
-          </a:p>
-          <a:p>
-            <a:r>
-              <a:rPr lang="en-US"/>
-              <a:t>0ne-hot encoding: over 600 new features</a:t>
-            </a:r>
-          </a:p>
-          <a:p>
-            <a:r>
-              <a:rPr lang="en-US"/>
-              <a:t>--&gt; way too much</a:t>
-            </a:r>
-          </a:p>
-          <a:p>
-            <a:r>
-              <a:rPr lang="en-US"/>
-              <a:t>integer encoding: implies an order but there is no order</a:t>
-            </a:r>
-          </a:p>
-          <a:p>
-            <a:r>
-              <a:rPr lang="en-US"/>
-              <a:t/>
-            </a:r>
-          </a:p>
-          <a:p>
-            <a:r>
-              <a:rPr lang="en-US"/>
-              <a:t>researched opportunities</a:t>
-            </a:r>
-          </a:p>
-          <a:p>
-            <a:r>
-              <a:rPr lang="en-US"/>
-              <a:t>neural networks are great with this kind of categorical data</a:t>
+              <a:t>not include in further steps of project, focus on xg boost model</a:t>
             </a:r>
           </a:p>
         </p:txBody>
@@ -3043,13 +2895,19 @@
           <a:p>
             <a:r>
               <a:rPr lang="en-US"/>
-              <a:t>tensor flow:</a:t>
+              <a:t>keras</a:t>
             </a:r>
           </a:p>
           <a:p>
             <a:r>
               <a:rPr lang="en-US"/>
-              <a:t>deep learning framework</a:t>
+              <a:t>not sure if it works entirely as it should</a:t>
+            </a:r>
+          </a:p>
+          <a:p>
+            <a:r>
+              <a:rPr lang="en-US"/>
+              <a:t>--&gt; potential</a:t>
             </a:r>
           </a:p>
           <a:p>
@@ -3061,91 +2919,19 @@
           <a:p>
             <a:r>
               <a:rPr lang="en-US"/>
-              <a:t>logic behind deep learning model: different layers:</a:t>
+              <a:t>second risk profile</a:t>
             </a:r>
           </a:p>
           <a:p>
             <a:r>
               <a:rPr lang="en-US"/>
-              <a:t>- input layer: every categorical feature needs own layer</a:t>
+              <a:t>top predicted profits</a:t>
             </a:r>
           </a:p>
           <a:p>
             <a:r>
               <a:rPr lang="en-US"/>
-              <a:t>embedding + flatten</a:t>
-            </a:r>
-          </a:p>
-          <a:p>
-            <a:r>
-              <a:rPr lang="en-US"/>
-              <a:t/>
-            </a:r>
-          </a:p>
-          <a:p>
-            <a:r>
-              <a:rPr lang="en-US"/>
-              <a:t>- hidden layers: where the magic happens</a:t>
-            </a:r>
-          </a:p>
-          <a:p>
-            <a:r>
-              <a:rPr lang="en-US"/>
-              <a:t>dense layers (basic building blocks), lstm (long short term memory) for time series predictions</a:t>
-            </a:r>
-          </a:p>
-          <a:p>
-            <a:r>
-              <a:rPr lang="en-US"/>
-              <a:t/>
-            </a:r>
-          </a:p>
-          <a:p>
-            <a:r>
-              <a:rPr lang="en-US"/>
-              <a:t>- output layer for predictions</a:t>
-            </a:r>
-          </a:p>
-          <a:p>
-            <a:r>
-              <a:rPr lang="en-US"/>
-              <a:t/>
-            </a:r>
-          </a:p>
-          <a:p>
-            <a:r>
-              <a:rPr lang="en-US"/>
-              <a:t>adam:</a:t>
-            </a:r>
-          </a:p>
-          <a:p>
-            <a:r>
-              <a:rPr lang="en-US"/>
-              <a:t>optimizer</a:t>
-            </a:r>
-          </a:p>
-          <a:p>
-            <a:r>
-              <a:rPr lang="en-US"/>
-              <a:t>Adaptive Moment Estimation</a:t>
-            </a:r>
-          </a:p>
-          <a:p>
-            <a:r>
-              <a:rPr lang="en-US"/>
-              <a:t>adjusts the weights while training, </a:t>
-            </a:r>
-          </a:p>
-          <a:p>
-            <a:r>
-              <a:rPr lang="en-US"/>
-              <a:t/>
-            </a:r>
-          </a:p>
-          <a:p>
-            <a:r>
-              <a:rPr lang="en-US"/>
-              <a:t>not include in further steps of project, focus on xg boost model</a:t>
+              <a:t>prefer more steady growth, a bit safer</a:t>
             </a:r>
           </a:p>
         </p:txBody>
@@ -6468,7 +6254,7 @@
 </file>
 
 <file path=ppt/slides/slide10.xml><?xml version="1.0" encoding="utf-8"?>
-<p:sld xmlns:p="http://schemas.openxmlformats.org/presentationml/2006/main" xmlns:a="http://schemas.openxmlformats.org/drawingml/2006/main" xmlns:r="http://schemas.openxmlformats.org/officeDocument/2006/relationships">
+<p:sld xmlns:p="http://schemas.openxmlformats.org/presentationml/2006/main" xmlns:a="http://schemas.openxmlformats.org/drawingml/2006/main">
   <p:cSld>
     <p:bg>
       <p:bgPr>
@@ -6499,7 +6285,7 @@
         </p:nvGrpSpPr>
         <p:grpSpPr>
           <a:xfrm rot="0">
-            <a:off x="256660" y="236074"/>
+            <a:off x="236090" y="236074"/>
             <a:ext cx="17774681" cy="9814853"/>
             <a:chOff x="0" y="0"/>
             <a:chExt cx="4681397" cy="2584982"/>
@@ -6600,129 +6386,13 @@
       </p:grpSp>
       <p:sp>
         <p:nvSpPr>
-          <p:cNvPr name="Freeform 5" id="5"/>
-          <p:cNvSpPr/>
-          <p:nvPr/>
-        </p:nvSpPr>
-        <p:spPr>
-          <a:xfrm flipH="false" flipV="false" rot="0">
-            <a:off x="13765923" y="588627"/>
-            <a:ext cx="3918658" cy="1451355"/>
-          </a:xfrm>
-          <a:custGeom>
-            <a:avLst/>
-            <a:gdLst/>
-            <a:ahLst/>
-            <a:cxnLst/>
-            <a:rect r="r" b="b" t="t" l="l"/>
-            <a:pathLst>
-              <a:path h="1451355" w="3918658">
-                <a:moveTo>
-                  <a:pt x="0" y="0"/>
-                </a:moveTo>
-                <a:lnTo>
-                  <a:pt x="3918658" y="0"/>
-                </a:lnTo>
-                <a:lnTo>
-                  <a:pt x="3918658" y="1451355"/>
-                </a:lnTo>
-                <a:lnTo>
-                  <a:pt x="0" y="1451355"/>
-                </a:lnTo>
-                <a:lnTo>
-                  <a:pt x="0" y="0"/>
-                </a:lnTo>
-                <a:close/>
-              </a:path>
-            </a:pathLst>
-          </a:custGeom>
-          <a:blipFill>
-            <a:blip r:embed="rId3"/>
-            <a:stretch>
-              <a:fillRect l="0" t="0" r="0" b="0"/>
-            </a:stretch>
-          </a:blipFill>
-        </p:spPr>
-      </p:sp>
-      <p:sp>
-        <p:nvSpPr>
-          <p:cNvPr name="AutoShape 6" id="6"/>
-          <p:cNvSpPr/>
-          <p:nvPr/>
-        </p:nvSpPr>
-        <p:spPr>
-          <a:xfrm>
-            <a:off x="3587449" y="2529573"/>
-            <a:ext cx="11113103" cy="0"/>
-          </a:xfrm>
-          <a:prstGeom prst="line">
-            <a:avLst/>
-          </a:prstGeom>
-          <a:ln cap="flat" w="38100">
-            <a:solidFill>
-              <a:srgbClr val="000000"/>
-            </a:solidFill>
-            <a:prstDash val="solid"/>
-            <a:headEnd type="none" len="sm" w="sm"/>
-            <a:tailEnd type="none" len="sm" w="sm"/>
-          </a:ln>
-        </p:spPr>
-      </p:sp>
-      <p:sp>
-        <p:nvSpPr>
-          <p:cNvPr name="Freeform 7" id="7"/>
-          <p:cNvSpPr/>
-          <p:nvPr/>
-        </p:nvSpPr>
-        <p:spPr>
-          <a:xfrm flipH="false" flipV="false" rot="-10800000">
-            <a:off x="1028700" y="3482073"/>
-            <a:ext cx="3663863" cy="4744233"/>
-          </a:xfrm>
-          <a:custGeom>
-            <a:avLst/>
-            <a:gdLst/>
-            <a:ahLst/>
-            <a:cxnLst/>
-            <a:rect r="r" b="b" t="t" l="l"/>
-            <a:pathLst>
-              <a:path h="4744233" w="3663863">
-                <a:moveTo>
-                  <a:pt x="0" y="0"/>
-                </a:moveTo>
-                <a:lnTo>
-                  <a:pt x="3663863" y="0"/>
-                </a:lnTo>
-                <a:lnTo>
-                  <a:pt x="3663863" y="4744233"/>
-                </a:lnTo>
-                <a:lnTo>
-                  <a:pt x="0" y="4744233"/>
-                </a:lnTo>
-                <a:lnTo>
-                  <a:pt x="0" y="0"/>
-                </a:lnTo>
-                <a:close/>
-              </a:path>
-            </a:pathLst>
-          </a:custGeom>
-          <a:blipFill>
-            <a:blip r:embed="rId4"/>
-            <a:stretch>
-              <a:fillRect l="-10894" t="-7711" r="-31407" b="-18272"/>
-            </a:stretch>
-          </a:blipFill>
-        </p:spPr>
-      </p:sp>
-      <p:sp>
-        <p:nvSpPr>
-          <p:cNvPr name="TextBox 8" id="8"/>
+          <p:cNvPr name="TextBox 5" id="5"/>
           <p:cNvSpPr txBox="true"/>
           <p:nvPr/>
         </p:nvSpPr>
         <p:spPr>
           <a:xfrm rot="0">
-            <a:off x="4480938" y="481012"/>
+            <a:off x="4277390" y="4595812"/>
             <a:ext cx="9284984" cy="1095375"/>
           </a:xfrm>
           <a:prstGeom prst="rect">
@@ -6750,171 +6420,7 @@
                 <a:cs typeface="Barlow Bold"/>
                 <a:sym typeface="Barlow Bold"/>
               </a:rPr>
-              <a:t>Keras</a:t>
-            </a:r>
-          </a:p>
-        </p:txBody>
-      </p:sp>
-      <p:sp>
-        <p:nvSpPr>
-          <p:cNvPr name="TextBox 9" id="9"/>
-          <p:cNvSpPr txBox="true"/>
-          <p:nvPr/>
-        </p:nvSpPr>
-        <p:spPr>
-          <a:xfrm rot="0">
-            <a:off x="6484939" y="2712333"/>
-            <a:ext cx="6132314" cy="1313180"/>
-          </a:xfrm>
-          <a:prstGeom prst="rect">
-            <a:avLst/>
-          </a:prstGeom>
-        </p:spPr>
-        <p:txBody>
-          <a:bodyPr anchor="t" rtlCol="false" tIns="0" lIns="0" bIns="0" rIns="0">
-            <a:spAutoFit/>
-          </a:bodyPr>
-          <a:lstStyle/>
-          <a:p>
-            <a:pPr algn="ctr">
-              <a:lnSpc>
-                <a:spcPts val="5319"/>
-              </a:lnSpc>
-            </a:pPr>
-            <a:r>
-              <a:rPr lang="en-US" b="true" sz="3799">
-                <a:solidFill>
-                  <a:srgbClr val="000000"/>
-                </a:solidFill>
-                <a:latin typeface="Canva Sans Bold"/>
-                <a:ea typeface="Canva Sans Bold"/>
-                <a:cs typeface="Canva Sans Bold"/>
-                <a:sym typeface="Canva Sans Bold"/>
-              </a:rPr>
-              <a:t>High level Python library </a:t>
-            </a:r>
-          </a:p>
-          <a:p>
-            <a:pPr algn="ctr">
-              <a:lnSpc>
-                <a:spcPts val="5319"/>
-              </a:lnSpc>
-            </a:pPr>
-            <a:r>
-              <a:rPr lang="en-US" b="true" sz="3799">
-                <a:solidFill>
-                  <a:srgbClr val="000000"/>
-                </a:solidFill>
-                <a:latin typeface="Canva Sans Bold"/>
-                <a:ea typeface="Canva Sans Bold"/>
-                <a:cs typeface="Canva Sans Bold"/>
-                <a:sym typeface="Canva Sans Bold"/>
-              </a:rPr>
-              <a:t>Built on top of Tensorflow</a:t>
-            </a:r>
-          </a:p>
-        </p:txBody>
-      </p:sp>
-      <p:sp>
-        <p:nvSpPr>
-          <p:cNvPr name="TextBox 10" id="10"/>
-          <p:cNvSpPr txBox="true"/>
-          <p:nvPr/>
-        </p:nvSpPr>
-        <p:spPr>
-          <a:xfrm rot="0">
-            <a:off x="5915030" y="5663404"/>
-            <a:ext cx="10654159" cy="2380615"/>
-          </a:xfrm>
-          <a:prstGeom prst="rect">
-            <a:avLst/>
-          </a:prstGeom>
-        </p:spPr>
-        <p:txBody>
-          <a:bodyPr anchor="t" rtlCol="false" tIns="0" lIns="0" bIns="0" rIns="0">
-            <a:spAutoFit/>
-          </a:bodyPr>
-          <a:lstStyle/>
-          <a:p>
-            <a:pPr algn="l">
-              <a:lnSpc>
-                <a:spcPts val="4759"/>
-              </a:lnSpc>
-            </a:pPr>
-            <a:r>
-              <a:rPr lang="en-US" sz="3399">
-                <a:solidFill>
-                  <a:srgbClr val="000000"/>
-                </a:solidFill>
-                <a:latin typeface="Canva Sans"/>
-                <a:ea typeface="Canva Sans"/>
-                <a:cs typeface="Canva Sans"/>
-                <a:sym typeface="Canva Sans"/>
-              </a:rPr>
-              <a:t>Components:</a:t>
-            </a:r>
-          </a:p>
-          <a:p>
-            <a:pPr algn="l" marL="734059" indent="-367030" lvl="1">
-              <a:lnSpc>
-                <a:spcPts val="4759"/>
-              </a:lnSpc>
-              <a:buFont typeface="Arial"/>
-              <a:buChar char="•"/>
-            </a:pPr>
-            <a:r>
-              <a:rPr lang="en-US" sz="3399">
-                <a:solidFill>
-                  <a:srgbClr val="000000"/>
-                </a:solidFill>
-                <a:latin typeface="Canva Sans"/>
-                <a:ea typeface="Canva Sans"/>
-                <a:cs typeface="Canva Sans"/>
-                <a:sym typeface="Canva Sans"/>
-              </a:rPr>
-              <a:t>Embedding, Flatten: used for Input Categoricals</a:t>
-            </a:r>
-          </a:p>
-          <a:p>
-            <a:pPr algn="l" marL="734059" indent="-367030" lvl="1">
-              <a:lnSpc>
-                <a:spcPts val="4759"/>
-              </a:lnSpc>
-              <a:buFont typeface="Arial"/>
-              <a:buChar char="•"/>
-            </a:pPr>
-            <a:r>
-              <a:rPr lang="en-US" sz="3399">
-                <a:solidFill>
-                  <a:srgbClr val="000000"/>
-                </a:solidFill>
-                <a:latin typeface="Canva Sans"/>
-                <a:ea typeface="Canva Sans"/>
-                <a:cs typeface="Canva Sans"/>
-                <a:sym typeface="Canva Sans"/>
-              </a:rPr>
-              <a:t>Dense: Basic Building Block</a:t>
-            </a:r>
-          </a:p>
-          <a:p>
-            <a:pPr algn="l" marL="734059" indent="-367030" lvl="1">
-              <a:lnSpc>
-                <a:spcPts val="4759"/>
-              </a:lnSpc>
-              <a:buFont typeface="Arial"/>
-              <a:buChar char="•"/>
-            </a:pPr>
-            <a:r>
-              <a:rPr lang="en-US" sz="3399">
-                <a:solidFill>
-                  <a:srgbClr val="000000"/>
-                </a:solidFill>
-                <a:latin typeface="Canva Sans"/>
-                <a:ea typeface="Canva Sans"/>
-                <a:cs typeface="Canva Sans"/>
-                <a:sym typeface="Canva Sans"/>
-              </a:rPr>
-              <a:t>Optimizer: Adam</a:t>
+              <a:t>Streamlit</a:t>
             </a:r>
           </a:p>
         </p:txBody>
@@ -6928,7 +6434,7 @@
 </file>
 
 <file path=ppt/slides/slide11.xml><?xml version="1.0" encoding="utf-8"?>
-<p:sld xmlns:p="http://schemas.openxmlformats.org/presentationml/2006/main" xmlns:a="http://schemas.openxmlformats.org/drawingml/2006/main">
+<p:sld xmlns:p="http://schemas.openxmlformats.org/presentationml/2006/main" xmlns:a="http://schemas.openxmlformats.org/drawingml/2006/main" xmlns:r="http://schemas.openxmlformats.org/officeDocument/2006/relationships">
   <p:cSld>
     <p:bg>
       <p:bgPr>
@@ -7060,13 +6566,111 @@
       </p:grpSp>
       <p:sp>
         <p:nvSpPr>
-          <p:cNvPr name="TextBox 5" id="5"/>
+          <p:cNvPr name="Freeform 5" id="5"/>
+          <p:cNvSpPr/>
+          <p:nvPr/>
+        </p:nvSpPr>
+        <p:spPr>
+          <a:xfrm flipH="false" flipV="false" rot="0">
+            <a:off x="9992638" y="5830326"/>
+            <a:ext cx="3109586" cy="3109586"/>
+          </a:xfrm>
+          <a:custGeom>
+            <a:avLst/>
+            <a:gdLst/>
+            <a:ahLst/>
+            <a:cxnLst/>
+            <a:rect r="r" b="b" t="t" l="l"/>
+            <a:pathLst>
+              <a:path h="3109586" w="3109586">
+                <a:moveTo>
+                  <a:pt x="0" y="0"/>
+                </a:moveTo>
+                <a:lnTo>
+                  <a:pt x="3109587" y="0"/>
+                </a:lnTo>
+                <a:lnTo>
+                  <a:pt x="3109587" y="3109587"/>
+                </a:lnTo>
+                <a:lnTo>
+                  <a:pt x="0" y="3109587"/>
+                </a:lnTo>
+                <a:lnTo>
+                  <a:pt x="0" y="0"/>
+                </a:lnTo>
+                <a:close/>
+              </a:path>
+            </a:pathLst>
+          </a:custGeom>
+          <a:blipFill>
+            <a:blip r:embed="rId3"/>
+            <a:stretch>
+              <a:fillRect l="0" t="0" r="0" b="0"/>
+            </a:stretch>
+          </a:blipFill>
+        </p:spPr>
+      </p:sp>
+      <p:sp>
+        <p:nvSpPr>
+          <p:cNvPr name="Freeform 6" id="6"/>
+          <p:cNvSpPr/>
+          <p:nvPr/>
+        </p:nvSpPr>
+        <p:spPr>
+          <a:xfrm flipH="false" flipV="false" rot="0">
+            <a:off x="13489250" y="719496"/>
+            <a:ext cx="3553691" cy="4114800"/>
+          </a:xfrm>
+          <a:custGeom>
+            <a:avLst/>
+            <a:gdLst/>
+            <a:ahLst/>
+            <a:cxnLst/>
+            <a:rect r="r" b="b" t="t" l="l"/>
+            <a:pathLst>
+              <a:path h="4114800" w="3553691">
+                <a:moveTo>
+                  <a:pt x="0" y="0"/>
+                </a:moveTo>
+                <a:lnTo>
+                  <a:pt x="3553691" y="0"/>
+                </a:lnTo>
+                <a:lnTo>
+                  <a:pt x="3553691" y="4114800"/>
+                </a:lnTo>
+                <a:lnTo>
+                  <a:pt x="0" y="4114800"/>
+                </a:lnTo>
+                <a:lnTo>
+                  <a:pt x="0" y="0"/>
+                </a:lnTo>
+                <a:close/>
+              </a:path>
+            </a:pathLst>
+          </a:custGeom>
+          <a:blipFill>
+            <a:blip r:embed="rId4">
+              <a:extLst>
+                <a:ext uri="{96DAC541-7B7A-43D3-8B79-37D633B846F1}">
+                  <asvg:svgBlip xmlns:asvg="http://schemas.microsoft.com/office/drawing/2016/SVG/main" r:embed="rId5"/>
+                </a:ext>
+              </a:extLst>
+            </a:blip>
+            <a:stretch>
+              <a:fillRect l="0" t="0" r="0" b="0"/>
+            </a:stretch>
+          </a:blipFill>
+        </p:spPr>
+      </p:sp>
+      <p:sp>
+        <p:nvSpPr>
+          <p:cNvPr name="TextBox 7" id="7"/>
           <p:cNvSpPr txBox="true"/>
           <p:nvPr/>
         </p:nvSpPr>
         <p:spPr>
           <a:xfrm rot="0">
-            <a:off x="4277390" y="4595812"/>
+            <a:off x="4480938" y="481012"/>
             <a:ext cx="9284984" cy="1095375"/>
           </a:xfrm>
           <a:prstGeom prst="rect">
@@ -7094,7 +6698,311 @@
                 <a:cs typeface="Barlow Bold"/>
                 <a:sym typeface="Barlow Bold"/>
               </a:rPr>
-              <a:t>Streamlit</a:t>
+              <a:t>To do:</a:t>
+            </a:r>
+          </a:p>
+        </p:txBody>
+      </p:sp>
+      <p:sp>
+        <p:nvSpPr>
+          <p:cNvPr name="TextBox 8" id="8"/>
+          <p:cNvSpPr txBox="true"/>
+          <p:nvPr/>
+        </p:nvSpPr>
+        <p:spPr>
+          <a:xfrm rot="0">
+            <a:off x="1121241" y="4028972"/>
+            <a:ext cx="3989040" cy="1180465"/>
+          </a:xfrm>
+          <a:prstGeom prst="rect">
+            <a:avLst/>
+          </a:prstGeom>
+        </p:spPr>
+        <p:txBody>
+          <a:bodyPr anchor="t" rtlCol="false" tIns="0" lIns="0" bIns="0" rIns="0">
+            <a:spAutoFit/>
+          </a:bodyPr>
+          <a:lstStyle/>
+          <a:p>
+            <a:pPr algn="ctr">
+              <a:lnSpc>
+                <a:spcPts val="4759"/>
+              </a:lnSpc>
+            </a:pPr>
+            <a:r>
+              <a:rPr lang="en-US" sz="3399" b="true">
+                <a:solidFill>
+                  <a:srgbClr val="000000"/>
+                </a:solidFill>
+                <a:latin typeface="Canva Sans Bold"/>
+                <a:ea typeface="Canva Sans Bold"/>
+                <a:cs typeface="Canva Sans Bold"/>
+                <a:sym typeface="Canva Sans Bold"/>
+              </a:rPr>
+              <a:t>XG Boost:</a:t>
+            </a:r>
+          </a:p>
+          <a:p>
+            <a:pPr algn="ctr">
+              <a:lnSpc>
+                <a:spcPts val="4759"/>
+              </a:lnSpc>
+            </a:pPr>
+            <a:r>
+              <a:rPr lang="en-US" sz="3399">
+                <a:solidFill>
+                  <a:srgbClr val="000000"/>
+                </a:solidFill>
+                <a:latin typeface="Canva Sans"/>
+                <a:ea typeface="Canva Sans"/>
+                <a:cs typeface="Canva Sans"/>
+                <a:sym typeface="Canva Sans"/>
+              </a:rPr>
+              <a:t>Refine, Grid Search</a:t>
+            </a:r>
+          </a:p>
+        </p:txBody>
+      </p:sp>
+      <p:sp>
+        <p:nvSpPr>
+          <p:cNvPr name="TextBox 9" id="9"/>
+          <p:cNvSpPr txBox="true"/>
+          <p:nvPr/>
+        </p:nvSpPr>
+        <p:spPr>
+          <a:xfrm rot="0">
+            <a:off x="4386678" y="5599962"/>
+            <a:ext cx="2347317" cy="1780540"/>
+          </a:xfrm>
+          <a:prstGeom prst="rect">
+            <a:avLst/>
+          </a:prstGeom>
+        </p:spPr>
+        <p:txBody>
+          <a:bodyPr anchor="t" rtlCol="false" tIns="0" lIns="0" bIns="0" rIns="0">
+            <a:spAutoFit/>
+          </a:bodyPr>
+          <a:lstStyle/>
+          <a:p>
+            <a:pPr algn="ctr">
+              <a:lnSpc>
+                <a:spcPts val="4759"/>
+              </a:lnSpc>
+            </a:pPr>
+            <a:r>
+              <a:rPr lang="en-US" sz="3399" b="true">
+                <a:solidFill>
+                  <a:srgbClr val="000000"/>
+                </a:solidFill>
+                <a:latin typeface="Canva Sans Bold"/>
+                <a:ea typeface="Canva Sans Bold"/>
+                <a:cs typeface="Canva Sans Bold"/>
+                <a:sym typeface="Canva Sans Bold"/>
+              </a:rPr>
+              <a:t>Keras:</a:t>
+            </a:r>
+          </a:p>
+          <a:p>
+            <a:pPr algn="ctr">
+              <a:lnSpc>
+                <a:spcPts val="4759"/>
+              </a:lnSpc>
+            </a:pPr>
+            <a:r>
+              <a:rPr lang="en-US" sz="3399">
+                <a:solidFill>
+                  <a:srgbClr val="000000"/>
+                </a:solidFill>
+                <a:latin typeface="Canva Sans"/>
+                <a:ea typeface="Canva Sans"/>
+                <a:cs typeface="Canva Sans"/>
+                <a:sym typeface="Canva Sans"/>
+              </a:rPr>
+              <a:t>Fix, Refine, </a:t>
+            </a:r>
+          </a:p>
+          <a:p>
+            <a:pPr algn="ctr">
+              <a:lnSpc>
+                <a:spcPts val="4759"/>
+              </a:lnSpc>
+            </a:pPr>
+            <a:r>
+              <a:rPr lang="en-US" sz="3399">
+                <a:solidFill>
+                  <a:srgbClr val="000000"/>
+                </a:solidFill>
+                <a:latin typeface="Canva Sans"/>
+                <a:ea typeface="Canva Sans"/>
+                <a:cs typeface="Canva Sans"/>
+                <a:sym typeface="Canva Sans"/>
+              </a:rPr>
+              <a:t>add LSTM</a:t>
+            </a:r>
+          </a:p>
+        </p:txBody>
+      </p:sp>
+      <p:sp>
+        <p:nvSpPr>
+          <p:cNvPr name="TextBox 10" id="10"/>
+          <p:cNvSpPr txBox="true"/>
+          <p:nvPr/>
+        </p:nvSpPr>
+        <p:spPr>
+          <a:xfrm rot="0">
+            <a:off x="451440" y="7656727"/>
+            <a:ext cx="4889153" cy="2380615"/>
+          </a:xfrm>
+          <a:prstGeom prst="rect">
+            <a:avLst/>
+          </a:prstGeom>
+        </p:spPr>
+        <p:txBody>
+          <a:bodyPr anchor="t" rtlCol="false" tIns="0" lIns="0" bIns="0" rIns="0">
+            <a:spAutoFit/>
+          </a:bodyPr>
+          <a:lstStyle/>
+          <a:p>
+            <a:pPr algn="ctr">
+              <a:lnSpc>
+                <a:spcPts val="4759"/>
+              </a:lnSpc>
+            </a:pPr>
+            <a:r>
+              <a:rPr lang="en-US" sz="3399" b="true">
+                <a:solidFill>
+                  <a:srgbClr val="000000"/>
+                </a:solidFill>
+                <a:latin typeface="Canva Sans Bold"/>
+                <a:ea typeface="Canva Sans Bold"/>
+                <a:cs typeface="Canva Sans Bold"/>
+                <a:sym typeface="Canva Sans Bold"/>
+              </a:rPr>
+              <a:t>Streamlit:</a:t>
+            </a:r>
+          </a:p>
+          <a:p>
+            <a:pPr algn="ctr">
+              <a:lnSpc>
+                <a:spcPts val="4759"/>
+              </a:lnSpc>
+            </a:pPr>
+            <a:r>
+              <a:rPr lang="en-US" sz="3399">
+                <a:solidFill>
+                  <a:srgbClr val="000000"/>
+                </a:solidFill>
+                <a:latin typeface="Canva Sans"/>
+                <a:ea typeface="Canva Sans"/>
+                <a:cs typeface="Canva Sans"/>
+                <a:sym typeface="Canva Sans"/>
+              </a:rPr>
+              <a:t>Enhance, </a:t>
+            </a:r>
+          </a:p>
+          <a:p>
+            <a:pPr algn="ctr">
+              <a:lnSpc>
+                <a:spcPts val="4759"/>
+              </a:lnSpc>
+            </a:pPr>
+            <a:r>
+              <a:rPr lang="en-US" sz="3399">
+                <a:solidFill>
+                  <a:srgbClr val="000000"/>
+                </a:solidFill>
+                <a:latin typeface="Canva Sans"/>
+                <a:ea typeface="Canva Sans"/>
+                <a:cs typeface="Canva Sans"/>
+                <a:sym typeface="Canva Sans"/>
+              </a:rPr>
+              <a:t>Add second Risk profile</a:t>
+            </a:r>
+          </a:p>
+          <a:p>
+            <a:pPr algn="ctr">
+              <a:lnSpc>
+                <a:spcPts val="4759"/>
+              </a:lnSpc>
+            </a:pPr>
+          </a:p>
+        </p:txBody>
+      </p:sp>
+      <p:sp>
+        <p:nvSpPr>
+          <p:cNvPr name="TextBox 11" id="11"/>
+          <p:cNvSpPr txBox="true"/>
+          <p:nvPr/>
+        </p:nvSpPr>
+        <p:spPr>
+          <a:xfrm rot="0">
+            <a:off x="2896016" y="1853289"/>
+            <a:ext cx="5328642" cy="1780540"/>
+          </a:xfrm>
+          <a:prstGeom prst="rect">
+            <a:avLst/>
+          </a:prstGeom>
+        </p:spPr>
+        <p:txBody>
+          <a:bodyPr anchor="t" rtlCol="false" tIns="0" lIns="0" bIns="0" rIns="0">
+            <a:spAutoFit/>
+          </a:bodyPr>
+          <a:lstStyle/>
+          <a:p>
+            <a:pPr algn="ctr">
+              <a:lnSpc>
+                <a:spcPts val="4759"/>
+              </a:lnSpc>
+            </a:pPr>
+            <a:r>
+              <a:rPr lang="en-US" sz="3399" b="true">
+                <a:solidFill>
+                  <a:srgbClr val="000000"/>
+                </a:solidFill>
+                <a:latin typeface="Canva Sans Bold"/>
+                <a:ea typeface="Canva Sans Bold"/>
+                <a:cs typeface="Canva Sans Bold"/>
+                <a:sym typeface="Canva Sans Bold"/>
+              </a:rPr>
+              <a:t>Code:</a:t>
+            </a:r>
+          </a:p>
+          <a:p>
+            <a:pPr algn="ctr">
+              <a:lnSpc>
+                <a:spcPts val="4759"/>
+              </a:lnSpc>
+            </a:pPr>
+            <a:r>
+              <a:rPr lang="en-US" sz="3399">
+                <a:solidFill>
+                  <a:srgbClr val="000000"/>
+                </a:solidFill>
+                <a:latin typeface="Canva Sans"/>
+                <a:ea typeface="Canva Sans"/>
+                <a:cs typeface="Canva Sans"/>
+                <a:sym typeface="Canva Sans"/>
+              </a:rPr>
+              <a:t>Restructure, Clean Up, </a:t>
+            </a:r>
+          </a:p>
+          <a:p>
+            <a:pPr algn="ctr">
+              <a:lnSpc>
+                <a:spcPts val="4759"/>
+              </a:lnSpc>
+            </a:pPr>
+            <a:r>
+              <a:rPr lang="en-US" sz="3399">
+                <a:solidFill>
+                  <a:srgbClr val="000000"/>
+                </a:solidFill>
+                <a:latin typeface="Canva Sans"/>
+                <a:ea typeface="Canva Sans"/>
+                <a:cs typeface="Canva Sans"/>
+                <a:sym typeface="Canva Sans"/>
+              </a:rPr>
+              <a:t>Implement best practices</a:t>
             </a:r>
           </a:p>
         </p:txBody>
@@ -7246,8 +7154,8 @@
         </p:nvSpPr>
         <p:spPr>
           <a:xfrm flipH="false" flipV="false" rot="0">
-            <a:off x="9992638" y="5830326"/>
-            <a:ext cx="3109586" cy="3109586"/>
+            <a:off x="2434760" y="4495278"/>
+            <a:ext cx="4092356" cy="4114800"/>
           </a:xfrm>
           <a:custGeom>
             <a:avLst/>
@@ -7256,61 +7164,15 @@
             <a:cxnLst/>
             <a:rect r="r" b="b" t="t" l="l"/>
             <a:pathLst>
-              <a:path h="3109586" w="3109586">
+              <a:path h="4114800" w="4092356">
                 <a:moveTo>
                   <a:pt x="0" y="0"/>
                 </a:moveTo>
                 <a:lnTo>
-                  <a:pt x="3109587" y="0"/>
+                  <a:pt x="4092356" y="0"/>
                 </a:lnTo>
                 <a:lnTo>
-                  <a:pt x="3109587" y="3109587"/>
-                </a:lnTo>
-                <a:lnTo>
-                  <a:pt x="0" y="3109587"/>
-                </a:lnTo>
-                <a:lnTo>
-                  <a:pt x="0" y="0"/>
-                </a:lnTo>
-                <a:close/>
-              </a:path>
-            </a:pathLst>
-          </a:custGeom>
-          <a:blipFill>
-            <a:blip r:embed="rId3"/>
-            <a:stretch>
-              <a:fillRect l="0" t="0" r="0" b="0"/>
-            </a:stretch>
-          </a:blipFill>
-        </p:spPr>
-      </p:sp>
-      <p:sp>
-        <p:nvSpPr>
-          <p:cNvPr name="Freeform 6" id="6"/>
-          <p:cNvSpPr/>
-          <p:nvPr/>
-        </p:nvSpPr>
-        <p:spPr>
-          <a:xfrm flipH="false" flipV="false" rot="0">
-            <a:off x="13489250" y="719496"/>
-            <a:ext cx="3553691" cy="4114800"/>
-          </a:xfrm>
-          <a:custGeom>
-            <a:avLst/>
-            <a:gdLst/>
-            <a:ahLst/>
-            <a:cxnLst/>
-            <a:rect r="r" b="b" t="t" l="l"/>
-            <a:pathLst>
-              <a:path h="4114800" w="3553691">
-                <a:moveTo>
-                  <a:pt x="0" y="0"/>
-                </a:moveTo>
-                <a:lnTo>
-                  <a:pt x="3553691" y="0"/>
-                </a:lnTo>
-                <a:lnTo>
-                  <a:pt x="3553691" y="4114800"/>
+                  <a:pt x="4092356" y="4114800"/>
                 </a:lnTo>
                 <a:lnTo>
                   <a:pt x="0" y="4114800"/>
@@ -7323,10 +7185,10 @@
             </a:pathLst>
           </a:custGeom>
           <a:blipFill>
-            <a:blip r:embed="rId4">
+            <a:blip r:embed="rId2">
               <a:extLst>
                 <a:ext uri="{96DAC541-7B7A-43D3-8B79-37D633B846F1}">
-                  <asvg:svgBlip xmlns:asvg="http://schemas.microsoft.com/office/drawing/2016/SVG/main" r:embed="rId5"/>
+                  <asvg:svgBlip xmlns:asvg="http://schemas.microsoft.com/office/drawing/2016/SVG/main" r:embed="rId3"/>
                 </a:ext>
               </a:extLst>
             </a:blip>
@@ -7338,6 +7200,52 @@
       </p:sp>
       <p:sp>
         <p:nvSpPr>
+          <p:cNvPr name="Freeform 6" id="6"/>
+          <p:cNvSpPr/>
+          <p:nvPr/>
+        </p:nvSpPr>
+        <p:spPr>
+          <a:xfrm flipH="false" flipV="false" rot="0">
+            <a:off x="7359029" y="1576388"/>
+            <a:ext cx="9900271" cy="8229600"/>
+          </a:xfrm>
+          <a:custGeom>
+            <a:avLst/>
+            <a:gdLst/>
+            <a:ahLst/>
+            <a:cxnLst/>
+            <a:rect r="r" b="b" t="t" l="l"/>
+            <a:pathLst>
+              <a:path h="8229600" w="9900271">
+                <a:moveTo>
+                  <a:pt x="0" y="0"/>
+                </a:moveTo>
+                <a:lnTo>
+                  <a:pt x="9900271" y="0"/>
+                </a:lnTo>
+                <a:lnTo>
+                  <a:pt x="9900271" y="8229600"/>
+                </a:lnTo>
+                <a:lnTo>
+                  <a:pt x="0" y="8229600"/>
+                </a:lnTo>
+                <a:lnTo>
+                  <a:pt x="0" y="0"/>
+                </a:lnTo>
+                <a:close/>
+              </a:path>
+            </a:pathLst>
+          </a:custGeom>
+          <a:blipFill>
+            <a:blip r:embed="rId4"/>
+            <a:stretch>
+              <a:fillRect l="0" t="0" r="0" b="0"/>
+            </a:stretch>
+          </a:blipFill>
+        </p:spPr>
+      </p:sp>
+      <p:sp>
+        <p:nvSpPr>
           <p:cNvPr name="TextBox 7" id="7"/>
           <p:cNvSpPr txBox="true"/>
           <p:nvPr/>
@@ -7372,292 +7280,7 @@
                 <a:cs typeface="Barlow Bold"/>
                 <a:sym typeface="Barlow Bold"/>
               </a:rPr>
-              <a:t>To do:</a:t>
-            </a:r>
-          </a:p>
-        </p:txBody>
-      </p:sp>
-      <p:sp>
-        <p:nvSpPr>
-          <p:cNvPr name="TextBox 8" id="8"/>
-          <p:cNvSpPr txBox="true"/>
-          <p:nvPr/>
-        </p:nvSpPr>
-        <p:spPr>
-          <a:xfrm rot="0">
-            <a:off x="1324788" y="4210726"/>
-            <a:ext cx="3989040" cy="1180465"/>
-          </a:xfrm>
-          <a:prstGeom prst="rect">
-            <a:avLst/>
-          </a:prstGeom>
-        </p:spPr>
-        <p:txBody>
-          <a:bodyPr anchor="t" rtlCol="false" tIns="0" lIns="0" bIns="0" rIns="0">
-            <a:spAutoFit/>
-          </a:bodyPr>
-          <a:lstStyle/>
-          <a:p>
-            <a:pPr algn="ctr">
-              <a:lnSpc>
-                <a:spcPts val="4759"/>
-              </a:lnSpc>
-            </a:pPr>
-            <a:r>
-              <a:rPr lang="en-US" sz="3399" b="true">
-                <a:solidFill>
-                  <a:srgbClr val="000000"/>
-                </a:solidFill>
-                <a:latin typeface="Canva Sans Bold"/>
-                <a:ea typeface="Canva Sans Bold"/>
-                <a:cs typeface="Canva Sans Bold"/>
-                <a:sym typeface="Canva Sans Bold"/>
-              </a:rPr>
-              <a:t>XG Boost:</a:t>
-            </a:r>
-          </a:p>
-          <a:p>
-            <a:pPr algn="ctr">
-              <a:lnSpc>
-                <a:spcPts val="4759"/>
-              </a:lnSpc>
-            </a:pPr>
-            <a:r>
-              <a:rPr lang="en-US" sz="3399">
-                <a:solidFill>
-                  <a:srgbClr val="000000"/>
-                </a:solidFill>
-                <a:latin typeface="Canva Sans"/>
-                <a:ea typeface="Canva Sans"/>
-                <a:cs typeface="Canva Sans"/>
-                <a:sym typeface="Canva Sans"/>
-              </a:rPr>
-              <a:t>Refine, Grid Search</a:t>
-            </a:r>
-          </a:p>
-        </p:txBody>
-      </p:sp>
-      <p:sp>
-        <p:nvSpPr>
-          <p:cNvPr name="TextBox 9" id="9"/>
-          <p:cNvSpPr txBox="true"/>
-          <p:nvPr/>
-        </p:nvSpPr>
-        <p:spPr>
-          <a:xfrm rot="0">
-            <a:off x="4250377" y="5763651"/>
-            <a:ext cx="2126903" cy="1180465"/>
-          </a:xfrm>
-          <a:prstGeom prst="rect">
-            <a:avLst/>
-          </a:prstGeom>
-        </p:spPr>
-        <p:txBody>
-          <a:bodyPr anchor="t" rtlCol="false" tIns="0" lIns="0" bIns="0" rIns="0">
-            <a:spAutoFit/>
-          </a:bodyPr>
-          <a:lstStyle/>
-          <a:p>
-            <a:pPr algn="ctr">
-              <a:lnSpc>
-                <a:spcPts val="4759"/>
-              </a:lnSpc>
-            </a:pPr>
-            <a:r>
-              <a:rPr lang="en-US" sz="3399" b="true">
-                <a:solidFill>
-                  <a:srgbClr val="000000"/>
-                </a:solidFill>
-                <a:latin typeface="Canva Sans Bold"/>
-                <a:ea typeface="Canva Sans Bold"/>
-                <a:cs typeface="Canva Sans Bold"/>
-                <a:sym typeface="Canva Sans Bold"/>
-              </a:rPr>
-              <a:t>Keras:</a:t>
-            </a:r>
-          </a:p>
-          <a:p>
-            <a:pPr algn="ctr">
-              <a:lnSpc>
-                <a:spcPts val="4759"/>
-              </a:lnSpc>
-            </a:pPr>
-            <a:r>
-              <a:rPr lang="en-US" sz="3399">
-                <a:solidFill>
-                  <a:srgbClr val="000000"/>
-                </a:solidFill>
-                <a:latin typeface="Canva Sans"/>
-                <a:ea typeface="Canva Sans"/>
-                <a:cs typeface="Canva Sans"/>
-                <a:sym typeface="Canva Sans"/>
-              </a:rPr>
-              <a:t>Fix, Refine</a:t>
-            </a:r>
-          </a:p>
-        </p:txBody>
-      </p:sp>
-      <p:sp>
-        <p:nvSpPr>
-          <p:cNvPr name="TextBox 10" id="10"/>
-          <p:cNvSpPr txBox="true"/>
-          <p:nvPr/>
-        </p:nvSpPr>
-        <p:spPr>
-          <a:xfrm rot="0">
-            <a:off x="671184" y="7117393"/>
-            <a:ext cx="4889153" cy="2380615"/>
-          </a:xfrm>
-          <a:prstGeom prst="rect">
-            <a:avLst/>
-          </a:prstGeom>
-        </p:spPr>
-        <p:txBody>
-          <a:bodyPr anchor="t" rtlCol="false" tIns="0" lIns="0" bIns="0" rIns="0">
-            <a:spAutoFit/>
-          </a:bodyPr>
-          <a:lstStyle/>
-          <a:p>
-            <a:pPr algn="ctr">
-              <a:lnSpc>
-                <a:spcPts val="4759"/>
-              </a:lnSpc>
-            </a:pPr>
-            <a:r>
-              <a:rPr lang="en-US" sz="3399" b="true">
-                <a:solidFill>
-                  <a:srgbClr val="000000"/>
-                </a:solidFill>
-                <a:latin typeface="Canva Sans Bold"/>
-                <a:ea typeface="Canva Sans Bold"/>
-                <a:cs typeface="Canva Sans Bold"/>
-                <a:sym typeface="Canva Sans Bold"/>
-              </a:rPr>
-              <a:t>Streamlit:</a:t>
-            </a:r>
-          </a:p>
-          <a:p>
-            <a:pPr algn="ctr">
-              <a:lnSpc>
-                <a:spcPts val="4759"/>
-              </a:lnSpc>
-            </a:pPr>
-            <a:r>
-              <a:rPr lang="en-US" sz="3399">
-                <a:solidFill>
-                  <a:srgbClr val="000000"/>
-                </a:solidFill>
-                <a:latin typeface="Canva Sans"/>
-                <a:ea typeface="Canva Sans"/>
-                <a:cs typeface="Canva Sans"/>
-                <a:sym typeface="Canva Sans"/>
-              </a:rPr>
-              <a:t>Enhance, </a:t>
-            </a:r>
-          </a:p>
-          <a:p>
-            <a:pPr algn="ctr">
-              <a:lnSpc>
-                <a:spcPts val="4759"/>
-              </a:lnSpc>
-            </a:pPr>
-            <a:r>
-              <a:rPr lang="en-US" sz="3399">
-                <a:solidFill>
-                  <a:srgbClr val="000000"/>
-                </a:solidFill>
-                <a:latin typeface="Canva Sans"/>
-                <a:ea typeface="Canva Sans"/>
-                <a:cs typeface="Canva Sans"/>
-                <a:sym typeface="Canva Sans"/>
-              </a:rPr>
-              <a:t>Add second Risk profile</a:t>
-            </a:r>
-          </a:p>
-          <a:p>
-            <a:pPr algn="ctr">
-              <a:lnSpc>
-                <a:spcPts val="4759"/>
-              </a:lnSpc>
-            </a:pPr>
-          </a:p>
-        </p:txBody>
-      </p:sp>
-      <p:sp>
-        <p:nvSpPr>
-          <p:cNvPr name="TextBox 11" id="11"/>
-          <p:cNvSpPr txBox="true"/>
-          <p:nvPr/>
-        </p:nvSpPr>
-        <p:spPr>
-          <a:xfrm rot="0">
-            <a:off x="2896016" y="2003287"/>
-            <a:ext cx="5328642" cy="1780540"/>
-          </a:xfrm>
-          <a:prstGeom prst="rect">
-            <a:avLst/>
-          </a:prstGeom>
-        </p:spPr>
-        <p:txBody>
-          <a:bodyPr anchor="t" rtlCol="false" tIns="0" lIns="0" bIns="0" rIns="0">
-            <a:spAutoFit/>
-          </a:bodyPr>
-          <a:lstStyle/>
-          <a:p>
-            <a:pPr algn="ctr">
-              <a:lnSpc>
-                <a:spcPts val="4759"/>
-              </a:lnSpc>
-            </a:pPr>
-            <a:r>
-              <a:rPr lang="en-US" sz="3399" b="true">
-                <a:solidFill>
-                  <a:srgbClr val="000000"/>
-                </a:solidFill>
-                <a:latin typeface="Canva Sans Bold"/>
-                <a:ea typeface="Canva Sans Bold"/>
-                <a:cs typeface="Canva Sans Bold"/>
-                <a:sym typeface="Canva Sans Bold"/>
-              </a:rPr>
-              <a:t>Code:</a:t>
-            </a:r>
-          </a:p>
-          <a:p>
-            <a:pPr algn="ctr">
-              <a:lnSpc>
-                <a:spcPts val="4759"/>
-              </a:lnSpc>
-            </a:pPr>
-            <a:r>
-              <a:rPr lang="en-US" sz="3399">
-                <a:solidFill>
-                  <a:srgbClr val="000000"/>
-                </a:solidFill>
-                <a:latin typeface="Canva Sans"/>
-                <a:ea typeface="Canva Sans"/>
-                <a:cs typeface="Canva Sans"/>
-                <a:sym typeface="Canva Sans"/>
-              </a:rPr>
-              <a:t>Restructure, Clean Up, </a:t>
-            </a:r>
-          </a:p>
-          <a:p>
-            <a:pPr algn="ctr">
-              <a:lnSpc>
-                <a:spcPts val="4759"/>
-              </a:lnSpc>
-            </a:pPr>
-            <a:r>
-              <a:rPr lang="en-US" sz="3399">
-                <a:solidFill>
-                  <a:srgbClr val="000000"/>
-                </a:solidFill>
-                <a:latin typeface="Canva Sans"/>
-                <a:ea typeface="Canva Sans"/>
-                <a:cs typeface="Canva Sans"/>
-                <a:sym typeface="Canva Sans"/>
-              </a:rPr>
-              <a:t>Implement best practices</a:t>
+              <a:t>Thank you!</a:t>
             </a:r>
           </a:p>
         </p:txBody>
@@ -7670,7 +7293,7 @@
 </p:sld>
 </file>
 
-<file path=ppt/slides/slide13.xml><?xml version="1.0" encoding="utf-8"?>
+<file path=ppt/slides/slide2.xml><?xml version="1.0" encoding="utf-8"?>
 <p:sld xmlns:p="http://schemas.openxmlformats.org/presentationml/2006/main" xmlns:a="http://schemas.openxmlformats.org/drawingml/2006/main" xmlns:r="http://schemas.openxmlformats.org/officeDocument/2006/relationships">
   <p:cSld>
     <p:bg>
@@ -7702,7 +7325,7 @@
         </p:nvGrpSpPr>
         <p:grpSpPr>
           <a:xfrm rot="0">
-            <a:off x="236090" y="236074"/>
+            <a:off x="256660" y="236074"/>
             <a:ext cx="17774681" cy="9814853"/>
             <a:chOff x="0" y="0"/>
             <a:chExt cx="4681397" cy="2584982"/>
@@ -7809,8 +7432,8 @@
         </p:nvSpPr>
         <p:spPr>
           <a:xfrm flipH="false" flipV="false" rot="0">
-            <a:off x="2434760" y="4495278"/>
-            <a:ext cx="4092356" cy="4114800"/>
+            <a:off x="7455864" y="1874745"/>
+            <a:ext cx="10335985" cy="6537510"/>
           </a:xfrm>
           <a:custGeom>
             <a:avLst/>
@@ -7819,18 +7442,18 @@
             <a:cxnLst/>
             <a:rect r="r" b="b" t="t" l="l"/>
             <a:pathLst>
-              <a:path h="4114800" w="4092356">
+              <a:path h="6537510" w="10335985">
                 <a:moveTo>
                   <a:pt x="0" y="0"/>
                 </a:moveTo>
                 <a:lnTo>
-                  <a:pt x="4092356" y="0"/>
+                  <a:pt x="10335984" y="0"/>
                 </a:lnTo>
                 <a:lnTo>
-                  <a:pt x="4092356" y="4114800"/>
+                  <a:pt x="10335984" y="6537510"/>
                 </a:lnTo>
                 <a:lnTo>
-                  <a:pt x="0" y="4114800"/>
+                  <a:pt x="0" y="6537510"/>
                 </a:lnTo>
                 <a:lnTo>
                   <a:pt x="0" y="0"/>
@@ -7840,13 +7463,7 @@
             </a:pathLst>
           </a:custGeom>
           <a:blipFill>
-            <a:blip r:embed="rId2">
-              <a:extLst>
-                <a:ext uri="{96DAC541-7B7A-43D3-8B79-37D633B846F1}">
-                  <asvg:svgBlip xmlns:asvg="http://schemas.microsoft.com/office/drawing/2016/SVG/main" r:embed="rId3"/>
-                </a:ext>
-              </a:extLst>
-            </a:blip>
+            <a:blip r:embed="rId3"/>
             <a:stretch>
               <a:fillRect l="0" t="0" r="0" b="0"/>
             </a:stretch>
@@ -7855,59 +7472,13 @@
       </p:sp>
       <p:sp>
         <p:nvSpPr>
-          <p:cNvPr name="Freeform 6" id="6"/>
-          <p:cNvSpPr/>
-          <p:nvPr/>
-        </p:nvSpPr>
-        <p:spPr>
-          <a:xfrm flipH="false" flipV="false" rot="0">
-            <a:off x="7359029" y="1576388"/>
-            <a:ext cx="9900271" cy="8229600"/>
-          </a:xfrm>
-          <a:custGeom>
-            <a:avLst/>
-            <a:gdLst/>
-            <a:ahLst/>
-            <a:cxnLst/>
-            <a:rect r="r" b="b" t="t" l="l"/>
-            <a:pathLst>
-              <a:path h="8229600" w="9900271">
-                <a:moveTo>
-                  <a:pt x="0" y="0"/>
-                </a:moveTo>
-                <a:lnTo>
-                  <a:pt x="9900271" y="0"/>
-                </a:lnTo>
-                <a:lnTo>
-                  <a:pt x="9900271" y="8229600"/>
-                </a:lnTo>
-                <a:lnTo>
-                  <a:pt x="0" y="8229600"/>
-                </a:lnTo>
-                <a:lnTo>
-                  <a:pt x="0" y="0"/>
-                </a:lnTo>
-                <a:close/>
-              </a:path>
-            </a:pathLst>
-          </a:custGeom>
-          <a:blipFill>
-            <a:blip r:embed="rId4"/>
-            <a:stretch>
-              <a:fillRect l="0" t="0" r="0" b="0"/>
-            </a:stretch>
-          </a:blipFill>
-        </p:spPr>
-      </p:sp>
-      <p:sp>
-        <p:nvSpPr>
-          <p:cNvPr name="TextBox 7" id="7"/>
+          <p:cNvPr name="TextBox 6" id="6"/>
           <p:cNvSpPr txBox="true"/>
           <p:nvPr/>
         </p:nvSpPr>
         <p:spPr>
           <a:xfrm rot="0">
-            <a:off x="4480938" y="481012"/>
+            <a:off x="455323" y="318536"/>
             <a:ext cx="9284984" cy="1095375"/>
           </a:xfrm>
           <a:prstGeom prst="rect">
@@ -7935,10 +7506,140 @@
                 <a:cs typeface="Barlow Bold"/>
                 <a:sym typeface="Barlow Bold"/>
               </a:rPr>
-              <a:t>Thank you!</a:t>
-            </a:r>
-          </a:p>
-        </p:txBody>
+              <a:t>About S&amp;P 500 Index</a:t>
+            </a:r>
+          </a:p>
+        </p:txBody>
+      </p:sp>
+      <p:sp>
+        <p:nvSpPr>
+          <p:cNvPr name="TextBox 7" id="7"/>
+          <p:cNvSpPr txBox="true"/>
+          <p:nvPr/>
+        </p:nvSpPr>
+        <p:spPr>
+          <a:xfrm rot="0">
+            <a:off x="455323" y="3177121"/>
+            <a:ext cx="6134993" cy="2114550"/>
+          </a:xfrm>
+          <a:prstGeom prst="rect">
+            <a:avLst/>
+          </a:prstGeom>
+        </p:spPr>
+        <p:txBody>
+          <a:bodyPr anchor="t" rtlCol="false" tIns="0" lIns="0" bIns="0" rIns="0">
+            <a:spAutoFit/>
+          </a:bodyPr>
+          <a:lstStyle/>
+          <a:p>
+            <a:pPr algn="just" marL="647702" indent="-323851" lvl="1">
+              <a:lnSpc>
+                <a:spcPts val="4200"/>
+              </a:lnSpc>
+              <a:buFont typeface="Arial"/>
+              <a:buChar char="•"/>
+            </a:pPr>
+            <a:r>
+              <a:rPr lang="en-US" sz="3000">
+                <a:solidFill>
+                  <a:srgbClr val="000000"/>
+                </a:solidFill>
+                <a:latin typeface="Canva Sans"/>
+                <a:ea typeface="Canva Sans"/>
+                <a:cs typeface="Canva Sans"/>
+                <a:sym typeface="Canva Sans"/>
+              </a:rPr>
+              <a:t>11 Sectors</a:t>
+            </a:r>
+          </a:p>
+          <a:p>
+            <a:pPr algn="just" marL="647702" indent="-323851" lvl="1">
+              <a:lnSpc>
+                <a:spcPts val="4200"/>
+              </a:lnSpc>
+              <a:buFont typeface="Arial"/>
+              <a:buChar char="•"/>
+            </a:pPr>
+            <a:r>
+              <a:rPr lang="en-US" sz="3000">
+                <a:solidFill>
+                  <a:srgbClr val="000000"/>
+                </a:solidFill>
+                <a:latin typeface="Canva Sans"/>
+                <a:ea typeface="Canva Sans"/>
+                <a:cs typeface="Canva Sans"/>
+                <a:sym typeface="Canva Sans"/>
+              </a:rPr>
+              <a:t>126 Subsectors</a:t>
+            </a:r>
+          </a:p>
+          <a:p>
+            <a:pPr algn="just" marL="647702" indent="-323851" lvl="1">
+              <a:lnSpc>
+                <a:spcPts val="4200"/>
+              </a:lnSpc>
+              <a:buFont typeface="Arial"/>
+              <a:buChar char="•"/>
+            </a:pPr>
+            <a:r>
+              <a:rPr lang="en-US" sz="3000">
+                <a:solidFill>
+                  <a:srgbClr val="000000"/>
+                </a:solidFill>
+                <a:latin typeface="Canva Sans"/>
+                <a:ea typeface="Canva Sans"/>
+                <a:cs typeface="Canva Sans"/>
+                <a:sym typeface="Canva Sans"/>
+              </a:rPr>
+              <a:t>500 of largest U.S. companies</a:t>
+            </a:r>
+          </a:p>
+          <a:p>
+            <a:pPr algn="just" marL="647702" indent="-323851" lvl="1">
+              <a:lnSpc>
+                <a:spcPts val="4200"/>
+              </a:lnSpc>
+              <a:buFont typeface="Arial"/>
+              <a:buChar char="•"/>
+            </a:pPr>
+            <a:r>
+              <a:rPr lang="en-US" sz="3000">
+                <a:solidFill>
+                  <a:srgbClr val="000000"/>
+                </a:solidFill>
+                <a:latin typeface="Canva Sans"/>
+                <a:ea typeface="Canva Sans"/>
+                <a:cs typeface="Canva Sans"/>
+                <a:sym typeface="Canva Sans"/>
+              </a:rPr>
+              <a:t>Index for overall market</a:t>
+            </a:r>
+          </a:p>
+        </p:txBody>
+      </p:sp>
+      <p:sp>
+        <p:nvSpPr>
+          <p:cNvPr name="AutoShape 8" id="8"/>
+          <p:cNvSpPr/>
+          <p:nvPr/>
+        </p:nvSpPr>
+        <p:spPr>
+          <a:xfrm>
+            <a:off x="455323" y="1432961"/>
+            <a:ext cx="11113103" cy="0"/>
+          </a:xfrm>
+          <a:prstGeom prst="line">
+            <a:avLst/>
+          </a:prstGeom>
+          <a:ln cap="flat" w="38100">
+            <a:solidFill>
+              <a:srgbClr val="000000"/>
+            </a:solidFill>
+            <a:prstDash val="solid"/>
+            <a:headEnd type="none" len="sm" w="sm"/>
+            <a:tailEnd type="none" len="sm" w="sm"/>
+          </a:ln>
+        </p:spPr>
       </p:sp>
     </p:spTree>
   </p:cSld>
@@ -7948,7 +7649,7 @@
 </p:sld>
 </file>
 
-<file path=ppt/slides/slide2.xml><?xml version="1.0" encoding="utf-8"?>
+<file path=ppt/slides/slide3.xml><?xml version="1.0" encoding="utf-8"?>
 <p:sld xmlns:p="http://schemas.openxmlformats.org/presentationml/2006/main" xmlns:a="http://schemas.openxmlformats.org/drawingml/2006/main" xmlns:r="http://schemas.openxmlformats.org/officeDocument/2006/relationships">
   <p:cSld>
     <p:bg>
@@ -8087,8 +7788,8 @@
         </p:nvSpPr>
         <p:spPr>
           <a:xfrm flipH="false" flipV="false" rot="0">
-            <a:off x="7455864" y="1874745"/>
-            <a:ext cx="10335985" cy="6537510"/>
+            <a:off x="10569684" y="2315619"/>
+            <a:ext cx="6570369" cy="5369204"/>
           </a:xfrm>
           <a:custGeom>
             <a:avLst/>
@@ -8097,18 +7798,18 @@
             <a:cxnLst/>
             <a:rect r="r" b="b" t="t" l="l"/>
             <a:pathLst>
-              <a:path h="6537510" w="10335985">
+              <a:path h="5369204" w="6570369">
                 <a:moveTo>
                   <a:pt x="0" y="0"/>
                 </a:moveTo>
                 <a:lnTo>
-                  <a:pt x="10335984" y="0"/>
+                  <a:pt x="6570369" y="0"/>
                 </a:lnTo>
                 <a:lnTo>
-                  <a:pt x="10335984" y="6537510"/>
+                  <a:pt x="6570369" y="5369204"/>
                 </a:lnTo>
                 <a:lnTo>
-                  <a:pt x="0" y="6537510"/>
+                  <a:pt x="0" y="5369204"/>
                 </a:lnTo>
                 <a:lnTo>
                   <a:pt x="0" y="0"/>
@@ -8133,8 +7834,8 @@
         </p:nvSpPr>
         <p:spPr>
           <a:xfrm rot="0">
-            <a:off x="455323" y="318536"/>
-            <a:ext cx="9284984" cy="1095375"/>
+            <a:off x="3796792" y="481012"/>
+            <a:ext cx="10694416" cy="1095375"/>
           </a:xfrm>
           <a:prstGeom prst="rect">
             <a:avLst/>
@@ -8161,126 +7862,20 @@
                 <a:cs typeface="Barlow Bold"/>
                 <a:sym typeface="Barlow Bold"/>
               </a:rPr>
-              <a:t>About S&amp;P 500 Index</a:t>
-            </a:r>
-          </a:p>
-        </p:txBody>
-      </p:sp>
-      <p:sp>
-        <p:nvSpPr>
-          <p:cNvPr name="TextBox 7" id="7"/>
-          <p:cNvSpPr txBox="true"/>
-          <p:nvPr/>
-        </p:nvSpPr>
-        <p:spPr>
-          <a:xfrm rot="0">
-            <a:off x="455323" y="3177121"/>
-            <a:ext cx="6134993" cy="2114550"/>
-          </a:xfrm>
-          <a:prstGeom prst="rect">
-            <a:avLst/>
-          </a:prstGeom>
-        </p:spPr>
-        <p:txBody>
-          <a:bodyPr anchor="t" rtlCol="false" tIns="0" lIns="0" bIns="0" rIns="0">
-            <a:spAutoFit/>
-          </a:bodyPr>
-          <a:lstStyle/>
-          <a:p>
-            <a:pPr algn="just" marL="647702" indent="-323851" lvl="1">
-              <a:lnSpc>
-                <a:spcPts val="4200"/>
-              </a:lnSpc>
-              <a:buFont typeface="Arial"/>
-              <a:buChar char="•"/>
-            </a:pPr>
-            <a:r>
-              <a:rPr lang="en-US" sz="3000">
-                <a:solidFill>
-                  <a:srgbClr val="000000"/>
-                </a:solidFill>
-                <a:latin typeface="Canva Sans"/>
-                <a:ea typeface="Canva Sans"/>
-                <a:cs typeface="Canva Sans"/>
-                <a:sym typeface="Canva Sans"/>
-              </a:rPr>
-              <a:t>11 Sectors</a:t>
-            </a:r>
-          </a:p>
-          <a:p>
-            <a:pPr algn="just" marL="647702" indent="-323851" lvl="1">
-              <a:lnSpc>
-                <a:spcPts val="4200"/>
-              </a:lnSpc>
-              <a:buFont typeface="Arial"/>
-              <a:buChar char="•"/>
-            </a:pPr>
-            <a:r>
-              <a:rPr lang="en-US" sz="3000">
-                <a:solidFill>
-                  <a:srgbClr val="000000"/>
-                </a:solidFill>
-                <a:latin typeface="Canva Sans"/>
-                <a:ea typeface="Canva Sans"/>
-                <a:cs typeface="Canva Sans"/>
-                <a:sym typeface="Canva Sans"/>
-              </a:rPr>
-              <a:t>126 Subsectors</a:t>
-            </a:r>
-          </a:p>
-          <a:p>
-            <a:pPr algn="just" marL="647702" indent="-323851" lvl="1">
-              <a:lnSpc>
-                <a:spcPts val="4200"/>
-              </a:lnSpc>
-              <a:buFont typeface="Arial"/>
-              <a:buChar char="•"/>
-            </a:pPr>
-            <a:r>
-              <a:rPr lang="en-US" sz="3000">
-                <a:solidFill>
-                  <a:srgbClr val="000000"/>
-                </a:solidFill>
-                <a:latin typeface="Canva Sans"/>
-                <a:ea typeface="Canva Sans"/>
-                <a:cs typeface="Canva Sans"/>
-                <a:sym typeface="Canva Sans"/>
-              </a:rPr>
-              <a:t>500 of largest U.S. companies</a:t>
-            </a:r>
-          </a:p>
-          <a:p>
-            <a:pPr algn="just" marL="647702" indent="-323851" lvl="1">
-              <a:lnSpc>
-                <a:spcPts val="4200"/>
-              </a:lnSpc>
-              <a:buFont typeface="Arial"/>
-              <a:buChar char="•"/>
-            </a:pPr>
-            <a:r>
-              <a:rPr lang="en-US" sz="3000">
-                <a:solidFill>
-                  <a:srgbClr val="000000"/>
-                </a:solidFill>
-                <a:latin typeface="Canva Sans"/>
-                <a:ea typeface="Canva Sans"/>
-                <a:cs typeface="Canva Sans"/>
-                <a:sym typeface="Canva Sans"/>
-              </a:rPr>
-              <a:t>Index for overall market</a:t>
-            </a:r>
-          </a:p>
-        </p:txBody>
-      </p:sp>
-      <p:sp>
-        <p:nvSpPr>
-          <p:cNvPr name="AutoShape 8" id="8"/>
+              <a:t>Exploratory Data Analysis</a:t>
+            </a:r>
+          </a:p>
+        </p:txBody>
+      </p:sp>
+      <p:sp>
+        <p:nvSpPr>
+          <p:cNvPr name="AutoShape 7" id="7"/>
           <p:cNvSpPr/>
           <p:nvPr/>
         </p:nvSpPr>
         <p:spPr>
           <a:xfrm>
-            <a:off x="455323" y="1432961"/>
+            <a:off x="3587449" y="1703311"/>
             <a:ext cx="11113103" cy="0"/>
           </a:xfrm>
           <a:prstGeom prst="line">
@@ -8296,6 +7891,110 @@
           </a:ln>
         </p:spPr>
       </p:sp>
+      <p:sp>
+        <p:nvSpPr>
+          <p:cNvPr name="TextBox 8" id="8"/>
+          <p:cNvSpPr txBox="true"/>
+          <p:nvPr/>
+        </p:nvSpPr>
+        <p:spPr>
+          <a:xfrm rot="0">
+            <a:off x="1556813" y="3579034"/>
+            <a:ext cx="5210770" cy="2380615"/>
+          </a:xfrm>
+          <a:prstGeom prst="rect">
+            <a:avLst/>
+          </a:prstGeom>
+        </p:spPr>
+        <p:txBody>
+          <a:bodyPr anchor="t" rtlCol="false" tIns="0" lIns="0" bIns="0" rIns="0">
+            <a:spAutoFit/>
+          </a:bodyPr>
+          <a:lstStyle/>
+          <a:p>
+            <a:pPr algn="just">
+              <a:lnSpc>
+                <a:spcPts val="4759"/>
+              </a:lnSpc>
+            </a:pPr>
+            <a:r>
+              <a:rPr lang="en-US" sz="3399">
+                <a:solidFill>
+                  <a:srgbClr val="000000"/>
+                </a:solidFill>
+                <a:latin typeface="Canva Sans"/>
+                <a:ea typeface="Canva Sans"/>
+                <a:cs typeface="Canva Sans"/>
+                <a:sym typeface="Canva Sans"/>
+              </a:rPr>
+              <a:t>Statistics:</a:t>
+            </a:r>
+          </a:p>
+          <a:p>
+            <a:pPr algn="just" marL="734059" indent="-367030" lvl="1">
+              <a:lnSpc>
+                <a:spcPts val="4759"/>
+              </a:lnSpc>
+              <a:buFont typeface="Arial"/>
+              <a:buChar char="•"/>
+            </a:pPr>
+            <a:r>
+              <a:rPr lang="en-US" sz="3399">
+                <a:solidFill>
+                  <a:srgbClr val="000000"/>
+                </a:solidFill>
+                <a:latin typeface="Canva Sans"/>
+                <a:ea typeface="Canva Sans"/>
+                <a:cs typeface="Canva Sans"/>
+                <a:sym typeface="Canva Sans"/>
+              </a:rPr>
+              <a:t>4 Mio. rows</a:t>
+            </a:r>
+          </a:p>
+          <a:p>
+            <a:pPr algn="just" marL="734059" indent="-367030" lvl="1">
+              <a:lnSpc>
+                <a:spcPts val="4759"/>
+              </a:lnSpc>
+              <a:buFont typeface="Arial"/>
+              <a:buChar char="•"/>
+            </a:pPr>
+            <a:r>
+              <a:rPr lang="en-US" sz="3399">
+                <a:solidFill>
+                  <a:srgbClr val="000000"/>
+                </a:solidFill>
+                <a:latin typeface="Canva Sans"/>
+                <a:ea typeface="Canva Sans"/>
+                <a:cs typeface="Canva Sans"/>
+                <a:sym typeface="Canva Sans"/>
+              </a:rPr>
+              <a:t>Starting 1960</a:t>
+            </a:r>
+          </a:p>
+          <a:p>
+            <a:pPr algn="just" marL="734059" indent="-367030" lvl="1">
+              <a:lnSpc>
+                <a:spcPts val="4759"/>
+              </a:lnSpc>
+              <a:buFont typeface="Arial"/>
+              <a:buChar char="•"/>
+            </a:pPr>
+            <a:r>
+              <a:rPr lang="en-US" sz="3399">
+                <a:solidFill>
+                  <a:srgbClr val="000000"/>
+                </a:solidFill>
+                <a:latin typeface="Canva Sans"/>
+                <a:ea typeface="Canva Sans"/>
+                <a:cs typeface="Canva Sans"/>
+                <a:sym typeface="Canva Sans"/>
+              </a:rPr>
+              <a:t>1 Entry per day/Stock</a:t>
+            </a:r>
+          </a:p>
+        </p:txBody>
+      </p:sp>
     </p:spTree>
   </p:cSld>
   <p:clrMapOvr>
@@ -8304,7 +8003,7 @@
 </p:sld>
 </file>
 
-<file path=ppt/slides/slide3.xml><?xml version="1.0" encoding="utf-8"?>
+<file path=ppt/slides/slide4.xml><?xml version="1.0" encoding="utf-8"?>
 <p:sld xmlns:p="http://schemas.openxmlformats.org/presentationml/2006/main" xmlns:a="http://schemas.openxmlformats.org/drawingml/2006/main" xmlns:r="http://schemas.openxmlformats.org/officeDocument/2006/relationships">
   <p:cSld>
     <p:bg>
@@ -8336,7 +8035,7 @@
         </p:nvGrpSpPr>
         <p:grpSpPr>
           <a:xfrm rot="0">
-            <a:off x="236090" y="236074"/>
+            <a:off x="256660" y="236074"/>
             <a:ext cx="17774681" cy="9814853"/>
             <a:chOff x="0" y="0"/>
             <a:chExt cx="4681397" cy="2584982"/>
@@ -8437,13 +8136,205 @@
       </p:grpSp>
       <p:sp>
         <p:nvSpPr>
-          <p:cNvPr name="AutoShape 5" id="5"/>
+          <p:cNvPr name="Freeform 5" id="5"/>
           <p:cNvSpPr/>
           <p:nvPr/>
         </p:nvSpPr>
         <p:spPr>
+          <a:xfrm flipH="false" flipV="false" rot="0">
+            <a:off x="508517" y="2086304"/>
+            <a:ext cx="7422365" cy="5675926"/>
+          </a:xfrm>
+          <a:custGeom>
+            <a:avLst/>
+            <a:gdLst/>
+            <a:ahLst/>
+            <a:cxnLst/>
+            <a:rect r="r" b="b" t="t" l="l"/>
+            <a:pathLst>
+              <a:path h="5675926" w="7422365">
+                <a:moveTo>
+                  <a:pt x="0" y="0"/>
+                </a:moveTo>
+                <a:lnTo>
+                  <a:pt x="7422365" y="0"/>
+                </a:lnTo>
+                <a:lnTo>
+                  <a:pt x="7422365" y="5675927"/>
+                </a:lnTo>
+                <a:lnTo>
+                  <a:pt x="0" y="5675927"/>
+                </a:lnTo>
+                <a:lnTo>
+                  <a:pt x="0" y="0"/>
+                </a:lnTo>
+                <a:close/>
+              </a:path>
+            </a:pathLst>
+          </a:custGeom>
+          <a:blipFill>
+            <a:blip r:embed="rId3"/>
+            <a:stretch>
+              <a:fillRect l="0" t="0" r="0" b="0"/>
+            </a:stretch>
+          </a:blipFill>
+        </p:spPr>
+      </p:sp>
+      <p:sp>
+        <p:nvSpPr>
+          <p:cNvPr name="TextBox 6" id="6"/>
+          <p:cNvSpPr txBox="true"/>
+          <p:nvPr/>
+        </p:nvSpPr>
+        <p:spPr>
+          <a:xfrm rot="0">
+            <a:off x="3796792" y="481012"/>
+            <a:ext cx="10694416" cy="1095375"/>
+          </a:xfrm>
+          <a:prstGeom prst="rect">
+            <a:avLst/>
+          </a:prstGeom>
+        </p:spPr>
+        <p:txBody>
+          <a:bodyPr anchor="t" rtlCol="false" tIns="0" lIns="0" bIns="0" rIns="0">
+            <a:spAutoFit/>
+          </a:bodyPr>
+          <a:lstStyle/>
+          <a:p>
+            <a:pPr algn="ctr" marL="0" indent="0" lvl="0">
+              <a:lnSpc>
+                <a:spcPts val="8640"/>
+              </a:lnSpc>
+            </a:pPr>
+            <a:r>
+              <a:rPr lang="en-US" b="true" sz="7200">
+                <a:solidFill>
+                  <a:srgbClr val="000000"/>
+                </a:solidFill>
+                <a:latin typeface="Barlow Bold"/>
+                <a:ea typeface="Barlow Bold"/>
+                <a:cs typeface="Barlow Bold"/>
+                <a:sym typeface="Barlow Bold"/>
+              </a:rPr>
+              <a:t>Inferential Statistics</a:t>
+            </a:r>
+          </a:p>
+        </p:txBody>
+      </p:sp>
+      <p:sp>
+        <p:nvSpPr>
+          <p:cNvPr name="TextBox 7" id="7"/>
+          <p:cNvSpPr txBox="true"/>
+          <p:nvPr/>
+        </p:nvSpPr>
+        <p:spPr>
+          <a:xfrm rot="0">
+            <a:off x="9144000" y="2367342"/>
+            <a:ext cx="7011888" cy="2312670"/>
+          </a:xfrm>
+          <a:prstGeom prst="rect">
+            <a:avLst/>
+          </a:prstGeom>
+        </p:spPr>
+        <p:txBody>
+          <a:bodyPr anchor="t" rtlCol="false" tIns="0" lIns="0" bIns="0" rIns="0">
+            <a:spAutoFit/>
+          </a:bodyPr>
+          <a:lstStyle/>
+          <a:p>
+            <a:pPr algn="l">
+              <a:lnSpc>
+                <a:spcPts val="4200"/>
+              </a:lnSpc>
+            </a:pPr>
+            <a:r>
+              <a:rPr lang="en-US" sz="3000">
+                <a:solidFill>
+                  <a:srgbClr val="000000"/>
+                </a:solidFill>
+                <a:latin typeface="Canva Sans"/>
+                <a:ea typeface="Canva Sans"/>
+                <a:cs typeface="Canva Sans"/>
+                <a:sym typeface="Canva Sans"/>
+              </a:rPr>
+              <a:t>Null Hypothesis:</a:t>
+            </a:r>
+          </a:p>
+          <a:p>
+            <a:pPr algn="l">
+              <a:lnSpc>
+                <a:spcPts val="3360"/>
+              </a:lnSpc>
+            </a:pPr>
+            <a:r>
+              <a:rPr lang="en-US" sz="2400">
+                <a:solidFill>
+                  <a:srgbClr val="000000"/>
+                </a:solidFill>
+                <a:latin typeface="Canva Sans"/>
+                <a:ea typeface="Canva Sans"/>
+                <a:cs typeface="Canva Sans"/>
+                <a:sym typeface="Canva Sans"/>
+              </a:rPr>
+              <a:t>No difference in volatility over different sectors</a:t>
+            </a:r>
+          </a:p>
+          <a:p>
+            <a:pPr algn="l">
+              <a:lnSpc>
+                <a:spcPts val="3360"/>
+              </a:lnSpc>
+            </a:pPr>
+          </a:p>
+          <a:p>
+            <a:pPr algn="l">
+              <a:lnSpc>
+                <a:spcPts val="4200"/>
+              </a:lnSpc>
+            </a:pPr>
+            <a:r>
+              <a:rPr lang="en-US" sz="3000">
+                <a:solidFill>
+                  <a:srgbClr val="000000"/>
+                </a:solidFill>
+                <a:latin typeface="Canva Sans"/>
+                <a:ea typeface="Canva Sans"/>
+                <a:cs typeface="Canva Sans"/>
+                <a:sym typeface="Canva Sans"/>
+              </a:rPr>
+              <a:t>Alternative Hypothesis:</a:t>
+            </a:r>
+          </a:p>
+          <a:p>
+            <a:pPr algn="l">
+              <a:lnSpc>
+                <a:spcPts val="3360"/>
+              </a:lnSpc>
+            </a:pPr>
+            <a:r>
+              <a:rPr lang="en-US" sz="2400">
+                <a:solidFill>
+                  <a:srgbClr val="000000"/>
+                </a:solidFill>
+                <a:latin typeface="Canva Sans"/>
+                <a:ea typeface="Canva Sans"/>
+                <a:cs typeface="Canva Sans"/>
+                <a:sym typeface="Canva Sans"/>
+              </a:rPr>
+              <a:t>There is a difference in volatility visible</a:t>
+            </a:r>
+          </a:p>
+        </p:txBody>
+      </p:sp>
+      <p:sp>
+        <p:nvSpPr>
+          <p:cNvPr name="AutoShape 8" id="8"/>
+          <p:cNvSpPr/>
+          <p:nvPr/>
+        </p:nvSpPr>
+        <p:spPr>
           <a:xfrm>
-            <a:off x="3587449" y="1633538"/>
+            <a:off x="3587449" y="1595437"/>
             <a:ext cx="11113103" cy="0"/>
           </a:xfrm>
           <a:prstGeom prst="line">
@@ -8459,388 +8350,6 @@
           </a:ln>
         </p:spPr>
       </p:sp>
-      <p:sp>
-        <p:nvSpPr>
-          <p:cNvPr name="Freeform 6" id="6"/>
-          <p:cNvSpPr/>
-          <p:nvPr/>
-        </p:nvSpPr>
-        <p:spPr>
-          <a:xfrm flipH="false" flipV="false" rot="0">
-            <a:off x="2977833" y="4701814"/>
-            <a:ext cx="3832856" cy="4114800"/>
-          </a:xfrm>
-          <a:custGeom>
-            <a:avLst/>
-            <a:gdLst/>
-            <a:ahLst/>
-            <a:cxnLst/>
-            <a:rect r="r" b="b" t="t" l="l"/>
-            <a:pathLst>
-              <a:path h="4114800" w="3832856">
-                <a:moveTo>
-                  <a:pt x="0" y="0"/>
-                </a:moveTo>
-                <a:lnTo>
-                  <a:pt x="3832856" y="0"/>
-                </a:lnTo>
-                <a:lnTo>
-                  <a:pt x="3832856" y="4114800"/>
-                </a:lnTo>
-                <a:lnTo>
-                  <a:pt x="0" y="4114800"/>
-                </a:lnTo>
-                <a:lnTo>
-                  <a:pt x="0" y="0"/>
-                </a:lnTo>
-                <a:close/>
-              </a:path>
-            </a:pathLst>
-          </a:custGeom>
-          <a:blipFill>
-            <a:blip r:embed="rId3">
-              <a:extLst>
-                <a:ext uri="{96DAC541-7B7A-43D3-8B79-37D633B846F1}">
-                  <asvg:svgBlip xmlns:asvg="http://schemas.microsoft.com/office/drawing/2016/SVG/main" r:embed="rId4"/>
-                </a:ext>
-              </a:extLst>
-            </a:blip>
-            <a:stretch>
-              <a:fillRect l="0" t="0" r="0" b="0"/>
-            </a:stretch>
-          </a:blipFill>
-        </p:spPr>
-      </p:sp>
-      <p:sp>
-        <p:nvSpPr>
-          <p:cNvPr name="TextBox 7" id="7"/>
-          <p:cNvSpPr txBox="true"/>
-          <p:nvPr/>
-        </p:nvSpPr>
-        <p:spPr>
-          <a:xfrm rot="0">
-            <a:off x="4480938" y="481012"/>
-            <a:ext cx="9284984" cy="1095375"/>
-          </a:xfrm>
-          <a:prstGeom prst="rect">
-            <a:avLst/>
-          </a:prstGeom>
-        </p:spPr>
-        <p:txBody>
-          <a:bodyPr anchor="t" rtlCol="false" tIns="0" lIns="0" bIns="0" rIns="0">
-            <a:spAutoFit/>
-          </a:bodyPr>
-          <a:lstStyle/>
-          <a:p>
-            <a:pPr algn="ctr" marL="0" indent="0" lvl="0">
-              <a:lnSpc>
-                <a:spcPts val="8640"/>
-              </a:lnSpc>
-            </a:pPr>
-            <a:r>
-              <a:rPr lang="en-US" b="true" sz="7200">
-                <a:solidFill>
-                  <a:srgbClr val="000000"/>
-                </a:solidFill>
-                <a:latin typeface="Barlow Bold"/>
-                <a:ea typeface="Barlow Bold"/>
-                <a:cs typeface="Barlow Bold"/>
-                <a:sym typeface="Barlow Bold"/>
-              </a:rPr>
-              <a:t>Dataset</a:t>
-            </a:r>
-          </a:p>
-        </p:txBody>
-      </p:sp>
-      <p:sp>
-        <p:nvSpPr>
-          <p:cNvPr name="TextBox 8" id="8"/>
-          <p:cNvSpPr txBox="true"/>
-          <p:nvPr/>
-        </p:nvSpPr>
-        <p:spPr>
-          <a:xfrm rot="0">
-            <a:off x="12024906" y="4568464"/>
-            <a:ext cx="4408054" cy="4248150"/>
-          </a:xfrm>
-          <a:prstGeom prst="rect">
-            <a:avLst/>
-          </a:prstGeom>
-        </p:spPr>
-        <p:txBody>
-          <a:bodyPr anchor="t" rtlCol="false" tIns="0" lIns="0" bIns="0" rIns="0">
-            <a:spAutoFit/>
-          </a:bodyPr>
-          <a:lstStyle/>
-          <a:p>
-            <a:pPr algn="l">
-              <a:lnSpc>
-                <a:spcPts val="4200"/>
-              </a:lnSpc>
-            </a:pPr>
-            <a:r>
-              <a:rPr lang="en-US" sz="3000">
-                <a:solidFill>
-                  <a:srgbClr val="000000"/>
-                </a:solidFill>
-                <a:latin typeface="Canva Sans"/>
-                <a:ea typeface="Canva Sans"/>
-                <a:cs typeface="Canva Sans"/>
-                <a:sym typeface="Canva Sans"/>
-              </a:rPr>
-              <a:t>Original Columns:</a:t>
-            </a:r>
-          </a:p>
-          <a:p>
-            <a:pPr algn="l" marL="647702" indent="-323851" lvl="1">
-              <a:lnSpc>
-                <a:spcPts val="4200"/>
-              </a:lnSpc>
-              <a:buFont typeface="Arial"/>
-              <a:buChar char="•"/>
-            </a:pPr>
-            <a:r>
-              <a:rPr lang="en-US" b="true" sz="3000">
-                <a:solidFill>
-                  <a:srgbClr val="000000"/>
-                </a:solidFill>
-                <a:latin typeface="Canva Sans Bold"/>
-                <a:ea typeface="Canva Sans Bold"/>
-                <a:cs typeface="Canva Sans Bold"/>
-                <a:sym typeface="Canva Sans Bold"/>
-              </a:rPr>
-              <a:t>Date</a:t>
-            </a:r>
-          </a:p>
-          <a:p>
-            <a:pPr algn="l" marL="647702" indent="-323851" lvl="1">
-              <a:lnSpc>
-                <a:spcPts val="4200"/>
-              </a:lnSpc>
-              <a:buFont typeface="Arial"/>
-              <a:buChar char="•"/>
-            </a:pPr>
-            <a:r>
-              <a:rPr lang="en-US" b="true" sz="3000">
-                <a:solidFill>
-                  <a:srgbClr val="000000"/>
-                </a:solidFill>
-                <a:latin typeface="Canva Sans Bold"/>
-                <a:ea typeface="Canva Sans Bold"/>
-                <a:cs typeface="Canva Sans Bold"/>
-                <a:sym typeface="Canva Sans Bold"/>
-              </a:rPr>
-              <a:t>Company</a:t>
-            </a:r>
-          </a:p>
-          <a:p>
-            <a:pPr algn="l" marL="647702" indent="-323851" lvl="1">
-              <a:lnSpc>
-                <a:spcPts val="4200"/>
-              </a:lnSpc>
-              <a:buFont typeface="Arial"/>
-              <a:buChar char="•"/>
-            </a:pPr>
-            <a:r>
-              <a:rPr lang="en-US" b="true" sz="3000">
-                <a:solidFill>
-                  <a:srgbClr val="000000"/>
-                </a:solidFill>
-                <a:latin typeface="Canva Sans Bold"/>
-                <a:ea typeface="Canva Sans Bold"/>
-                <a:cs typeface="Canva Sans Bold"/>
-                <a:sym typeface="Canva Sans Bold"/>
-              </a:rPr>
-              <a:t>Prices</a:t>
-            </a:r>
-            <a:r>
-              <a:rPr lang="en-US" sz="3000">
-                <a:solidFill>
-                  <a:srgbClr val="000000"/>
-                </a:solidFill>
-                <a:latin typeface="Canva Sans"/>
-                <a:ea typeface="Canva Sans"/>
-                <a:cs typeface="Canva Sans"/>
-                <a:sym typeface="Canva Sans"/>
-              </a:rPr>
-              <a:t> (open, </a:t>
-            </a:r>
-            <a:r>
-              <a:rPr lang="en-US" b="true" sz="3000">
-                <a:solidFill>
-                  <a:srgbClr val="000000"/>
-                </a:solidFill>
-                <a:latin typeface="Canva Sans Bold"/>
-                <a:ea typeface="Canva Sans Bold"/>
-                <a:cs typeface="Canva Sans Bold"/>
-                <a:sym typeface="Canva Sans Bold"/>
-              </a:rPr>
-              <a:t>close</a:t>
-            </a:r>
-            <a:r>
-              <a:rPr lang="en-US" sz="3000">
-                <a:solidFill>
-                  <a:srgbClr val="000000"/>
-                </a:solidFill>
-                <a:latin typeface="Canva Sans"/>
-                <a:ea typeface="Canva Sans"/>
-                <a:cs typeface="Canva Sans"/>
-                <a:sym typeface="Canva Sans"/>
-              </a:rPr>
-              <a:t>, high, low)</a:t>
-            </a:r>
-          </a:p>
-          <a:p>
-            <a:pPr algn="l" marL="647702" indent="-323851" lvl="1">
-              <a:lnSpc>
-                <a:spcPts val="4200"/>
-              </a:lnSpc>
-              <a:buFont typeface="Arial"/>
-              <a:buChar char="•"/>
-            </a:pPr>
-            <a:r>
-              <a:rPr lang="en-US" sz="3000">
-                <a:solidFill>
-                  <a:srgbClr val="000000"/>
-                </a:solidFill>
-                <a:latin typeface="Canva Sans"/>
-                <a:ea typeface="Canva Sans"/>
-                <a:cs typeface="Canva Sans"/>
-                <a:sym typeface="Canva Sans"/>
-              </a:rPr>
-              <a:t>Volume</a:t>
-            </a:r>
-          </a:p>
-          <a:p>
-            <a:pPr algn="l" marL="647702" indent="-323851" lvl="1">
-              <a:lnSpc>
-                <a:spcPts val="4200"/>
-              </a:lnSpc>
-              <a:buFont typeface="Arial"/>
-              <a:buChar char="•"/>
-            </a:pPr>
-            <a:r>
-              <a:rPr lang="en-US" sz="3000">
-                <a:solidFill>
-                  <a:srgbClr val="000000"/>
-                </a:solidFill>
-                <a:latin typeface="Canva Sans"/>
-                <a:ea typeface="Canva Sans"/>
-                <a:cs typeface="Canva Sans"/>
-                <a:sym typeface="Canva Sans"/>
-              </a:rPr>
-              <a:t>Dividends</a:t>
-            </a:r>
-          </a:p>
-          <a:p>
-            <a:pPr algn="l" marL="647702" indent="-323851" lvl="1">
-              <a:lnSpc>
-                <a:spcPts val="4200"/>
-              </a:lnSpc>
-              <a:buFont typeface="Arial"/>
-              <a:buChar char="•"/>
-            </a:pPr>
-            <a:r>
-              <a:rPr lang="en-US" sz="3000">
-                <a:solidFill>
-                  <a:srgbClr val="000000"/>
-                </a:solidFill>
-                <a:latin typeface="Canva Sans"/>
-                <a:ea typeface="Canva Sans"/>
-                <a:cs typeface="Canva Sans"/>
-                <a:sym typeface="Canva Sans"/>
-              </a:rPr>
-              <a:t>Stock Splits</a:t>
-            </a:r>
-          </a:p>
-        </p:txBody>
-      </p:sp>
-      <p:sp>
-        <p:nvSpPr>
-          <p:cNvPr name="TextBox 9" id="9"/>
-          <p:cNvSpPr txBox="true"/>
-          <p:nvPr/>
-        </p:nvSpPr>
-        <p:spPr>
-          <a:xfrm rot="0">
-            <a:off x="1301450" y="2037400"/>
-            <a:ext cx="5870228" cy="2380615"/>
-          </a:xfrm>
-          <a:prstGeom prst="rect">
-            <a:avLst/>
-          </a:prstGeom>
-        </p:spPr>
-        <p:txBody>
-          <a:bodyPr anchor="t" rtlCol="false" tIns="0" lIns="0" bIns="0" rIns="0">
-            <a:spAutoFit/>
-          </a:bodyPr>
-          <a:lstStyle/>
-          <a:p>
-            <a:pPr algn="l">
-              <a:lnSpc>
-                <a:spcPts val="4759"/>
-              </a:lnSpc>
-            </a:pPr>
-            <a:r>
-              <a:rPr lang="en-US" sz="3399">
-                <a:solidFill>
-                  <a:srgbClr val="000000"/>
-                </a:solidFill>
-                <a:latin typeface="Canva Sans"/>
-                <a:ea typeface="Canva Sans"/>
-                <a:cs typeface="Canva Sans"/>
-                <a:sym typeface="Canva Sans"/>
-              </a:rPr>
-              <a:t>Dataset from Kaggle</a:t>
-            </a:r>
-          </a:p>
-          <a:p>
-            <a:pPr algn="l">
-              <a:lnSpc>
-                <a:spcPts val="4759"/>
-              </a:lnSpc>
-            </a:pPr>
-            <a:r>
-              <a:rPr lang="en-US" sz="3399">
-                <a:solidFill>
-                  <a:srgbClr val="000000"/>
-                </a:solidFill>
-                <a:latin typeface="Canva Sans"/>
-                <a:ea typeface="Canva Sans"/>
-                <a:cs typeface="Canva Sans"/>
-                <a:sym typeface="Canva Sans"/>
-              </a:rPr>
-              <a:t>Over 4000 Assets</a:t>
-            </a:r>
-          </a:p>
-          <a:p>
-            <a:pPr algn="l">
-              <a:lnSpc>
-                <a:spcPts val="4759"/>
-              </a:lnSpc>
-            </a:pPr>
-            <a:r>
-              <a:rPr lang="en-US" sz="3399">
-                <a:solidFill>
-                  <a:srgbClr val="000000"/>
-                </a:solidFill>
-                <a:latin typeface="Canva Sans"/>
-                <a:ea typeface="Canva Sans"/>
-                <a:cs typeface="Canva Sans"/>
-                <a:sym typeface="Canva Sans"/>
-              </a:rPr>
-              <a:t>consisting of single .csv files</a:t>
-            </a:r>
-          </a:p>
-          <a:p>
-            <a:pPr algn="l">
-              <a:lnSpc>
-                <a:spcPts val="4759"/>
-              </a:lnSpc>
-            </a:pPr>
-          </a:p>
-        </p:txBody>
-      </p:sp>
     </p:spTree>
   </p:cSld>
   <p:clrMapOvr>
@@ -8849,7 +8358,7 @@
 </p:sld>
 </file>
 
-<file path=ppt/slides/slide4.xml><?xml version="1.0" encoding="utf-8"?>
+<file path=ppt/slides/slide5.xml><?xml version="1.0" encoding="utf-8"?>
 <p:sld xmlns:p="http://schemas.openxmlformats.org/presentationml/2006/main" xmlns:a="http://schemas.openxmlformats.org/drawingml/2006/main" xmlns:r="http://schemas.openxmlformats.org/officeDocument/2006/relationships">
   <p:cSld>
     <p:bg>
@@ -8988,8 +8497,8 @@
         </p:nvSpPr>
         <p:spPr>
           <a:xfrm flipH="false" flipV="false" rot="0">
-            <a:off x="10569684" y="2315619"/>
-            <a:ext cx="6570369" cy="5369204"/>
+            <a:off x="605947" y="1992878"/>
+            <a:ext cx="9357696" cy="5252007"/>
           </a:xfrm>
           <a:custGeom>
             <a:avLst/>
@@ -8998,18 +8507,18 @@
             <a:cxnLst/>
             <a:rect r="r" b="b" t="t" l="l"/>
             <a:pathLst>
-              <a:path h="5369204" w="6570369">
+              <a:path h="5252007" w="9357696">
                 <a:moveTo>
                   <a:pt x="0" y="0"/>
                 </a:moveTo>
                 <a:lnTo>
-                  <a:pt x="6570369" y="0"/>
+                  <a:pt x="9357696" y="0"/>
                 </a:lnTo>
                 <a:lnTo>
-                  <a:pt x="6570369" y="5369204"/>
+                  <a:pt x="9357696" y="5252007"/>
                 </a:lnTo>
                 <a:lnTo>
-                  <a:pt x="0" y="5369204"/>
+                  <a:pt x="0" y="5252007"/>
                 </a:lnTo>
                 <a:lnTo>
                   <a:pt x="0" y="0"/>
@@ -9028,54 +8537,13 @@
       </p:sp>
       <p:sp>
         <p:nvSpPr>
-          <p:cNvPr name="TextBox 6" id="6"/>
-          <p:cNvSpPr txBox="true"/>
-          <p:nvPr/>
-        </p:nvSpPr>
-        <p:spPr>
-          <a:xfrm rot="0">
-            <a:off x="3796792" y="481012"/>
-            <a:ext cx="10694416" cy="1095375"/>
-          </a:xfrm>
-          <a:prstGeom prst="rect">
-            <a:avLst/>
-          </a:prstGeom>
-        </p:spPr>
-        <p:txBody>
-          <a:bodyPr anchor="t" rtlCol="false" tIns="0" lIns="0" bIns="0" rIns="0">
-            <a:spAutoFit/>
-          </a:bodyPr>
-          <a:lstStyle/>
-          <a:p>
-            <a:pPr algn="ctr" marL="0" indent="0" lvl="0">
-              <a:lnSpc>
-                <a:spcPts val="8640"/>
-              </a:lnSpc>
-            </a:pPr>
-            <a:r>
-              <a:rPr lang="en-US" b="true" sz="7200">
-                <a:solidFill>
-                  <a:srgbClr val="000000"/>
-                </a:solidFill>
-                <a:latin typeface="Barlow Bold"/>
-                <a:ea typeface="Barlow Bold"/>
-                <a:cs typeface="Barlow Bold"/>
-                <a:sym typeface="Barlow Bold"/>
-              </a:rPr>
-              <a:t>Exploratory Data Analysis</a:t>
-            </a:r>
-          </a:p>
-        </p:txBody>
-      </p:sp>
-      <p:sp>
-        <p:nvSpPr>
-          <p:cNvPr name="AutoShape 7" id="7"/>
+          <p:cNvPr name="AutoShape 6" id="6"/>
           <p:cNvSpPr/>
           <p:nvPr/>
         </p:nvSpPr>
         <p:spPr>
           <a:xfrm>
-            <a:off x="3587449" y="1703311"/>
+            <a:off x="3587449" y="1783328"/>
             <a:ext cx="11113103" cy="0"/>
           </a:xfrm>
           <a:prstGeom prst="line">
@@ -9093,14 +8561,112 @@
       </p:sp>
       <p:sp>
         <p:nvSpPr>
-          <p:cNvPr name="TextBox 8" id="8"/>
+          <p:cNvPr name="Freeform 7" id="7"/>
+          <p:cNvSpPr/>
+          <p:nvPr/>
+        </p:nvSpPr>
+        <p:spPr>
+          <a:xfrm flipH="false" flipV="false" rot="0">
+            <a:off x="10309071" y="5202986"/>
+            <a:ext cx="7083518" cy="4055314"/>
+          </a:xfrm>
+          <a:custGeom>
+            <a:avLst/>
+            <a:gdLst/>
+            <a:ahLst/>
+            <a:cxnLst/>
+            <a:rect r="r" b="b" t="t" l="l"/>
+            <a:pathLst>
+              <a:path h="4055314" w="7083518">
+                <a:moveTo>
+                  <a:pt x="0" y="0"/>
+                </a:moveTo>
+                <a:lnTo>
+                  <a:pt x="7083519" y="0"/>
+                </a:lnTo>
+                <a:lnTo>
+                  <a:pt x="7083519" y="4055314"/>
+                </a:lnTo>
+                <a:lnTo>
+                  <a:pt x="0" y="4055314"/>
+                </a:lnTo>
+                <a:lnTo>
+                  <a:pt x="0" y="0"/>
+                </a:lnTo>
+                <a:close/>
+              </a:path>
+            </a:pathLst>
+          </a:custGeom>
+          <a:blipFill>
+            <a:blip r:embed="rId4"/>
+            <a:stretch>
+              <a:fillRect l="0" t="0" r="0" b="0"/>
+            </a:stretch>
+          </a:blipFill>
+        </p:spPr>
+      </p:sp>
+      <p:sp>
+        <p:nvSpPr>
+          <p:cNvPr name="Freeform 8" id="8"/>
+          <p:cNvSpPr/>
+          <p:nvPr/>
+        </p:nvSpPr>
+        <p:spPr>
+          <a:xfrm flipH="false" flipV="false" rot="5400000">
+            <a:off x="13401082" y="3090535"/>
+            <a:ext cx="1265642" cy="598304"/>
+          </a:xfrm>
+          <a:custGeom>
+            <a:avLst/>
+            <a:gdLst/>
+            <a:ahLst/>
+            <a:cxnLst/>
+            <a:rect r="r" b="b" t="t" l="l"/>
+            <a:pathLst>
+              <a:path h="598304" w="1265642">
+                <a:moveTo>
+                  <a:pt x="0" y="0"/>
+                </a:moveTo>
+                <a:lnTo>
+                  <a:pt x="1265643" y="0"/>
+                </a:lnTo>
+                <a:lnTo>
+                  <a:pt x="1265643" y="598303"/>
+                </a:lnTo>
+                <a:lnTo>
+                  <a:pt x="0" y="598303"/>
+                </a:lnTo>
+                <a:lnTo>
+                  <a:pt x="0" y="0"/>
+                </a:lnTo>
+                <a:close/>
+              </a:path>
+            </a:pathLst>
+          </a:custGeom>
+          <a:blipFill>
+            <a:blip r:embed="rId5">
+              <a:extLst>
+                <a:ext uri="{96DAC541-7B7A-43D3-8B79-37D633B846F1}">
+                  <asvg:svgBlip xmlns:asvg="http://schemas.microsoft.com/office/drawing/2016/SVG/main" r:embed="rId6"/>
+                </a:ext>
+              </a:extLst>
+            </a:blip>
+            <a:stretch>
+              <a:fillRect l="0" t="0" r="0" b="0"/>
+            </a:stretch>
+          </a:blipFill>
+        </p:spPr>
+      </p:sp>
+      <p:sp>
+        <p:nvSpPr>
+          <p:cNvPr name="TextBox 9" id="9"/>
           <p:cNvSpPr txBox="true"/>
           <p:nvPr/>
         </p:nvSpPr>
         <p:spPr>
           <a:xfrm rot="0">
-            <a:off x="1556813" y="3579034"/>
-            <a:ext cx="5210770" cy="2380615"/>
+            <a:off x="3796792" y="481012"/>
+            <a:ext cx="10694416" cy="1095375"/>
           </a:xfrm>
           <a:prstGeom prst="rect">
             <a:avLst/>
@@ -9112,7 +8678,89 @@
           </a:bodyPr>
           <a:lstStyle/>
           <a:p>
-            <a:pPr algn="just">
+            <a:pPr algn="ctr" marL="0" indent="0" lvl="0">
+              <a:lnSpc>
+                <a:spcPts val="8640"/>
+              </a:lnSpc>
+            </a:pPr>
+            <a:r>
+              <a:rPr lang="en-US" b="true" sz="7200">
+                <a:solidFill>
+                  <a:srgbClr val="000000"/>
+                </a:solidFill>
+                <a:latin typeface="Barlow Bold"/>
+                <a:ea typeface="Barlow Bold"/>
+                <a:cs typeface="Barlow Bold"/>
+                <a:sym typeface="Barlow Bold"/>
+              </a:rPr>
+              <a:t>Inferential Statistics</a:t>
+            </a:r>
+          </a:p>
+        </p:txBody>
+      </p:sp>
+      <p:sp>
+        <p:nvSpPr>
+          <p:cNvPr name="TextBox 10" id="10"/>
+          <p:cNvSpPr txBox="true"/>
+          <p:nvPr/>
+        </p:nvSpPr>
+        <p:spPr>
+          <a:xfrm rot="0">
+            <a:off x="11273521" y="3927258"/>
+            <a:ext cx="6119068" cy="887095"/>
+          </a:xfrm>
+          <a:prstGeom prst="rect">
+            <a:avLst/>
+          </a:prstGeom>
+        </p:spPr>
+        <p:txBody>
+          <a:bodyPr anchor="t" rtlCol="false" tIns="0" lIns="0" bIns="0" rIns="0">
+            <a:spAutoFit/>
+          </a:bodyPr>
+          <a:lstStyle/>
+          <a:p>
+            <a:pPr algn="ctr">
+              <a:lnSpc>
+                <a:spcPts val="7279"/>
+              </a:lnSpc>
+            </a:pPr>
+            <a:r>
+              <a:rPr lang="en-US" sz="5199" b="true">
+                <a:solidFill>
+                  <a:srgbClr val="000000"/>
+                </a:solidFill>
+                <a:latin typeface="Canva Sans Bold"/>
+                <a:ea typeface="Canva Sans Bold"/>
+                <a:cs typeface="Canva Sans Bold"/>
+                <a:sym typeface="Canva Sans Bold"/>
+              </a:rPr>
+              <a:t>p-Value = 1.4 * e-22</a:t>
+            </a:r>
+          </a:p>
+        </p:txBody>
+      </p:sp>
+      <p:sp>
+        <p:nvSpPr>
+          <p:cNvPr name="TextBox 11" id="11"/>
+          <p:cNvSpPr txBox="true"/>
+          <p:nvPr/>
+        </p:nvSpPr>
+        <p:spPr>
+          <a:xfrm rot="0">
+            <a:off x="12511545" y="2064241"/>
+            <a:ext cx="3410992" cy="580390"/>
+          </a:xfrm>
+          <a:prstGeom prst="rect">
+            <a:avLst/>
+          </a:prstGeom>
+        </p:spPr>
+        <p:txBody>
+          <a:bodyPr anchor="t" rtlCol="false" tIns="0" lIns="0" bIns="0" rIns="0">
+            <a:spAutoFit/>
+          </a:bodyPr>
+          <a:lstStyle/>
+          <a:p>
+            <a:pPr algn="ctr">
               <a:lnSpc>
                 <a:spcPts val="4759"/>
               </a:lnSpc>
@@ -9127,70 +8775,7 @@
                 <a:cs typeface="Canva Sans"/>
                 <a:sym typeface="Canva Sans"/>
               </a:rPr>
-              <a:t>Statistics:</a:t>
-            </a:r>
-          </a:p>
-          <a:p>
-            <a:pPr algn="just" marL="734059" indent="-367030" lvl="1">
-              <a:lnSpc>
-                <a:spcPts val="4759"/>
-              </a:lnSpc>
-              <a:buFont typeface="Arial"/>
-              <a:buChar char="•"/>
-            </a:pPr>
-            <a:r>
-              <a:rPr lang="en-US" sz="3399">
-                <a:solidFill>
-                  <a:srgbClr val="000000"/>
-                </a:solidFill>
-                <a:latin typeface="Canva Sans"/>
-                <a:ea typeface="Canva Sans"/>
-                <a:cs typeface="Canva Sans"/>
-                <a:sym typeface="Canva Sans"/>
-              </a:rPr>
-              <a:t>4 Mio. rows</a:t>
-            </a:r>
-          </a:p>
-          <a:p>
-            <a:pPr algn="just" marL="734059" indent="-367030" lvl="1">
-              <a:lnSpc>
-                <a:spcPts val="4759"/>
-              </a:lnSpc>
-              <a:buFont typeface="Arial"/>
-              <a:buChar char="•"/>
-            </a:pPr>
-            <a:r>
-              <a:rPr lang="en-US" sz="3399">
-                <a:solidFill>
-                  <a:srgbClr val="000000"/>
-                </a:solidFill>
-                <a:latin typeface="Canva Sans"/>
-                <a:ea typeface="Canva Sans"/>
-                <a:cs typeface="Canva Sans"/>
-                <a:sym typeface="Canva Sans"/>
-              </a:rPr>
-              <a:t>Starting 1960</a:t>
-            </a:r>
-          </a:p>
-          <a:p>
-            <a:pPr algn="just" marL="734059" indent="-367030" lvl="1">
-              <a:lnSpc>
-                <a:spcPts val="4759"/>
-              </a:lnSpc>
-              <a:buFont typeface="Arial"/>
-              <a:buChar char="•"/>
-            </a:pPr>
-            <a:r>
-              <a:rPr lang="en-US" sz="3399">
-                <a:solidFill>
-                  <a:srgbClr val="000000"/>
-                </a:solidFill>
-                <a:latin typeface="Canva Sans"/>
-                <a:ea typeface="Canva Sans"/>
-                <a:cs typeface="Canva Sans"/>
-                <a:sym typeface="Canva Sans"/>
-              </a:rPr>
-              <a:t>1 Entry per day/Stock</a:t>
+              <a:t>one-way ANOVA</a:t>
             </a:r>
           </a:p>
         </p:txBody>
@@ -9203,8 +8788,8 @@
 </p:sld>
 </file>
 
-<file path=ppt/slides/slide5.xml><?xml version="1.0" encoding="utf-8"?>
-<p:sld xmlns:p="http://schemas.openxmlformats.org/presentationml/2006/main" xmlns:a="http://schemas.openxmlformats.org/drawingml/2006/main" xmlns:r="http://schemas.openxmlformats.org/officeDocument/2006/relationships">
+<file path=ppt/slides/slide6.xml><?xml version="1.0" encoding="utf-8"?>
+<p:sld xmlns:p="http://schemas.openxmlformats.org/presentationml/2006/main" xmlns:a="http://schemas.openxmlformats.org/drawingml/2006/main">
   <p:cSld>
     <p:bg>
       <p:bgPr>
@@ -9235,7 +8820,7 @@
         </p:nvGrpSpPr>
         <p:grpSpPr>
           <a:xfrm rot="0">
-            <a:off x="256660" y="236074"/>
+            <a:off x="236090" y="236074"/>
             <a:ext cx="17774681" cy="9814853"/>
             <a:chOff x="0" y="0"/>
             <a:chExt cx="4681397" cy="2584982"/>
@@ -9336,60 +8921,14 @@
       </p:grpSp>
       <p:sp>
         <p:nvSpPr>
-          <p:cNvPr name="Freeform 5" id="5"/>
-          <p:cNvSpPr/>
-          <p:nvPr/>
-        </p:nvSpPr>
-        <p:spPr>
-          <a:xfrm flipH="false" flipV="false" rot="0">
-            <a:off x="508517" y="2086304"/>
-            <a:ext cx="7422365" cy="5675926"/>
-          </a:xfrm>
-          <a:custGeom>
-            <a:avLst/>
-            <a:gdLst/>
-            <a:ahLst/>
-            <a:cxnLst/>
-            <a:rect r="r" b="b" t="t" l="l"/>
-            <a:pathLst>
-              <a:path h="5675926" w="7422365">
-                <a:moveTo>
-                  <a:pt x="0" y="0"/>
-                </a:moveTo>
-                <a:lnTo>
-                  <a:pt x="7422365" y="0"/>
-                </a:lnTo>
-                <a:lnTo>
-                  <a:pt x="7422365" y="5675927"/>
-                </a:lnTo>
-                <a:lnTo>
-                  <a:pt x="0" y="5675927"/>
-                </a:lnTo>
-                <a:lnTo>
-                  <a:pt x="0" y="0"/>
-                </a:lnTo>
-                <a:close/>
-              </a:path>
-            </a:pathLst>
-          </a:custGeom>
-          <a:blipFill>
-            <a:blip r:embed="rId3"/>
-            <a:stretch>
-              <a:fillRect l="0" t="0" r="0" b="0"/>
-            </a:stretch>
-          </a:blipFill>
-        </p:spPr>
-      </p:sp>
-      <p:sp>
-        <p:nvSpPr>
-          <p:cNvPr name="TextBox 6" id="6"/>
+          <p:cNvPr name="TextBox 5" id="5"/>
           <p:cNvSpPr txBox="true"/>
           <p:nvPr/>
         </p:nvSpPr>
         <p:spPr>
           <a:xfrm rot="0">
-            <a:off x="3796792" y="481012"/>
-            <a:ext cx="10694416" cy="1095375"/>
+            <a:off x="4480938" y="432214"/>
+            <a:ext cx="9284984" cy="1095375"/>
           </a:xfrm>
           <a:prstGeom prst="rect">
             <a:avLst/>
@@ -9416,21 +8955,21 @@
                 <a:cs typeface="Barlow Bold"/>
                 <a:sym typeface="Barlow Bold"/>
               </a:rPr>
-              <a:t>Inferential Statistics</a:t>
-            </a:r>
-          </a:p>
-        </p:txBody>
-      </p:sp>
-      <p:sp>
-        <p:nvSpPr>
-          <p:cNvPr name="TextBox 7" id="7"/>
+              <a:t>Feature Engineering</a:t>
+            </a:r>
+          </a:p>
+        </p:txBody>
+      </p:sp>
+      <p:sp>
+        <p:nvSpPr>
+          <p:cNvPr name="TextBox 6" id="6"/>
           <p:cNvSpPr txBox="true"/>
           <p:nvPr/>
         </p:nvSpPr>
         <p:spPr>
           <a:xfrm rot="0">
-            <a:off x="9144000" y="2367342"/>
-            <a:ext cx="7011888" cy="2312670"/>
+            <a:off x="564798" y="1666579"/>
+            <a:ext cx="4408054" cy="4248150"/>
           </a:xfrm>
           <a:prstGeom prst="rect">
             <a:avLst/>
@@ -9457,17 +8996,73 @@
                 <a:cs typeface="Canva Sans"/>
                 <a:sym typeface="Canva Sans"/>
               </a:rPr>
-              <a:t>Null Hypothesis:</a:t>
-            </a:r>
-          </a:p>
-          <a:p>
-            <a:pPr algn="l">
+              <a:t>Original Columns:</a:t>
+            </a:r>
+          </a:p>
+          <a:p>
+            <a:pPr algn="l" marL="647702" indent="-323851" lvl="1">
               <a:lnSpc>
-                <a:spcPts val="3360"/>
+                <a:spcPts val="4200"/>
               </a:lnSpc>
+              <a:buFont typeface="Arial"/>
+              <a:buChar char="•"/>
             </a:pPr>
             <a:r>
-              <a:rPr lang="en-US" sz="2400">
+              <a:rPr lang="en-US" b="true" sz="3000">
+                <a:solidFill>
+                  <a:srgbClr val="000000"/>
+                </a:solidFill>
+                <a:latin typeface="Canva Sans Bold"/>
+                <a:ea typeface="Canva Sans Bold"/>
+                <a:cs typeface="Canva Sans Bold"/>
+                <a:sym typeface="Canva Sans Bold"/>
+              </a:rPr>
+              <a:t>Date</a:t>
+            </a:r>
+          </a:p>
+          <a:p>
+            <a:pPr algn="l" marL="647702" indent="-323851" lvl="1">
+              <a:lnSpc>
+                <a:spcPts val="4200"/>
+              </a:lnSpc>
+              <a:buFont typeface="Arial"/>
+              <a:buChar char="•"/>
+            </a:pPr>
+            <a:r>
+              <a:rPr lang="en-US" b="true" sz="3000">
+                <a:solidFill>
+                  <a:srgbClr val="000000"/>
+                </a:solidFill>
+                <a:latin typeface="Canva Sans Bold"/>
+                <a:ea typeface="Canva Sans Bold"/>
+                <a:cs typeface="Canva Sans Bold"/>
+                <a:sym typeface="Canva Sans Bold"/>
+              </a:rPr>
+              <a:t>Company</a:t>
+            </a:r>
+          </a:p>
+          <a:p>
+            <a:pPr algn="l" marL="647702" indent="-323851" lvl="1">
+              <a:lnSpc>
+                <a:spcPts val="4200"/>
+              </a:lnSpc>
+              <a:buFont typeface="Arial"/>
+              <a:buChar char="•"/>
+            </a:pPr>
+            <a:r>
+              <a:rPr lang="en-US" b="true" sz="3000">
+                <a:solidFill>
+                  <a:srgbClr val="000000"/>
+                </a:solidFill>
+                <a:latin typeface="Canva Sans Bold"/>
+                <a:ea typeface="Canva Sans Bold"/>
+                <a:cs typeface="Canva Sans Bold"/>
+                <a:sym typeface="Canva Sans Bold"/>
+              </a:rPr>
+              <a:t>Prices</a:t>
+            </a:r>
+            <a:r>
+              <a:rPr lang="en-US" sz="3000">
                 <a:solidFill>
                   <a:srgbClr val="000000"/>
                 </a:solidFill>
@@ -9476,16 +9071,118 @@
                 <a:cs typeface="Canva Sans"/>
                 <a:sym typeface="Canva Sans"/>
               </a:rPr>
-              <a:t>No difference in volatility over different sectors</a:t>
-            </a:r>
-          </a:p>
-          <a:p>
-            <a:pPr algn="l">
+              <a:t> (open, </a:t>
+            </a:r>
+            <a:r>
+              <a:rPr lang="en-US" b="true" sz="3000">
+                <a:solidFill>
+                  <a:srgbClr val="000000"/>
+                </a:solidFill>
+                <a:latin typeface="Canva Sans Bold"/>
+                <a:ea typeface="Canva Sans Bold"/>
+                <a:cs typeface="Canva Sans Bold"/>
+                <a:sym typeface="Canva Sans Bold"/>
+              </a:rPr>
+              <a:t>close</a:t>
+            </a:r>
+            <a:r>
+              <a:rPr lang="en-US" sz="3000">
+                <a:solidFill>
+                  <a:srgbClr val="000000"/>
+                </a:solidFill>
+                <a:latin typeface="Canva Sans"/>
+                <a:ea typeface="Canva Sans"/>
+                <a:cs typeface="Canva Sans"/>
+                <a:sym typeface="Canva Sans"/>
+              </a:rPr>
+              <a:t>, high, low)</a:t>
+            </a:r>
+          </a:p>
+          <a:p>
+            <a:pPr algn="l" marL="647702" indent="-323851" lvl="1">
               <a:lnSpc>
-                <a:spcPts val="3360"/>
+                <a:spcPts val="4200"/>
               </a:lnSpc>
+              <a:buFont typeface="Arial"/>
+              <a:buChar char="•"/>
             </a:pPr>
-          </a:p>
+            <a:r>
+              <a:rPr lang="en-US" sz="3000">
+                <a:solidFill>
+                  <a:srgbClr val="000000"/>
+                </a:solidFill>
+                <a:latin typeface="Canva Sans"/>
+                <a:ea typeface="Canva Sans"/>
+                <a:cs typeface="Canva Sans"/>
+                <a:sym typeface="Canva Sans"/>
+              </a:rPr>
+              <a:t>Volume</a:t>
+            </a:r>
+          </a:p>
+          <a:p>
+            <a:pPr algn="l" marL="647702" indent="-323851" lvl="1">
+              <a:lnSpc>
+                <a:spcPts val="4200"/>
+              </a:lnSpc>
+              <a:buFont typeface="Arial"/>
+              <a:buChar char="•"/>
+            </a:pPr>
+            <a:r>
+              <a:rPr lang="en-US" sz="3000">
+                <a:solidFill>
+                  <a:srgbClr val="000000"/>
+                </a:solidFill>
+                <a:latin typeface="Canva Sans"/>
+                <a:ea typeface="Canva Sans"/>
+                <a:cs typeface="Canva Sans"/>
+                <a:sym typeface="Canva Sans"/>
+              </a:rPr>
+              <a:t>Dividends</a:t>
+            </a:r>
+          </a:p>
+          <a:p>
+            <a:pPr algn="l" marL="647702" indent="-323851" lvl="1">
+              <a:lnSpc>
+                <a:spcPts val="4200"/>
+              </a:lnSpc>
+              <a:buFont typeface="Arial"/>
+              <a:buChar char="•"/>
+            </a:pPr>
+            <a:r>
+              <a:rPr lang="en-US" sz="3000">
+                <a:solidFill>
+                  <a:srgbClr val="000000"/>
+                </a:solidFill>
+                <a:latin typeface="Canva Sans"/>
+                <a:ea typeface="Canva Sans"/>
+                <a:cs typeface="Canva Sans"/>
+                <a:sym typeface="Canva Sans"/>
+              </a:rPr>
+              <a:t>Stock Splits</a:t>
+            </a:r>
+          </a:p>
+        </p:txBody>
+      </p:sp>
+      <p:sp>
+        <p:nvSpPr>
+          <p:cNvPr name="TextBox 7" id="7"/>
+          <p:cNvSpPr txBox="true"/>
+          <p:nvPr/>
+        </p:nvSpPr>
+        <p:spPr>
+          <a:xfrm rot="0">
+            <a:off x="7593965" y="1666579"/>
+            <a:ext cx="3058930" cy="2114550"/>
+          </a:xfrm>
+          <a:prstGeom prst="rect">
+            <a:avLst/>
+          </a:prstGeom>
+        </p:spPr>
+        <p:txBody>
+          <a:bodyPr anchor="t" rtlCol="false" tIns="0" lIns="0" bIns="0" rIns="0">
+            <a:spAutoFit/>
+          </a:bodyPr>
+          <a:lstStyle/>
           <a:p>
             <a:pPr algn="l">
               <a:lnSpc>
@@ -9502,17 +9199,19 @@
                 <a:cs typeface="Canva Sans"/>
                 <a:sym typeface="Canva Sans"/>
               </a:rPr>
-              <a:t>Alternative Hypothesis:</a:t>
-            </a:r>
-          </a:p>
-          <a:p>
-            <a:pPr algn="l">
+              <a:t>Web Scraping:</a:t>
+            </a:r>
+          </a:p>
+          <a:p>
+            <a:pPr algn="l" marL="647702" indent="-323851" lvl="1">
               <a:lnSpc>
-                <a:spcPts val="3360"/>
+                <a:spcPts val="4200"/>
               </a:lnSpc>
+              <a:buFont typeface="Arial"/>
+              <a:buChar char="•"/>
             </a:pPr>
             <a:r>
-              <a:rPr lang="en-US" sz="2400">
+              <a:rPr lang="en-US" sz="3000">
                 <a:solidFill>
                   <a:srgbClr val="000000"/>
                 </a:solidFill>
@@ -9521,34 +9220,240 @@
                 <a:cs typeface="Canva Sans"/>
                 <a:sym typeface="Canva Sans"/>
               </a:rPr>
-              <a:t>There is a difference in volatility visible</a:t>
-            </a:r>
-          </a:p>
-        </p:txBody>
-      </p:sp>
-      <p:sp>
-        <p:nvSpPr>
-          <p:cNvPr name="AutoShape 8" id="8"/>
-          <p:cNvSpPr/>
+              <a:t>Marketcap</a:t>
+            </a:r>
+          </a:p>
+          <a:p>
+            <a:pPr algn="l" marL="647702" indent="-323851" lvl="1">
+              <a:lnSpc>
+                <a:spcPts val="4200"/>
+              </a:lnSpc>
+              <a:buFont typeface="Arial"/>
+              <a:buChar char="•"/>
+            </a:pPr>
+            <a:r>
+              <a:rPr lang="en-US" sz="3000">
+                <a:solidFill>
+                  <a:srgbClr val="000000"/>
+                </a:solidFill>
+                <a:latin typeface="Canva Sans"/>
+                <a:ea typeface="Canva Sans"/>
+                <a:cs typeface="Canva Sans"/>
+                <a:sym typeface="Canva Sans"/>
+              </a:rPr>
+              <a:t>Sector</a:t>
+            </a:r>
+          </a:p>
+          <a:p>
+            <a:pPr algn="l" marL="647702" indent="-323851" lvl="1">
+              <a:lnSpc>
+                <a:spcPts val="4200"/>
+              </a:lnSpc>
+              <a:buFont typeface="Arial"/>
+              <a:buChar char="•"/>
+            </a:pPr>
+            <a:r>
+              <a:rPr lang="en-US" sz="3000">
+                <a:solidFill>
+                  <a:srgbClr val="000000"/>
+                </a:solidFill>
+                <a:latin typeface="Canva Sans"/>
+                <a:ea typeface="Canva Sans"/>
+                <a:cs typeface="Canva Sans"/>
+                <a:sym typeface="Canva Sans"/>
+              </a:rPr>
+              <a:t>Subsector</a:t>
+            </a:r>
+          </a:p>
+        </p:txBody>
+      </p:sp>
+      <p:sp>
+        <p:nvSpPr>
+          <p:cNvPr name="TextBox 8" id="8"/>
+          <p:cNvSpPr txBox="true"/>
           <p:nvPr/>
         </p:nvSpPr>
         <p:spPr>
-          <a:xfrm>
-            <a:off x="3587449" y="1595437"/>
-            <a:ext cx="11113103" cy="0"/>
-          </a:xfrm>
-          <a:prstGeom prst="line">
+          <a:xfrm rot="0">
+            <a:off x="13093377" y="1789062"/>
+            <a:ext cx="5015159" cy="4248150"/>
+          </a:xfrm>
+          <a:prstGeom prst="rect">
             <a:avLst/>
           </a:prstGeom>
-          <a:ln cap="flat" w="38100">
-            <a:solidFill>
-              <a:srgbClr val="000000"/>
-            </a:solidFill>
-            <a:prstDash val="solid"/>
-            <a:headEnd type="none" len="sm" w="sm"/>
-            <a:tailEnd type="none" len="sm" w="sm"/>
-          </a:ln>
-        </p:spPr>
+        </p:spPr>
+        <p:txBody>
+          <a:bodyPr anchor="t" rtlCol="false" tIns="0" lIns="0" bIns="0" rIns="0">
+            <a:spAutoFit/>
+          </a:bodyPr>
+          <a:lstStyle/>
+          <a:p>
+            <a:pPr algn="l">
+              <a:lnSpc>
+                <a:spcPts val="4200"/>
+              </a:lnSpc>
+            </a:pPr>
+            <a:r>
+              <a:rPr lang="en-US" sz="3000">
+                <a:solidFill>
+                  <a:srgbClr val="000000"/>
+                </a:solidFill>
+                <a:latin typeface="Canva Sans"/>
+                <a:ea typeface="Canva Sans"/>
+                <a:cs typeface="Canva Sans"/>
+                <a:sym typeface="Canva Sans"/>
+              </a:rPr>
+              <a:t>Feature Engineering:</a:t>
+            </a:r>
+          </a:p>
+          <a:p>
+            <a:pPr algn="l" marL="647702" indent="-323851" lvl="1">
+              <a:lnSpc>
+                <a:spcPts val="4200"/>
+              </a:lnSpc>
+              <a:buFont typeface="Arial"/>
+              <a:buChar char="•"/>
+            </a:pPr>
+            <a:r>
+              <a:rPr lang="en-US" sz="3000">
+                <a:solidFill>
+                  <a:srgbClr val="000000"/>
+                </a:solidFill>
+                <a:latin typeface="Canva Sans"/>
+                <a:ea typeface="Canva Sans"/>
+                <a:cs typeface="Canva Sans"/>
+                <a:sym typeface="Canva Sans"/>
+              </a:rPr>
+              <a:t>Norm Price</a:t>
+            </a:r>
+          </a:p>
+          <a:p>
+            <a:pPr algn="l" marL="647702" indent="-323851" lvl="1">
+              <a:lnSpc>
+                <a:spcPts val="4200"/>
+              </a:lnSpc>
+              <a:buFont typeface="Arial"/>
+              <a:buChar char="•"/>
+            </a:pPr>
+            <a:r>
+              <a:rPr lang="en-US" sz="3000">
+                <a:solidFill>
+                  <a:srgbClr val="000000"/>
+                </a:solidFill>
+                <a:latin typeface="Canva Sans"/>
+                <a:ea typeface="Canva Sans"/>
+                <a:cs typeface="Canva Sans"/>
+                <a:sym typeface="Canva Sans"/>
+              </a:rPr>
+              <a:t>Price Change</a:t>
+            </a:r>
+          </a:p>
+          <a:p>
+            <a:pPr algn="l" marL="647702" indent="-323851" lvl="1">
+              <a:lnSpc>
+                <a:spcPts val="4200"/>
+              </a:lnSpc>
+              <a:buFont typeface="Arial"/>
+              <a:buChar char="•"/>
+            </a:pPr>
+            <a:r>
+              <a:rPr lang="en-US" sz="3000">
+                <a:solidFill>
+                  <a:srgbClr val="000000"/>
+                </a:solidFill>
+                <a:latin typeface="Canva Sans"/>
+                <a:ea typeface="Canva Sans"/>
+                <a:cs typeface="Canva Sans"/>
+                <a:sym typeface="Canva Sans"/>
+              </a:rPr>
+              <a:t>Volatility</a:t>
+            </a:r>
+          </a:p>
+          <a:p>
+            <a:pPr algn="l" marL="647702" indent="-323851" lvl="1">
+              <a:lnSpc>
+                <a:spcPts val="4200"/>
+              </a:lnSpc>
+              <a:buFont typeface="Arial"/>
+              <a:buChar char="•"/>
+            </a:pPr>
+            <a:r>
+              <a:rPr lang="en-US" sz="3000">
+                <a:solidFill>
+                  <a:srgbClr val="000000"/>
+                </a:solidFill>
+                <a:latin typeface="Canva Sans"/>
+                <a:ea typeface="Canva Sans"/>
+                <a:cs typeface="Canva Sans"/>
+                <a:sym typeface="Canva Sans"/>
+              </a:rPr>
+              <a:t>Averages (MA &amp; EMA)</a:t>
+            </a:r>
+          </a:p>
+          <a:p>
+            <a:pPr algn="l" marL="647702" indent="-323851" lvl="1">
+              <a:lnSpc>
+                <a:spcPts val="4200"/>
+              </a:lnSpc>
+              <a:buFont typeface="Arial"/>
+              <a:buChar char="•"/>
+            </a:pPr>
+            <a:r>
+              <a:rPr lang="en-US" sz="3000">
+                <a:solidFill>
+                  <a:srgbClr val="000000"/>
+                </a:solidFill>
+                <a:latin typeface="Canva Sans"/>
+                <a:ea typeface="Canva Sans"/>
+                <a:cs typeface="Canva Sans"/>
+                <a:sym typeface="Canva Sans"/>
+              </a:rPr>
+              <a:t>Bollinger Bands</a:t>
+            </a:r>
+          </a:p>
+          <a:p>
+            <a:pPr algn="l" marL="647702" indent="-323851" lvl="1">
+              <a:lnSpc>
+                <a:spcPts val="4200"/>
+              </a:lnSpc>
+              <a:buFont typeface="Arial"/>
+              <a:buChar char="•"/>
+            </a:pPr>
+            <a:r>
+              <a:rPr lang="en-US" sz="3000">
+                <a:solidFill>
+                  <a:srgbClr val="000000"/>
+                </a:solidFill>
+                <a:latin typeface="Canva Sans"/>
+                <a:ea typeface="Canva Sans"/>
+                <a:cs typeface="Canva Sans"/>
+                <a:sym typeface="Canva Sans"/>
+              </a:rPr>
+              <a:t>RSI</a:t>
+            </a:r>
+          </a:p>
+          <a:p>
+            <a:pPr algn="l" marL="647702" indent="-323851" lvl="1">
+              <a:lnSpc>
+                <a:spcPts val="4200"/>
+              </a:lnSpc>
+              <a:buFont typeface="Arial"/>
+              <a:buChar char="•"/>
+            </a:pPr>
+            <a:r>
+              <a:rPr lang="en-US" sz="3000">
+                <a:solidFill>
+                  <a:srgbClr val="000000"/>
+                </a:solidFill>
+                <a:latin typeface="Canva Sans"/>
+                <a:ea typeface="Canva Sans"/>
+                <a:cs typeface="Canva Sans"/>
+                <a:sym typeface="Canva Sans"/>
+              </a:rPr>
+              <a:t>MACD</a:t>
+            </a:r>
+          </a:p>
+        </p:txBody>
       </p:sp>
     </p:spTree>
   </p:cSld>
@@ -9558,7 +9463,7 @@
 </p:sld>
 </file>
 
-<file path=ppt/slides/slide6.xml><?xml version="1.0" encoding="utf-8"?>
+<file path=ppt/slides/slide7.xml><?xml version="1.0" encoding="utf-8"?>
 <p:sld xmlns:p="http://schemas.openxmlformats.org/presentationml/2006/main" xmlns:a="http://schemas.openxmlformats.org/drawingml/2006/main" xmlns:r="http://schemas.openxmlformats.org/officeDocument/2006/relationships">
   <p:cSld>
     <p:bg>
@@ -9590,7 +9495,7 @@
         </p:nvGrpSpPr>
         <p:grpSpPr>
           <a:xfrm rot="0">
-            <a:off x="256660" y="236074"/>
+            <a:off x="236090" y="236074"/>
             <a:ext cx="17774681" cy="9814853"/>
             <a:chOff x="0" y="0"/>
             <a:chExt cx="4681397" cy="2584982"/>
@@ -9697,8 +9602,8 @@
         </p:nvSpPr>
         <p:spPr>
           <a:xfrm flipH="false" flipV="false" rot="0">
-            <a:off x="605947" y="1992878"/>
-            <a:ext cx="9357696" cy="5252007"/>
+            <a:off x="4494472" y="4375649"/>
+            <a:ext cx="8598905" cy="5675278"/>
           </a:xfrm>
           <a:custGeom>
             <a:avLst/>
@@ -9707,18 +9612,18 @@
             <a:cxnLst/>
             <a:rect r="r" b="b" t="t" l="l"/>
             <a:pathLst>
-              <a:path h="5252007" w="9357696">
+              <a:path h="5675278" w="8598905">
                 <a:moveTo>
                   <a:pt x="0" y="0"/>
                 </a:moveTo>
                 <a:lnTo>
-                  <a:pt x="9357696" y="0"/>
+                  <a:pt x="8598905" y="0"/>
                 </a:lnTo>
                 <a:lnTo>
-                  <a:pt x="9357696" y="5252007"/>
+                  <a:pt x="8598905" y="5675277"/>
                 </a:lnTo>
                 <a:lnTo>
-                  <a:pt x="0" y="5252007"/>
+                  <a:pt x="0" y="5675277"/>
                 </a:lnTo>
                 <a:lnTo>
                   <a:pt x="0" y="0"/>
@@ -9737,38 +9642,14 @@
       </p:sp>
       <p:sp>
         <p:nvSpPr>
-          <p:cNvPr name="AutoShape 6" id="6"/>
+          <p:cNvPr name="Freeform 6" id="6"/>
           <p:cNvSpPr/>
           <p:nvPr/>
         </p:nvSpPr>
         <p:spPr>
-          <a:xfrm>
-            <a:off x="3587449" y="1783328"/>
-            <a:ext cx="11113103" cy="0"/>
-          </a:xfrm>
-          <a:prstGeom prst="line">
-            <a:avLst/>
-          </a:prstGeom>
-          <a:ln cap="flat" w="38100">
-            <a:solidFill>
-              <a:srgbClr val="000000"/>
-            </a:solidFill>
-            <a:prstDash val="solid"/>
-            <a:headEnd type="none" len="sm" w="sm"/>
-            <a:tailEnd type="none" len="sm" w="sm"/>
-          </a:ln>
-        </p:spPr>
-      </p:sp>
-      <p:sp>
-        <p:nvSpPr>
-          <p:cNvPr name="Freeform 7" id="7"/>
-          <p:cNvSpPr/>
-          <p:nvPr/>
-        </p:nvSpPr>
-        <p:spPr>
           <a:xfrm flipH="false" flipV="false" rot="0">
-            <a:off x="10309071" y="5202986"/>
-            <a:ext cx="7083518" cy="4055314"/>
+            <a:off x="16821864" y="236074"/>
+            <a:ext cx="1188907" cy="1487656"/>
           </a:xfrm>
           <a:custGeom>
             <a:avLst/>
@@ -9777,18 +9658,18 @@
             <a:cxnLst/>
             <a:rect r="r" b="b" t="t" l="l"/>
             <a:pathLst>
-              <a:path h="4055314" w="7083518">
+              <a:path h="1487656" w="1188907">
                 <a:moveTo>
                   <a:pt x="0" y="0"/>
                 </a:moveTo>
                 <a:lnTo>
-                  <a:pt x="7083519" y="0"/>
+                  <a:pt x="1188907" y="0"/>
                 </a:lnTo>
                 <a:lnTo>
-                  <a:pt x="7083519" y="4055314"/>
+                  <a:pt x="1188907" y="1487655"/>
                 </a:lnTo>
                 <a:lnTo>
-                  <a:pt x="0" y="4055314"/>
+                  <a:pt x="0" y="1487655"/>
                 </a:lnTo>
                 <a:lnTo>
                   <a:pt x="0" y="0"/>
@@ -9798,7 +9679,13 @@
             </a:pathLst>
           </a:custGeom>
           <a:blipFill>
-            <a:blip r:embed="rId4"/>
+            <a:blip r:embed="rId4">
+              <a:extLst>
+                <a:ext uri="{96DAC541-7B7A-43D3-8B79-37D633B846F1}">
+                  <asvg:svgBlip xmlns:asvg="http://schemas.microsoft.com/office/drawing/2016/SVG/main" r:embed="rId5"/>
+                </a:ext>
+              </a:extLst>
+            </a:blip>
             <a:stretch>
               <a:fillRect l="0" t="0" r="0" b="0"/>
             </a:stretch>
@@ -9807,14 +9694,14 @@
       </p:sp>
       <p:sp>
         <p:nvSpPr>
-          <p:cNvPr name="TextBox 8" id="8"/>
+          <p:cNvPr name="TextBox 7" id="7"/>
           <p:cNvSpPr txBox="true"/>
           <p:nvPr/>
         </p:nvSpPr>
         <p:spPr>
           <a:xfrm rot="0">
-            <a:off x="3796792" y="481012"/>
-            <a:ext cx="10694416" cy="1095375"/>
+            <a:off x="4480938" y="432214"/>
+            <a:ext cx="9284984" cy="1095375"/>
           </a:xfrm>
           <a:prstGeom prst="rect">
             <a:avLst/>
@@ -9841,21 +9728,21 @@
                 <a:cs typeface="Barlow Bold"/>
                 <a:sym typeface="Barlow Bold"/>
               </a:rPr>
-              <a:t>Inferential Statistics</a:t>
-            </a:r>
-          </a:p>
-        </p:txBody>
-      </p:sp>
-      <p:sp>
-        <p:nvSpPr>
-          <p:cNvPr name="TextBox 9" id="9"/>
+              <a:t>Feature Engineering</a:t>
+            </a:r>
+          </a:p>
+        </p:txBody>
+      </p:sp>
+      <p:sp>
+        <p:nvSpPr>
+          <p:cNvPr name="TextBox 8" id="8"/>
           <p:cNvSpPr txBox="true"/>
           <p:nvPr/>
         </p:nvSpPr>
         <p:spPr>
           <a:xfrm rot="0">
-            <a:off x="11273521" y="2632897"/>
-            <a:ext cx="6119068" cy="887095"/>
+            <a:off x="564798" y="1666579"/>
+            <a:ext cx="4408054" cy="4248150"/>
           </a:xfrm>
           <a:prstGeom prst="rect">
             <a:avLst/>
@@ -9867,13 +9754,34 @@
           </a:bodyPr>
           <a:lstStyle/>
           <a:p>
-            <a:pPr algn="ctr">
+            <a:pPr algn="l">
               <a:lnSpc>
-                <a:spcPts val="7279"/>
+                <a:spcPts val="4200"/>
               </a:lnSpc>
             </a:pPr>
             <a:r>
-              <a:rPr lang="en-US" sz="5199" b="true">
+              <a:rPr lang="en-US" sz="3000">
+                <a:solidFill>
+                  <a:srgbClr val="000000"/>
+                </a:solidFill>
+                <a:latin typeface="Canva Sans"/>
+                <a:ea typeface="Canva Sans"/>
+                <a:cs typeface="Canva Sans"/>
+                <a:sym typeface="Canva Sans"/>
+              </a:rPr>
+              <a:t>Original Columns:</a:t>
+            </a:r>
+          </a:p>
+          <a:p>
+            <a:pPr algn="l" marL="647702" indent="-323851" lvl="1">
+              <a:lnSpc>
+                <a:spcPts val="4200"/>
+              </a:lnSpc>
+              <a:buFont typeface="Arial"/>
+              <a:buChar char="•"/>
+            </a:pPr>
+            <a:r>
+              <a:rPr lang="en-US" b="true" sz="3000">
                 <a:solidFill>
                   <a:srgbClr val="000000"/>
                 </a:solidFill>
@@ -9882,7 +9790,440 @@
                 <a:cs typeface="Canva Sans Bold"/>
                 <a:sym typeface="Canva Sans Bold"/>
               </a:rPr>
-              <a:t>p-Value = 1.4 * e-22</a:t>
+              <a:t>Date</a:t>
+            </a:r>
+          </a:p>
+          <a:p>
+            <a:pPr algn="l" marL="647702" indent="-323851" lvl="1">
+              <a:lnSpc>
+                <a:spcPts val="4200"/>
+              </a:lnSpc>
+              <a:buFont typeface="Arial"/>
+              <a:buChar char="•"/>
+            </a:pPr>
+            <a:r>
+              <a:rPr lang="en-US" b="true" sz="3000">
+                <a:solidFill>
+                  <a:srgbClr val="000000"/>
+                </a:solidFill>
+                <a:latin typeface="Canva Sans Bold"/>
+                <a:ea typeface="Canva Sans Bold"/>
+                <a:cs typeface="Canva Sans Bold"/>
+                <a:sym typeface="Canva Sans Bold"/>
+              </a:rPr>
+              <a:t>Company</a:t>
+            </a:r>
+          </a:p>
+          <a:p>
+            <a:pPr algn="l" marL="647702" indent="-323851" lvl="1">
+              <a:lnSpc>
+                <a:spcPts val="4200"/>
+              </a:lnSpc>
+              <a:buFont typeface="Arial"/>
+              <a:buChar char="•"/>
+            </a:pPr>
+            <a:r>
+              <a:rPr lang="en-US" b="true" sz="3000">
+                <a:solidFill>
+                  <a:srgbClr val="000000"/>
+                </a:solidFill>
+                <a:latin typeface="Canva Sans Bold"/>
+                <a:ea typeface="Canva Sans Bold"/>
+                <a:cs typeface="Canva Sans Bold"/>
+                <a:sym typeface="Canva Sans Bold"/>
+              </a:rPr>
+              <a:t>Prices</a:t>
+            </a:r>
+            <a:r>
+              <a:rPr lang="en-US" sz="3000">
+                <a:solidFill>
+                  <a:srgbClr val="000000"/>
+                </a:solidFill>
+                <a:latin typeface="Canva Sans"/>
+                <a:ea typeface="Canva Sans"/>
+                <a:cs typeface="Canva Sans"/>
+                <a:sym typeface="Canva Sans"/>
+              </a:rPr>
+              <a:t> (open, </a:t>
+            </a:r>
+            <a:r>
+              <a:rPr lang="en-US" b="true" sz="3000">
+                <a:solidFill>
+                  <a:srgbClr val="000000"/>
+                </a:solidFill>
+                <a:latin typeface="Canva Sans Bold"/>
+                <a:ea typeface="Canva Sans Bold"/>
+                <a:cs typeface="Canva Sans Bold"/>
+                <a:sym typeface="Canva Sans Bold"/>
+              </a:rPr>
+              <a:t>close</a:t>
+            </a:r>
+            <a:r>
+              <a:rPr lang="en-US" sz="3000">
+                <a:solidFill>
+                  <a:srgbClr val="000000"/>
+                </a:solidFill>
+                <a:latin typeface="Canva Sans"/>
+                <a:ea typeface="Canva Sans"/>
+                <a:cs typeface="Canva Sans"/>
+                <a:sym typeface="Canva Sans"/>
+              </a:rPr>
+              <a:t>, high, low)</a:t>
+            </a:r>
+          </a:p>
+          <a:p>
+            <a:pPr algn="l" marL="647702" indent="-323851" lvl="1">
+              <a:lnSpc>
+                <a:spcPts val="4200"/>
+              </a:lnSpc>
+              <a:buFont typeface="Arial"/>
+              <a:buChar char="•"/>
+            </a:pPr>
+            <a:r>
+              <a:rPr lang="en-US" sz="3000">
+                <a:solidFill>
+                  <a:srgbClr val="000000"/>
+                </a:solidFill>
+                <a:latin typeface="Canva Sans"/>
+                <a:ea typeface="Canva Sans"/>
+                <a:cs typeface="Canva Sans"/>
+                <a:sym typeface="Canva Sans"/>
+              </a:rPr>
+              <a:t>Volume</a:t>
+            </a:r>
+          </a:p>
+          <a:p>
+            <a:pPr algn="l" marL="647702" indent="-323851" lvl="1">
+              <a:lnSpc>
+                <a:spcPts val="4200"/>
+              </a:lnSpc>
+              <a:buFont typeface="Arial"/>
+              <a:buChar char="•"/>
+            </a:pPr>
+            <a:r>
+              <a:rPr lang="en-US" sz="3000">
+                <a:solidFill>
+                  <a:srgbClr val="000000"/>
+                </a:solidFill>
+                <a:latin typeface="Canva Sans"/>
+                <a:ea typeface="Canva Sans"/>
+                <a:cs typeface="Canva Sans"/>
+                <a:sym typeface="Canva Sans"/>
+              </a:rPr>
+              <a:t>Dividends</a:t>
+            </a:r>
+          </a:p>
+          <a:p>
+            <a:pPr algn="l" marL="647702" indent="-323851" lvl="1">
+              <a:lnSpc>
+                <a:spcPts val="4200"/>
+              </a:lnSpc>
+              <a:buFont typeface="Arial"/>
+              <a:buChar char="•"/>
+            </a:pPr>
+            <a:r>
+              <a:rPr lang="en-US" sz="3000">
+                <a:solidFill>
+                  <a:srgbClr val="000000"/>
+                </a:solidFill>
+                <a:latin typeface="Canva Sans"/>
+                <a:ea typeface="Canva Sans"/>
+                <a:cs typeface="Canva Sans"/>
+                <a:sym typeface="Canva Sans"/>
+              </a:rPr>
+              <a:t>Stock Splits</a:t>
+            </a:r>
+          </a:p>
+        </p:txBody>
+      </p:sp>
+      <p:sp>
+        <p:nvSpPr>
+          <p:cNvPr name="TextBox 9" id="9"/>
+          <p:cNvSpPr txBox="true"/>
+          <p:nvPr/>
+        </p:nvSpPr>
+        <p:spPr>
+          <a:xfrm rot="0">
+            <a:off x="7593965" y="1666579"/>
+            <a:ext cx="3058930" cy="2114550"/>
+          </a:xfrm>
+          <a:prstGeom prst="rect">
+            <a:avLst/>
+          </a:prstGeom>
+        </p:spPr>
+        <p:txBody>
+          <a:bodyPr anchor="t" rtlCol="false" tIns="0" lIns="0" bIns="0" rIns="0">
+            <a:spAutoFit/>
+          </a:bodyPr>
+          <a:lstStyle/>
+          <a:p>
+            <a:pPr algn="l">
+              <a:lnSpc>
+                <a:spcPts val="4200"/>
+              </a:lnSpc>
+            </a:pPr>
+            <a:r>
+              <a:rPr lang="en-US" sz="3000">
+                <a:solidFill>
+                  <a:srgbClr val="000000"/>
+                </a:solidFill>
+                <a:latin typeface="Canva Sans"/>
+                <a:ea typeface="Canva Sans"/>
+                <a:cs typeface="Canva Sans"/>
+                <a:sym typeface="Canva Sans"/>
+              </a:rPr>
+              <a:t>Web Scraping:</a:t>
+            </a:r>
+          </a:p>
+          <a:p>
+            <a:pPr algn="l" marL="647702" indent="-323851" lvl="1">
+              <a:lnSpc>
+                <a:spcPts val="4200"/>
+              </a:lnSpc>
+              <a:buFont typeface="Arial"/>
+              <a:buChar char="•"/>
+            </a:pPr>
+            <a:r>
+              <a:rPr lang="en-US" sz="3000">
+                <a:solidFill>
+                  <a:srgbClr val="000000"/>
+                </a:solidFill>
+                <a:latin typeface="Canva Sans"/>
+                <a:ea typeface="Canva Sans"/>
+                <a:cs typeface="Canva Sans"/>
+                <a:sym typeface="Canva Sans"/>
+              </a:rPr>
+              <a:t>Marketcap</a:t>
+            </a:r>
+          </a:p>
+          <a:p>
+            <a:pPr algn="l" marL="647702" indent="-323851" lvl="1">
+              <a:lnSpc>
+                <a:spcPts val="4200"/>
+              </a:lnSpc>
+              <a:buFont typeface="Arial"/>
+              <a:buChar char="•"/>
+            </a:pPr>
+            <a:r>
+              <a:rPr lang="en-US" sz="3000">
+                <a:solidFill>
+                  <a:srgbClr val="000000"/>
+                </a:solidFill>
+                <a:latin typeface="Canva Sans"/>
+                <a:ea typeface="Canva Sans"/>
+                <a:cs typeface="Canva Sans"/>
+                <a:sym typeface="Canva Sans"/>
+              </a:rPr>
+              <a:t>Sector</a:t>
+            </a:r>
+          </a:p>
+          <a:p>
+            <a:pPr algn="l" marL="647702" indent="-323851" lvl="1">
+              <a:lnSpc>
+                <a:spcPts val="4200"/>
+              </a:lnSpc>
+              <a:buFont typeface="Arial"/>
+              <a:buChar char="•"/>
+            </a:pPr>
+            <a:r>
+              <a:rPr lang="en-US" sz="3000">
+                <a:solidFill>
+                  <a:srgbClr val="000000"/>
+                </a:solidFill>
+                <a:latin typeface="Canva Sans"/>
+                <a:ea typeface="Canva Sans"/>
+                <a:cs typeface="Canva Sans"/>
+                <a:sym typeface="Canva Sans"/>
+              </a:rPr>
+              <a:t>Subsector</a:t>
+            </a:r>
+          </a:p>
+        </p:txBody>
+      </p:sp>
+      <p:sp>
+        <p:nvSpPr>
+          <p:cNvPr name="TextBox 10" id="10"/>
+          <p:cNvSpPr txBox="true"/>
+          <p:nvPr/>
+        </p:nvSpPr>
+        <p:spPr>
+          <a:xfrm rot="0">
+            <a:off x="13093377" y="1789062"/>
+            <a:ext cx="5015159" cy="4248150"/>
+          </a:xfrm>
+          <a:prstGeom prst="rect">
+            <a:avLst/>
+          </a:prstGeom>
+        </p:spPr>
+        <p:txBody>
+          <a:bodyPr anchor="t" rtlCol="false" tIns="0" lIns="0" bIns="0" rIns="0">
+            <a:spAutoFit/>
+          </a:bodyPr>
+          <a:lstStyle/>
+          <a:p>
+            <a:pPr algn="l">
+              <a:lnSpc>
+                <a:spcPts val="4200"/>
+              </a:lnSpc>
+            </a:pPr>
+            <a:r>
+              <a:rPr lang="en-US" sz="3000">
+                <a:solidFill>
+                  <a:srgbClr val="000000"/>
+                </a:solidFill>
+                <a:latin typeface="Canva Sans"/>
+                <a:ea typeface="Canva Sans"/>
+                <a:cs typeface="Canva Sans"/>
+                <a:sym typeface="Canva Sans"/>
+              </a:rPr>
+              <a:t>Feature Engineering:</a:t>
+            </a:r>
+          </a:p>
+          <a:p>
+            <a:pPr algn="l" marL="647702" indent="-323851" lvl="1">
+              <a:lnSpc>
+                <a:spcPts val="4200"/>
+              </a:lnSpc>
+              <a:buFont typeface="Arial"/>
+              <a:buChar char="•"/>
+            </a:pPr>
+            <a:r>
+              <a:rPr lang="en-US" sz="3000">
+                <a:solidFill>
+                  <a:srgbClr val="000000"/>
+                </a:solidFill>
+                <a:latin typeface="Canva Sans"/>
+                <a:ea typeface="Canva Sans"/>
+                <a:cs typeface="Canva Sans"/>
+                <a:sym typeface="Canva Sans"/>
+              </a:rPr>
+              <a:t>Norm Price</a:t>
+            </a:r>
+          </a:p>
+          <a:p>
+            <a:pPr algn="l" marL="647702" indent="-323851" lvl="1">
+              <a:lnSpc>
+                <a:spcPts val="4200"/>
+              </a:lnSpc>
+              <a:buFont typeface="Arial"/>
+              <a:buChar char="•"/>
+            </a:pPr>
+            <a:r>
+              <a:rPr lang="en-US" sz="3000">
+                <a:solidFill>
+                  <a:srgbClr val="000000"/>
+                </a:solidFill>
+                <a:latin typeface="Canva Sans"/>
+                <a:ea typeface="Canva Sans"/>
+                <a:cs typeface="Canva Sans"/>
+                <a:sym typeface="Canva Sans"/>
+              </a:rPr>
+              <a:t>Price Change</a:t>
+            </a:r>
+          </a:p>
+          <a:p>
+            <a:pPr algn="l" marL="647702" indent="-323851" lvl="1">
+              <a:lnSpc>
+                <a:spcPts val="4200"/>
+              </a:lnSpc>
+              <a:buFont typeface="Arial"/>
+              <a:buChar char="•"/>
+            </a:pPr>
+            <a:r>
+              <a:rPr lang="en-US" sz="3000">
+                <a:solidFill>
+                  <a:srgbClr val="000000"/>
+                </a:solidFill>
+                <a:latin typeface="Canva Sans"/>
+                <a:ea typeface="Canva Sans"/>
+                <a:cs typeface="Canva Sans"/>
+                <a:sym typeface="Canva Sans"/>
+              </a:rPr>
+              <a:t>Volatility</a:t>
+            </a:r>
+          </a:p>
+          <a:p>
+            <a:pPr algn="l" marL="647702" indent="-323851" lvl="1">
+              <a:lnSpc>
+                <a:spcPts val="4200"/>
+              </a:lnSpc>
+              <a:buFont typeface="Arial"/>
+              <a:buChar char="•"/>
+            </a:pPr>
+            <a:r>
+              <a:rPr lang="en-US" sz="3000">
+                <a:solidFill>
+                  <a:srgbClr val="000000"/>
+                </a:solidFill>
+                <a:latin typeface="Canva Sans"/>
+                <a:ea typeface="Canva Sans"/>
+                <a:cs typeface="Canva Sans"/>
+                <a:sym typeface="Canva Sans"/>
+              </a:rPr>
+              <a:t>Averages (MA 20 &amp; 60)</a:t>
+            </a:r>
+          </a:p>
+          <a:p>
+            <a:pPr algn="l" marL="647702" indent="-323851" lvl="1">
+              <a:lnSpc>
+                <a:spcPts val="4200"/>
+              </a:lnSpc>
+              <a:buFont typeface="Arial"/>
+              <a:buChar char="•"/>
+            </a:pPr>
+            <a:r>
+              <a:rPr lang="en-US" sz="3000">
+                <a:solidFill>
+                  <a:srgbClr val="000000"/>
+                </a:solidFill>
+                <a:latin typeface="Canva Sans"/>
+                <a:ea typeface="Canva Sans"/>
+                <a:cs typeface="Canva Sans"/>
+                <a:sym typeface="Canva Sans"/>
+              </a:rPr>
+              <a:t>Bollinger Bands</a:t>
+            </a:r>
+          </a:p>
+          <a:p>
+            <a:pPr algn="l" marL="647702" indent="-323851" lvl="1">
+              <a:lnSpc>
+                <a:spcPts val="4200"/>
+              </a:lnSpc>
+              <a:buFont typeface="Arial"/>
+              <a:buChar char="•"/>
+            </a:pPr>
+            <a:r>
+              <a:rPr lang="en-US" sz="3000">
+                <a:solidFill>
+                  <a:srgbClr val="000000"/>
+                </a:solidFill>
+                <a:latin typeface="Canva Sans"/>
+                <a:ea typeface="Canva Sans"/>
+                <a:cs typeface="Canva Sans"/>
+                <a:sym typeface="Canva Sans"/>
+              </a:rPr>
+              <a:t>RSI</a:t>
+            </a:r>
+          </a:p>
+          <a:p>
+            <a:pPr algn="l" marL="647702" indent="-323851" lvl="1">
+              <a:lnSpc>
+                <a:spcPts val="4200"/>
+              </a:lnSpc>
+              <a:buFont typeface="Arial"/>
+              <a:buChar char="•"/>
+            </a:pPr>
+            <a:r>
+              <a:rPr lang="en-US" sz="3000">
+                <a:solidFill>
+                  <a:srgbClr val="000000"/>
+                </a:solidFill>
+                <a:latin typeface="Canva Sans"/>
+                <a:ea typeface="Canva Sans"/>
+                <a:cs typeface="Canva Sans"/>
+                <a:sym typeface="Canva Sans"/>
+              </a:rPr>
+              <a:t>MACD</a:t>
             </a:r>
           </a:p>
         </p:txBody>
@@ -9895,8 +10236,8 @@
 </p:sld>
 </file>
 
-<file path=ppt/slides/slide7.xml><?xml version="1.0" encoding="utf-8"?>
-<p:sld xmlns:p="http://schemas.openxmlformats.org/presentationml/2006/main" xmlns:a="http://schemas.openxmlformats.org/drawingml/2006/main">
+<file path=ppt/slides/slide8.xml><?xml version="1.0" encoding="utf-8"?>
+<p:sld xmlns:p="http://schemas.openxmlformats.org/presentationml/2006/main" xmlns:a="http://schemas.openxmlformats.org/drawingml/2006/main" xmlns:r="http://schemas.openxmlformats.org/officeDocument/2006/relationships">
   <p:cSld>
     <p:bg>
       <p:bgPr>
@@ -10028,13 +10369,65 @@
       </p:grpSp>
       <p:sp>
         <p:nvSpPr>
-          <p:cNvPr name="TextBox 5" id="5"/>
+          <p:cNvPr name="Freeform 5" id="5"/>
+          <p:cNvSpPr/>
+          <p:nvPr/>
+        </p:nvSpPr>
+        <p:spPr>
+          <a:xfrm flipH="false" flipV="false" rot="0">
+            <a:off x="6383891" y="3811254"/>
+            <a:ext cx="4069911" cy="4114800"/>
+          </a:xfrm>
+          <a:custGeom>
+            <a:avLst/>
+            <a:gdLst/>
+            <a:ahLst/>
+            <a:cxnLst/>
+            <a:rect r="r" b="b" t="t" l="l"/>
+            <a:pathLst>
+              <a:path h="4114800" w="4069911">
+                <a:moveTo>
+                  <a:pt x="0" y="0"/>
+                </a:moveTo>
+                <a:lnTo>
+                  <a:pt x="4069911" y="0"/>
+                </a:lnTo>
+                <a:lnTo>
+                  <a:pt x="4069911" y="4114800"/>
+                </a:lnTo>
+                <a:lnTo>
+                  <a:pt x="0" y="4114800"/>
+                </a:lnTo>
+                <a:lnTo>
+                  <a:pt x="0" y="0"/>
+                </a:lnTo>
+                <a:close/>
+              </a:path>
+            </a:pathLst>
+          </a:custGeom>
+          <a:blipFill>
+            <a:blip r:embed="rId3">
+              <a:extLst>
+                <a:ext uri="{96DAC541-7B7A-43D3-8B79-37D633B846F1}">
+                  <asvg:svgBlip xmlns:asvg="http://schemas.microsoft.com/office/drawing/2016/SVG/main" r:embed="rId4"/>
+                </a:ext>
+              </a:extLst>
+            </a:blip>
+            <a:stretch>
+              <a:fillRect l="0" t="0" r="0" b="0"/>
+            </a:stretch>
+          </a:blipFill>
+        </p:spPr>
+      </p:sp>
+      <p:sp>
+        <p:nvSpPr>
+          <p:cNvPr name="TextBox 6" id="6"/>
           <p:cNvSpPr txBox="true"/>
           <p:nvPr/>
         </p:nvSpPr>
         <p:spPr>
           <a:xfrm rot="0">
-            <a:off x="4480938" y="432214"/>
+            <a:off x="4480938" y="481012"/>
             <a:ext cx="9284984" cy="1095375"/>
           </a:xfrm>
           <a:prstGeom prst="rect">
@@ -10055,28 +10448,28 @@
             <a:r>
               <a:rPr lang="en-US" b="true" sz="7200">
                 <a:solidFill>
-                  <a:srgbClr val="000000"/>
+                  <a:srgbClr val="84282E"/>
                 </a:solidFill>
                 <a:latin typeface="Barlow Bold"/>
                 <a:ea typeface="Barlow Bold"/>
                 <a:cs typeface="Barlow Bold"/>
                 <a:sym typeface="Barlow Bold"/>
               </a:rPr>
-              <a:t>Feature Engineering</a:t>
-            </a:r>
-          </a:p>
-        </p:txBody>
-      </p:sp>
-      <p:sp>
-        <p:nvSpPr>
-          <p:cNvPr name="TextBox 6" id="6"/>
+              <a:t>XG Boost</a:t>
+            </a:r>
+          </a:p>
+        </p:txBody>
+      </p:sp>
+      <p:sp>
+        <p:nvSpPr>
+          <p:cNvPr name="TextBox 7" id="7"/>
           <p:cNvSpPr txBox="true"/>
           <p:nvPr/>
         </p:nvSpPr>
         <p:spPr>
           <a:xfrm rot="0">
-            <a:off x="564798" y="1666579"/>
-            <a:ext cx="4408054" cy="4248150"/>
+            <a:off x="893788" y="4645009"/>
+            <a:ext cx="4368701" cy="2380615"/>
           </a:xfrm>
           <a:prstGeom prst="rect">
             <a:avLst/>
@@ -10090,11 +10483,11 @@
           <a:p>
             <a:pPr algn="l">
               <a:lnSpc>
-                <a:spcPts val="4200"/>
+                <a:spcPts val="4759"/>
               </a:lnSpc>
             </a:pPr>
             <a:r>
-              <a:rPr lang="en-US" sz="3000">
+              <a:rPr lang="en-US" sz="3399">
                 <a:solidFill>
                   <a:srgbClr val="000000"/>
                 </a:solidFill>
@@ -10103,73 +10496,19 @@
                 <a:cs typeface="Canva Sans"/>
                 <a:sym typeface="Canva Sans"/>
               </a:rPr>
-              <a:t>Original Columns:</a:t>
-            </a:r>
-          </a:p>
-          <a:p>
-            <a:pPr algn="l" marL="647702" indent="-323851" lvl="1">
+              <a:t>Preprocessing</a:t>
+            </a:r>
+          </a:p>
+          <a:p>
+            <a:pPr algn="l" marL="734059" indent="-367030" lvl="1">
               <a:lnSpc>
-                <a:spcPts val="4200"/>
+                <a:spcPts val="4759"/>
               </a:lnSpc>
               <a:buFont typeface="Arial"/>
               <a:buChar char="•"/>
             </a:pPr>
             <a:r>
-              <a:rPr lang="en-US" b="true" sz="3000">
-                <a:solidFill>
-                  <a:srgbClr val="000000"/>
-                </a:solidFill>
-                <a:latin typeface="Canva Sans Bold"/>
-                <a:ea typeface="Canva Sans Bold"/>
-                <a:cs typeface="Canva Sans Bold"/>
-                <a:sym typeface="Canva Sans Bold"/>
-              </a:rPr>
-              <a:t>Date</a:t>
-            </a:r>
-          </a:p>
-          <a:p>
-            <a:pPr algn="l" marL="647702" indent="-323851" lvl="1">
-              <a:lnSpc>
-                <a:spcPts val="4200"/>
-              </a:lnSpc>
-              <a:buFont typeface="Arial"/>
-              <a:buChar char="•"/>
-            </a:pPr>
-            <a:r>
-              <a:rPr lang="en-US" b="true" sz="3000">
-                <a:solidFill>
-                  <a:srgbClr val="000000"/>
-                </a:solidFill>
-                <a:latin typeface="Canva Sans Bold"/>
-                <a:ea typeface="Canva Sans Bold"/>
-                <a:cs typeface="Canva Sans Bold"/>
-                <a:sym typeface="Canva Sans Bold"/>
-              </a:rPr>
-              <a:t>Company</a:t>
-            </a:r>
-          </a:p>
-          <a:p>
-            <a:pPr algn="l" marL="647702" indent="-323851" lvl="1">
-              <a:lnSpc>
-                <a:spcPts val="4200"/>
-              </a:lnSpc>
-              <a:buFont typeface="Arial"/>
-              <a:buChar char="•"/>
-            </a:pPr>
-            <a:r>
-              <a:rPr lang="en-US" b="true" sz="3000">
-                <a:solidFill>
-                  <a:srgbClr val="000000"/>
-                </a:solidFill>
-                <a:latin typeface="Canva Sans Bold"/>
-                <a:ea typeface="Canva Sans Bold"/>
-                <a:cs typeface="Canva Sans Bold"/>
-                <a:sym typeface="Canva Sans Bold"/>
-              </a:rPr>
-              <a:t>Prices</a:t>
-            </a:r>
-            <a:r>
-              <a:rPr lang="en-US" sz="3000">
+              <a:rPr lang="en-US" sz="3399">
                 <a:solidFill>
                   <a:srgbClr val="000000"/>
                 </a:solidFill>
@@ -10178,22 +10517,19 @@
                 <a:cs typeface="Canva Sans"/>
                 <a:sym typeface="Canva Sans"/>
               </a:rPr>
-              <a:t> (open, </a:t>
-            </a:r>
-            <a:r>
-              <a:rPr lang="en-US" b="true" sz="3000">
-                <a:solidFill>
-                  <a:srgbClr val="000000"/>
-                </a:solidFill>
-                <a:latin typeface="Canva Sans Bold"/>
-                <a:ea typeface="Canva Sans Bold"/>
-                <a:cs typeface="Canva Sans Bold"/>
-                <a:sym typeface="Canva Sans Bold"/>
-              </a:rPr>
-              <a:t>close</a:t>
-            </a:r>
-            <a:r>
-              <a:rPr lang="en-US" sz="3000">
+              <a:t>lagged features</a:t>
+            </a:r>
+          </a:p>
+          <a:p>
+            <a:pPr algn="l" marL="734059" indent="-367030" lvl="1">
+              <a:lnSpc>
+                <a:spcPts val="4759"/>
+              </a:lnSpc>
+              <a:buFont typeface="Arial"/>
+              <a:buChar char="•"/>
+            </a:pPr>
+            <a:r>
+              <a:rPr lang="en-US" sz="3399">
                 <a:solidFill>
                   <a:srgbClr val="000000"/>
                 </a:solidFill>
@@ -10202,19 +10538,19 @@
                 <a:cs typeface="Canva Sans"/>
                 <a:sym typeface="Canva Sans"/>
               </a:rPr>
-              <a:t>, high, low)</a:t>
-            </a:r>
-          </a:p>
-          <a:p>
-            <a:pPr algn="l" marL="647702" indent="-323851" lvl="1">
+              <a:t>drop categoricals</a:t>
+            </a:r>
+          </a:p>
+          <a:p>
+            <a:pPr algn="l" marL="734059" indent="-367030" lvl="1">
               <a:lnSpc>
-                <a:spcPts val="4200"/>
+                <a:spcPts val="4759"/>
               </a:lnSpc>
               <a:buFont typeface="Arial"/>
               <a:buChar char="•"/>
             </a:pPr>
             <a:r>
-              <a:rPr lang="en-US" sz="3000">
+              <a:rPr lang="en-US" sz="3399">
                 <a:solidFill>
                   <a:srgbClr val="000000"/>
                 </a:solidFill>
@@ -10223,19 +10559,39 @@
                 <a:cs typeface="Canva Sans"/>
                 <a:sym typeface="Canva Sans"/>
               </a:rPr>
-              <a:t>Volume</a:t>
-            </a:r>
-          </a:p>
-          <a:p>
-            <a:pPr algn="l" marL="647702" indent="-323851" lvl="1">
+              <a:t>default settings</a:t>
+            </a:r>
+          </a:p>
+        </p:txBody>
+      </p:sp>
+      <p:sp>
+        <p:nvSpPr>
+          <p:cNvPr name="TextBox 8" id="8"/>
+          <p:cNvSpPr txBox="true"/>
+          <p:nvPr/>
+        </p:nvSpPr>
+        <p:spPr>
+          <a:xfrm rot="0">
+            <a:off x="9403729" y="8297067"/>
+            <a:ext cx="4069911" cy="1180465"/>
+          </a:xfrm>
+          <a:prstGeom prst="rect">
+            <a:avLst/>
+          </a:prstGeom>
+        </p:spPr>
+        <p:txBody>
+          <a:bodyPr anchor="t" rtlCol="false" tIns="0" lIns="0" bIns="0" rIns="0">
+            <a:spAutoFit/>
+          </a:bodyPr>
+          <a:lstStyle/>
+          <a:p>
+            <a:pPr algn="ctr">
               <a:lnSpc>
-                <a:spcPts val="4200"/>
+                <a:spcPts val="4759"/>
               </a:lnSpc>
-              <a:buFont typeface="Arial"/>
-              <a:buChar char="•"/>
             </a:pPr>
             <a:r>
-              <a:rPr lang="en-US" sz="3000">
+              <a:rPr lang="en-US" sz="3399">
                 <a:solidFill>
                   <a:srgbClr val="000000"/>
                 </a:solidFill>
@@ -10244,19 +10600,17 @@
                 <a:cs typeface="Canva Sans"/>
                 <a:sym typeface="Canva Sans"/>
               </a:rPr>
-              <a:t>Dividends</a:t>
-            </a:r>
-          </a:p>
-          <a:p>
-            <a:pPr algn="l" marL="647702" indent="-323851" lvl="1">
+              <a:t> Test: </a:t>
+            </a:r>
+          </a:p>
+          <a:p>
+            <a:pPr algn="ctr">
               <a:lnSpc>
-                <a:spcPts val="4200"/>
+                <a:spcPts val="4759"/>
               </a:lnSpc>
-              <a:buFont typeface="Arial"/>
-              <a:buChar char="•"/>
             </a:pPr>
             <a:r>
-              <a:rPr lang="en-US" sz="3000">
+              <a:rPr lang="en-US" sz="3399">
                 <a:solidFill>
                   <a:srgbClr val="000000"/>
                 </a:solidFill>
@@ -10265,21 +10619,21 @@
                 <a:cs typeface="Canva Sans"/>
                 <a:sym typeface="Canva Sans"/>
               </a:rPr>
-              <a:t>Stock Splits</a:t>
-            </a:r>
-          </a:p>
-        </p:txBody>
-      </p:sp>
-      <p:sp>
-        <p:nvSpPr>
-          <p:cNvPr name="TextBox 7" id="7"/>
+              <a:t>2022 - 2024</a:t>
+            </a:r>
+          </a:p>
+        </p:txBody>
+      </p:sp>
+      <p:sp>
+        <p:nvSpPr>
+          <p:cNvPr name="TextBox 9" id="9"/>
           <p:cNvSpPr txBox="true"/>
           <p:nvPr/>
         </p:nvSpPr>
         <p:spPr>
           <a:xfrm rot="0">
-            <a:off x="7593965" y="1666579"/>
-            <a:ext cx="3058930" cy="2114550"/>
+            <a:off x="9403729" y="2298095"/>
+            <a:ext cx="4069911" cy="1180465"/>
           </a:xfrm>
           <a:prstGeom prst="rect">
             <a:avLst/>
@@ -10291,13 +10645,13 @@
           </a:bodyPr>
           <a:lstStyle/>
           <a:p>
-            <a:pPr algn="l">
+            <a:pPr algn="ctr">
               <a:lnSpc>
-                <a:spcPts val="4200"/>
+                <a:spcPts val="4759"/>
               </a:lnSpc>
             </a:pPr>
             <a:r>
-              <a:rPr lang="en-US" sz="3000">
+              <a:rPr lang="en-US" sz="3399">
                 <a:solidFill>
                   <a:srgbClr val="000000"/>
                 </a:solidFill>
@@ -10306,19 +10660,39 @@
                 <a:cs typeface="Canva Sans"/>
                 <a:sym typeface="Canva Sans"/>
               </a:rPr>
-              <a:t>Web Scraping:</a:t>
-            </a:r>
-          </a:p>
-          <a:p>
-            <a:pPr algn="l" marL="647702" indent="-323851" lvl="1">
+              <a:t> Training Data: 1960 - 2021</a:t>
+            </a:r>
+          </a:p>
+        </p:txBody>
+      </p:sp>
+      <p:sp>
+        <p:nvSpPr>
+          <p:cNvPr name="TextBox 10" id="10"/>
+          <p:cNvSpPr txBox="true"/>
+          <p:nvPr/>
+        </p:nvSpPr>
+        <p:spPr>
+          <a:xfrm rot="0">
+            <a:off x="12282053" y="4645009"/>
+            <a:ext cx="5562451" cy="2380615"/>
+          </a:xfrm>
+          <a:prstGeom prst="rect">
+            <a:avLst/>
+          </a:prstGeom>
+        </p:spPr>
+        <p:txBody>
+          <a:bodyPr anchor="t" rtlCol="false" tIns="0" lIns="0" bIns="0" rIns="0">
+            <a:spAutoFit/>
+          </a:bodyPr>
+          <a:lstStyle/>
+          <a:p>
+            <a:pPr algn="ctr">
               <a:lnSpc>
-                <a:spcPts val="4200"/>
+                <a:spcPts val="4759"/>
               </a:lnSpc>
-              <a:buFont typeface="Arial"/>
-              <a:buChar char="•"/>
             </a:pPr>
             <a:r>
-              <a:rPr lang="en-US" sz="3000">
+              <a:rPr lang="en-US" sz="3399">
                 <a:solidFill>
                   <a:srgbClr val="000000"/>
                 </a:solidFill>
@@ -10327,19 +10701,17 @@
                 <a:cs typeface="Canva Sans"/>
                 <a:sym typeface="Canva Sans"/>
               </a:rPr>
-              <a:t>Marketcap</a:t>
-            </a:r>
-          </a:p>
-          <a:p>
-            <a:pPr algn="l" marL="647702" indent="-323851" lvl="1">
+              <a:t>Metrics: Profit on Portfolio</a:t>
+            </a:r>
+          </a:p>
+          <a:p>
+            <a:pPr algn="ctr">
               <a:lnSpc>
-                <a:spcPts val="4200"/>
+                <a:spcPts val="4759"/>
               </a:lnSpc>
-              <a:buFont typeface="Arial"/>
-              <a:buChar char="•"/>
             </a:pPr>
             <a:r>
-              <a:rPr lang="en-US" sz="3000">
+              <a:rPr lang="en-US" sz="3399">
                 <a:solidFill>
                   <a:srgbClr val="000000"/>
                 </a:solidFill>
@@ -10348,19 +10720,17 @@
                 <a:cs typeface="Canva Sans"/>
                 <a:sym typeface="Canva Sans"/>
               </a:rPr>
-              <a:t>Sector</a:t>
-            </a:r>
-          </a:p>
-          <a:p>
-            <a:pPr algn="l" marL="647702" indent="-323851" lvl="1">
+              <a:t>2022: -25%</a:t>
+            </a:r>
+          </a:p>
+          <a:p>
+            <a:pPr algn="ctr">
               <a:lnSpc>
-                <a:spcPts val="4200"/>
+                <a:spcPts val="4759"/>
               </a:lnSpc>
-              <a:buFont typeface="Arial"/>
-              <a:buChar char="•"/>
             </a:pPr>
             <a:r>
-              <a:rPr lang="en-US" sz="3000">
+              <a:rPr lang="en-US" sz="3399">
                 <a:solidFill>
                   <a:srgbClr val="000000"/>
                 </a:solidFill>
@@ -10369,39 +10739,17 @@
                 <a:cs typeface="Canva Sans"/>
                 <a:sym typeface="Canva Sans"/>
               </a:rPr>
-              <a:t>Subsector</a:t>
-            </a:r>
-          </a:p>
-        </p:txBody>
-      </p:sp>
-      <p:sp>
-        <p:nvSpPr>
-          <p:cNvPr name="TextBox 8" id="8"/>
-          <p:cNvSpPr txBox="true"/>
-          <p:nvPr/>
-        </p:nvSpPr>
-        <p:spPr>
-          <a:xfrm rot="0">
-            <a:off x="13093377" y="1789062"/>
-            <a:ext cx="5015159" cy="4248150"/>
-          </a:xfrm>
-          <a:prstGeom prst="rect">
-            <a:avLst/>
-          </a:prstGeom>
-        </p:spPr>
-        <p:txBody>
-          <a:bodyPr anchor="t" rtlCol="false" tIns="0" lIns="0" bIns="0" rIns="0">
-            <a:spAutoFit/>
-          </a:bodyPr>
-          <a:lstStyle/>
-          <a:p>
-            <a:pPr algn="l">
+              <a:t>2023: +53%</a:t>
+            </a:r>
+          </a:p>
+          <a:p>
+            <a:pPr algn="ctr">
               <a:lnSpc>
-                <a:spcPts val="4200"/>
+                <a:spcPts val="4759"/>
               </a:lnSpc>
             </a:pPr>
             <a:r>
-              <a:rPr lang="en-US" sz="3000">
+              <a:rPr lang="en-US" sz="3399">
                 <a:solidFill>
                   <a:srgbClr val="000000"/>
                 </a:solidFill>
@@ -10410,157 +10758,34 @@
                 <a:cs typeface="Canva Sans"/>
                 <a:sym typeface="Canva Sans"/>
               </a:rPr>
-              <a:t>Feature Engineering:</a:t>
-            </a:r>
-          </a:p>
-          <a:p>
-            <a:pPr algn="l" marL="647702" indent="-323851" lvl="1">
-              <a:lnSpc>
-                <a:spcPts val="4200"/>
-              </a:lnSpc>
-              <a:buFont typeface="Arial"/>
-              <a:buChar char="•"/>
-            </a:pPr>
-            <a:r>
-              <a:rPr lang="en-US" sz="3000">
-                <a:solidFill>
-                  <a:srgbClr val="000000"/>
-                </a:solidFill>
-                <a:latin typeface="Canva Sans"/>
-                <a:ea typeface="Canva Sans"/>
-                <a:cs typeface="Canva Sans"/>
-                <a:sym typeface="Canva Sans"/>
-              </a:rPr>
-              <a:t>Norm Price</a:t>
-            </a:r>
-          </a:p>
-          <a:p>
-            <a:pPr algn="l" marL="647702" indent="-323851" lvl="1">
-              <a:lnSpc>
-                <a:spcPts val="4200"/>
-              </a:lnSpc>
-              <a:buFont typeface="Arial"/>
-              <a:buChar char="•"/>
-            </a:pPr>
-            <a:r>
-              <a:rPr lang="en-US" sz="3000">
-                <a:solidFill>
-                  <a:srgbClr val="000000"/>
-                </a:solidFill>
-                <a:latin typeface="Canva Sans"/>
-                <a:ea typeface="Canva Sans"/>
-                <a:cs typeface="Canva Sans"/>
-                <a:sym typeface="Canva Sans"/>
-              </a:rPr>
-              <a:t>Price Change</a:t>
-            </a:r>
-          </a:p>
-          <a:p>
-            <a:pPr algn="l" marL="647702" indent="-323851" lvl="1">
-              <a:lnSpc>
-                <a:spcPts val="4200"/>
-              </a:lnSpc>
-              <a:buFont typeface="Arial"/>
-              <a:buChar char="•"/>
-            </a:pPr>
-            <a:r>
-              <a:rPr lang="en-US" sz="3000">
-                <a:solidFill>
-                  <a:srgbClr val="000000"/>
-                </a:solidFill>
-                <a:latin typeface="Canva Sans"/>
-                <a:ea typeface="Canva Sans"/>
-                <a:cs typeface="Canva Sans"/>
-                <a:sym typeface="Canva Sans"/>
-              </a:rPr>
-              <a:t>Volatility</a:t>
-            </a:r>
-          </a:p>
-          <a:p>
-            <a:pPr algn="l" marL="647702" indent="-323851" lvl="1">
-              <a:lnSpc>
-                <a:spcPts val="4200"/>
-              </a:lnSpc>
-              <a:buFont typeface="Arial"/>
-              <a:buChar char="•"/>
-            </a:pPr>
-            <a:r>
-              <a:rPr lang="en-US" sz="3000">
-                <a:solidFill>
-                  <a:srgbClr val="000000"/>
-                </a:solidFill>
-                <a:latin typeface="Canva Sans"/>
-                <a:ea typeface="Canva Sans"/>
-                <a:cs typeface="Canva Sans"/>
-                <a:sym typeface="Canva Sans"/>
-              </a:rPr>
-              <a:t>Averages (MA &amp; EMA)</a:t>
-            </a:r>
-          </a:p>
-          <a:p>
-            <a:pPr algn="l" marL="647702" indent="-323851" lvl="1">
-              <a:lnSpc>
-                <a:spcPts val="4200"/>
-              </a:lnSpc>
-              <a:buFont typeface="Arial"/>
-              <a:buChar char="•"/>
-            </a:pPr>
-            <a:r>
-              <a:rPr lang="en-US" sz="3000">
-                <a:solidFill>
-                  <a:srgbClr val="000000"/>
-                </a:solidFill>
-                <a:latin typeface="Canva Sans"/>
-                <a:ea typeface="Canva Sans"/>
-                <a:cs typeface="Canva Sans"/>
-                <a:sym typeface="Canva Sans"/>
-              </a:rPr>
-              <a:t>Bollinger Bands</a:t>
-            </a:r>
-          </a:p>
-          <a:p>
-            <a:pPr algn="l" marL="647702" indent="-323851" lvl="1">
-              <a:lnSpc>
-                <a:spcPts val="4200"/>
-              </a:lnSpc>
-              <a:buFont typeface="Arial"/>
-              <a:buChar char="•"/>
-            </a:pPr>
-            <a:r>
-              <a:rPr lang="en-US" sz="3000">
-                <a:solidFill>
-                  <a:srgbClr val="000000"/>
-                </a:solidFill>
-                <a:latin typeface="Canva Sans"/>
-                <a:ea typeface="Canva Sans"/>
-                <a:cs typeface="Canva Sans"/>
-                <a:sym typeface="Canva Sans"/>
-              </a:rPr>
-              <a:t>RSI</a:t>
-            </a:r>
-          </a:p>
-          <a:p>
-            <a:pPr algn="l" marL="647702" indent="-323851" lvl="1">
-              <a:lnSpc>
-                <a:spcPts val="4200"/>
-              </a:lnSpc>
-              <a:buFont typeface="Arial"/>
-              <a:buChar char="•"/>
-            </a:pPr>
-            <a:r>
-              <a:rPr lang="en-US" sz="3000">
-                <a:solidFill>
-                  <a:srgbClr val="000000"/>
-                </a:solidFill>
-                <a:latin typeface="Canva Sans"/>
-                <a:ea typeface="Canva Sans"/>
-                <a:cs typeface="Canva Sans"/>
-                <a:sym typeface="Canva Sans"/>
-              </a:rPr>
-              <a:t>MACD</a:t>
-            </a:r>
-          </a:p>
-        </p:txBody>
+              <a:t>2024: +36%</a:t>
+            </a:r>
+          </a:p>
+        </p:txBody>
+      </p:sp>
+      <p:sp>
+        <p:nvSpPr>
+          <p:cNvPr name="AutoShape 11" id="11"/>
+          <p:cNvSpPr/>
+          <p:nvPr/>
+        </p:nvSpPr>
+        <p:spPr>
+          <a:xfrm>
+            <a:off x="3566879" y="1907570"/>
+            <a:ext cx="11113103" cy="0"/>
+          </a:xfrm>
+          <a:prstGeom prst="line">
+            <a:avLst/>
+          </a:prstGeom>
+          <a:ln cap="flat" w="38100">
+            <a:solidFill>
+              <a:srgbClr val="000000"/>
+            </a:solidFill>
+            <a:prstDash val="solid"/>
+            <a:headEnd type="none" len="sm" w="sm"/>
+            <a:tailEnd type="none" len="sm" w="sm"/>
+          </a:ln>
+        </p:spPr>
       </p:sp>
     </p:spTree>
   </p:cSld>
@@ -10570,7 +10795,7 @@
 </p:sld>
 </file>
 
-<file path=ppt/slides/slide8.xml><?xml version="1.0" encoding="utf-8"?>
+<file path=ppt/slides/slide9.xml><?xml version="1.0" encoding="utf-8"?>
 <p:sld xmlns:p="http://schemas.openxmlformats.org/presentationml/2006/main" xmlns:a="http://schemas.openxmlformats.org/drawingml/2006/main" xmlns:r="http://schemas.openxmlformats.org/officeDocument/2006/relationships">
   <p:cSld>
     <p:bg>
@@ -10602,7 +10827,7 @@
         </p:nvGrpSpPr>
         <p:grpSpPr>
           <a:xfrm rot="0">
-            <a:off x="236090" y="236074"/>
+            <a:off x="256660" y="236074"/>
             <a:ext cx="17774681" cy="9814853"/>
             <a:chOff x="0" y="0"/>
             <a:chExt cx="4681397" cy="2584982"/>
@@ -10709,8 +10934,8 @@
         </p:nvSpPr>
         <p:spPr>
           <a:xfrm flipH="false" flipV="false" rot="0">
-            <a:off x="4494472" y="4375649"/>
-            <a:ext cx="8598905" cy="5675278"/>
+            <a:off x="13765923" y="588627"/>
+            <a:ext cx="3918658" cy="1451355"/>
           </a:xfrm>
           <a:custGeom>
             <a:avLst/>
@@ -10719,18 +10944,18 @@
             <a:cxnLst/>
             <a:rect r="r" b="b" t="t" l="l"/>
             <a:pathLst>
-              <a:path h="5675278" w="8598905">
+              <a:path h="1451355" w="3918658">
                 <a:moveTo>
                   <a:pt x="0" y="0"/>
                 </a:moveTo>
                 <a:lnTo>
-                  <a:pt x="8598905" y="0"/>
+                  <a:pt x="3918658" y="0"/>
                 </a:lnTo>
                 <a:lnTo>
-                  <a:pt x="8598905" y="5675277"/>
+                  <a:pt x="3918658" y="1451355"/>
                 </a:lnTo>
                 <a:lnTo>
-                  <a:pt x="0" y="5675277"/>
+                  <a:pt x="0" y="1451355"/>
                 </a:lnTo>
                 <a:lnTo>
                   <a:pt x="0" y="0"/>
@@ -10749,14 +10974,38 @@
       </p:sp>
       <p:sp>
         <p:nvSpPr>
-          <p:cNvPr name="Freeform 6" id="6"/>
+          <p:cNvPr name="AutoShape 6" id="6"/>
           <p:cNvSpPr/>
           <p:nvPr/>
         </p:nvSpPr>
         <p:spPr>
-          <a:xfrm flipH="false" flipV="false" rot="0">
-            <a:off x="16821864" y="236074"/>
-            <a:ext cx="1188907" cy="1487656"/>
+          <a:xfrm>
+            <a:off x="3587449" y="2529573"/>
+            <a:ext cx="11113103" cy="0"/>
+          </a:xfrm>
+          <a:prstGeom prst="line">
+            <a:avLst/>
+          </a:prstGeom>
+          <a:ln cap="flat" w="38100">
+            <a:solidFill>
+              <a:srgbClr val="000000"/>
+            </a:solidFill>
+            <a:prstDash val="solid"/>
+            <a:headEnd type="none" len="sm" w="sm"/>
+            <a:tailEnd type="none" len="sm" w="sm"/>
+          </a:ln>
+        </p:spPr>
+      </p:sp>
+      <p:sp>
+        <p:nvSpPr>
+          <p:cNvPr name="Freeform 7" id="7"/>
+          <p:cNvSpPr/>
+          <p:nvPr/>
+        </p:nvSpPr>
+        <p:spPr>
+          <a:xfrm flipH="false" flipV="false" rot="-10800000">
+            <a:off x="1028700" y="3482073"/>
+            <a:ext cx="3663863" cy="4744233"/>
           </a:xfrm>
           <a:custGeom>
             <a:avLst/>
@@ -10765,18 +11014,18 @@
             <a:cxnLst/>
             <a:rect r="r" b="b" t="t" l="l"/>
             <a:pathLst>
-              <a:path h="1487656" w="1188907">
+              <a:path h="4744233" w="3663863">
                 <a:moveTo>
                   <a:pt x="0" y="0"/>
                 </a:moveTo>
                 <a:lnTo>
-                  <a:pt x="1188907" y="0"/>
+                  <a:pt x="3663863" y="0"/>
                 </a:lnTo>
                 <a:lnTo>
-                  <a:pt x="1188907" y="1487655"/>
+                  <a:pt x="3663863" y="4744233"/>
                 </a:lnTo>
                 <a:lnTo>
-                  <a:pt x="0" y="1487655"/>
+                  <a:pt x="0" y="4744233"/>
                 </a:lnTo>
                 <a:lnTo>
                   <a:pt x="0" y="0"/>
@@ -10786,28 +11035,22 @@
             </a:pathLst>
           </a:custGeom>
           <a:blipFill>
-            <a:blip r:embed="rId4">
-              <a:extLst>
-                <a:ext uri="{96DAC541-7B7A-43D3-8B79-37D633B846F1}">
-                  <asvg:svgBlip xmlns:asvg="http://schemas.microsoft.com/office/drawing/2016/SVG/main" r:embed="rId5"/>
-                </a:ext>
-              </a:extLst>
-            </a:blip>
+            <a:blip r:embed="rId4"/>
             <a:stretch>
-              <a:fillRect l="0" t="0" r="0" b="0"/>
+              <a:fillRect l="-10894" t="-7711" r="-31407" b="-18272"/>
             </a:stretch>
           </a:blipFill>
         </p:spPr>
       </p:sp>
       <p:sp>
         <p:nvSpPr>
-          <p:cNvPr name="TextBox 7" id="7"/>
+          <p:cNvPr name="TextBox 8" id="8"/>
           <p:cNvSpPr txBox="true"/>
           <p:nvPr/>
         </p:nvSpPr>
         <p:spPr>
           <a:xfrm rot="0">
-            <a:off x="4480938" y="432214"/>
+            <a:off x="4480938" y="481012"/>
             <a:ext cx="9284984" cy="1095375"/>
           </a:xfrm>
           <a:prstGeom prst="rect">
@@ -10835,21 +11078,21 @@
                 <a:cs typeface="Barlow Bold"/>
                 <a:sym typeface="Barlow Bold"/>
               </a:rPr>
-              <a:t>Feature Engineering</a:t>
-            </a:r>
-          </a:p>
-        </p:txBody>
-      </p:sp>
-      <p:sp>
-        <p:nvSpPr>
-          <p:cNvPr name="TextBox 8" id="8"/>
+              <a:t>Keras</a:t>
+            </a:r>
+          </a:p>
+        </p:txBody>
+      </p:sp>
+      <p:sp>
+        <p:nvSpPr>
+          <p:cNvPr name="TextBox 9" id="9"/>
           <p:cNvSpPr txBox="true"/>
           <p:nvPr/>
         </p:nvSpPr>
         <p:spPr>
           <a:xfrm rot="0">
-            <a:off x="564798" y="1666579"/>
-            <a:ext cx="4408054" cy="4248150"/>
+            <a:off x="6484939" y="2712333"/>
+            <a:ext cx="6132314" cy="1313180"/>
           </a:xfrm>
           <a:prstGeom prst="rect">
             <a:avLst/>
@@ -10861,13 +11104,73 @@
           </a:bodyPr>
           <a:lstStyle/>
           <a:p>
+            <a:pPr algn="ctr">
+              <a:lnSpc>
+                <a:spcPts val="5319"/>
+              </a:lnSpc>
+            </a:pPr>
+            <a:r>
+              <a:rPr lang="en-US" b="true" sz="3799">
+                <a:solidFill>
+                  <a:srgbClr val="000000"/>
+                </a:solidFill>
+                <a:latin typeface="Canva Sans Bold"/>
+                <a:ea typeface="Canva Sans Bold"/>
+                <a:cs typeface="Canva Sans Bold"/>
+                <a:sym typeface="Canva Sans Bold"/>
+              </a:rPr>
+              <a:t>High level Python library </a:t>
+            </a:r>
+          </a:p>
+          <a:p>
+            <a:pPr algn="ctr">
+              <a:lnSpc>
+                <a:spcPts val="5319"/>
+              </a:lnSpc>
+            </a:pPr>
+            <a:r>
+              <a:rPr lang="en-US" b="true" sz="3799">
+                <a:solidFill>
+                  <a:srgbClr val="000000"/>
+                </a:solidFill>
+                <a:latin typeface="Canva Sans Bold"/>
+                <a:ea typeface="Canva Sans Bold"/>
+                <a:cs typeface="Canva Sans Bold"/>
+                <a:sym typeface="Canva Sans Bold"/>
+              </a:rPr>
+              <a:t>Built on top of Tensorflow</a:t>
+            </a:r>
+          </a:p>
+        </p:txBody>
+      </p:sp>
+      <p:sp>
+        <p:nvSpPr>
+          <p:cNvPr name="TextBox 10" id="10"/>
+          <p:cNvSpPr txBox="true"/>
+          <p:nvPr/>
+        </p:nvSpPr>
+        <p:spPr>
+          <a:xfrm rot="0">
+            <a:off x="5915030" y="5663404"/>
+            <a:ext cx="10654159" cy="2380615"/>
+          </a:xfrm>
+          <a:prstGeom prst="rect">
+            <a:avLst/>
+          </a:prstGeom>
+        </p:spPr>
+        <p:txBody>
+          <a:bodyPr anchor="t" rtlCol="false" tIns="0" lIns="0" bIns="0" rIns="0">
+            <a:spAutoFit/>
+          </a:bodyPr>
+          <a:lstStyle/>
+          <a:p>
             <a:pPr algn="l">
               <a:lnSpc>
-                <a:spcPts val="4200"/>
+                <a:spcPts val="4759"/>
               </a:lnSpc>
             </a:pPr>
             <a:r>
-              <a:rPr lang="en-US" sz="3000">
+              <a:rPr lang="en-US" sz="3399">
                 <a:solidFill>
                   <a:srgbClr val="000000"/>
                 </a:solidFill>
@@ -10876,734 +11179,7 @@
                 <a:cs typeface="Canva Sans"/>
                 <a:sym typeface="Canva Sans"/>
               </a:rPr>
-              <a:t>Original Columns:</a:t>
-            </a:r>
-          </a:p>
-          <a:p>
-            <a:pPr algn="l" marL="647702" indent="-323851" lvl="1">
-              <a:lnSpc>
-                <a:spcPts val="4200"/>
-              </a:lnSpc>
-              <a:buFont typeface="Arial"/>
-              <a:buChar char="•"/>
-            </a:pPr>
-            <a:r>
-              <a:rPr lang="en-US" b="true" sz="3000">
-                <a:solidFill>
-                  <a:srgbClr val="000000"/>
-                </a:solidFill>
-                <a:latin typeface="Canva Sans Bold"/>
-                <a:ea typeface="Canva Sans Bold"/>
-                <a:cs typeface="Canva Sans Bold"/>
-                <a:sym typeface="Canva Sans Bold"/>
-              </a:rPr>
-              <a:t>Date</a:t>
-            </a:r>
-          </a:p>
-          <a:p>
-            <a:pPr algn="l" marL="647702" indent="-323851" lvl="1">
-              <a:lnSpc>
-                <a:spcPts val="4200"/>
-              </a:lnSpc>
-              <a:buFont typeface="Arial"/>
-              <a:buChar char="•"/>
-            </a:pPr>
-            <a:r>
-              <a:rPr lang="en-US" b="true" sz="3000">
-                <a:solidFill>
-                  <a:srgbClr val="000000"/>
-                </a:solidFill>
-                <a:latin typeface="Canva Sans Bold"/>
-                <a:ea typeface="Canva Sans Bold"/>
-                <a:cs typeface="Canva Sans Bold"/>
-                <a:sym typeface="Canva Sans Bold"/>
-              </a:rPr>
-              <a:t>Company</a:t>
-            </a:r>
-          </a:p>
-          <a:p>
-            <a:pPr algn="l" marL="647702" indent="-323851" lvl="1">
-              <a:lnSpc>
-                <a:spcPts val="4200"/>
-              </a:lnSpc>
-              <a:buFont typeface="Arial"/>
-              <a:buChar char="•"/>
-            </a:pPr>
-            <a:r>
-              <a:rPr lang="en-US" b="true" sz="3000">
-                <a:solidFill>
-                  <a:srgbClr val="000000"/>
-                </a:solidFill>
-                <a:latin typeface="Canva Sans Bold"/>
-                <a:ea typeface="Canva Sans Bold"/>
-                <a:cs typeface="Canva Sans Bold"/>
-                <a:sym typeface="Canva Sans Bold"/>
-              </a:rPr>
-              <a:t>Prices</a:t>
-            </a:r>
-            <a:r>
-              <a:rPr lang="en-US" sz="3000">
-                <a:solidFill>
-                  <a:srgbClr val="000000"/>
-                </a:solidFill>
-                <a:latin typeface="Canva Sans"/>
-                <a:ea typeface="Canva Sans"/>
-                <a:cs typeface="Canva Sans"/>
-                <a:sym typeface="Canva Sans"/>
-              </a:rPr>
-              <a:t> (open, </a:t>
-            </a:r>
-            <a:r>
-              <a:rPr lang="en-US" b="true" sz="3000">
-                <a:solidFill>
-                  <a:srgbClr val="000000"/>
-                </a:solidFill>
-                <a:latin typeface="Canva Sans Bold"/>
-                <a:ea typeface="Canva Sans Bold"/>
-                <a:cs typeface="Canva Sans Bold"/>
-                <a:sym typeface="Canva Sans Bold"/>
-              </a:rPr>
-              <a:t>close</a:t>
-            </a:r>
-            <a:r>
-              <a:rPr lang="en-US" sz="3000">
-                <a:solidFill>
-                  <a:srgbClr val="000000"/>
-                </a:solidFill>
-                <a:latin typeface="Canva Sans"/>
-                <a:ea typeface="Canva Sans"/>
-                <a:cs typeface="Canva Sans"/>
-                <a:sym typeface="Canva Sans"/>
-              </a:rPr>
-              <a:t>, high, low)</a:t>
-            </a:r>
-          </a:p>
-          <a:p>
-            <a:pPr algn="l" marL="647702" indent="-323851" lvl="1">
-              <a:lnSpc>
-                <a:spcPts val="4200"/>
-              </a:lnSpc>
-              <a:buFont typeface="Arial"/>
-              <a:buChar char="•"/>
-            </a:pPr>
-            <a:r>
-              <a:rPr lang="en-US" sz="3000">
-                <a:solidFill>
-                  <a:srgbClr val="000000"/>
-                </a:solidFill>
-                <a:latin typeface="Canva Sans"/>
-                <a:ea typeface="Canva Sans"/>
-                <a:cs typeface="Canva Sans"/>
-                <a:sym typeface="Canva Sans"/>
-              </a:rPr>
-              <a:t>Volume</a:t>
-            </a:r>
-          </a:p>
-          <a:p>
-            <a:pPr algn="l" marL="647702" indent="-323851" lvl="1">
-              <a:lnSpc>
-                <a:spcPts val="4200"/>
-              </a:lnSpc>
-              <a:buFont typeface="Arial"/>
-              <a:buChar char="•"/>
-            </a:pPr>
-            <a:r>
-              <a:rPr lang="en-US" sz="3000">
-                <a:solidFill>
-                  <a:srgbClr val="000000"/>
-                </a:solidFill>
-                <a:latin typeface="Canva Sans"/>
-                <a:ea typeface="Canva Sans"/>
-                <a:cs typeface="Canva Sans"/>
-                <a:sym typeface="Canva Sans"/>
-              </a:rPr>
-              <a:t>Dividends</a:t>
-            </a:r>
-          </a:p>
-          <a:p>
-            <a:pPr algn="l" marL="647702" indent="-323851" lvl="1">
-              <a:lnSpc>
-                <a:spcPts val="4200"/>
-              </a:lnSpc>
-              <a:buFont typeface="Arial"/>
-              <a:buChar char="•"/>
-            </a:pPr>
-            <a:r>
-              <a:rPr lang="en-US" sz="3000">
-                <a:solidFill>
-                  <a:srgbClr val="000000"/>
-                </a:solidFill>
-                <a:latin typeface="Canva Sans"/>
-                <a:ea typeface="Canva Sans"/>
-                <a:cs typeface="Canva Sans"/>
-                <a:sym typeface="Canva Sans"/>
-              </a:rPr>
-              <a:t>Stock Splits</a:t>
-            </a:r>
-          </a:p>
-        </p:txBody>
-      </p:sp>
-      <p:sp>
-        <p:nvSpPr>
-          <p:cNvPr name="TextBox 9" id="9"/>
-          <p:cNvSpPr txBox="true"/>
-          <p:nvPr/>
-        </p:nvSpPr>
-        <p:spPr>
-          <a:xfrm rot="0">
-            <a:off x="7593965" y="1666579"/>
-            <a:ext cx="3058930" cy="2114550"/>
-          </a:xfrm>
-          <a:prstGeom prst="rect">
-            <a:avLst/>
-          </a:prstGeom>
-        </p:spPr>
-        <p:txBody>
-          <a:bodyPr anchor="t" rtlCol="false" tIns="0" lIns="0" bIns="0" rIns="0">
-            <a:spAutoFit/>
-          </a:bodyPr>
-          <a:lstStyle/>
-          <a:p>
-            <a:pPr algn="l">
-              <a:lnSpc>
-                <a:spcPts val="4200"/>
-              </a:lnSpc>
-            </a:pPr>
-            <a:r>
-              <a:rPr lang="en-US" sz="3000">
-                <a:solidFill>
-                  <a:srgbClr val="000000"/>
-                </a:solidFill>
-                <a:latin typeface="Canva Sans"/>
-                <a:ea typeface="Canva Sans"/>
-                <a:cs typeface="Canva Sans"/>
-                <a:sym typeface="Canva Sans"/>
-              </a:rPr>
-              <a:t>Web Scraping:</a:t>
-            </a:r>
-          </a:p>
-          <a:p>
-            <a:pPr algn="l" marL="647702" indent="-323851" lvl="1">
-              <a:lnSpc>
-                <a:spcPts val="4200"/>
-              </a:lnSpc>
-              <a:buFont typeface="Arial"/>
-              <a:buChar char="•"/>
-            </a:pPr>
-            <a:r>
-              <a:rPr lang="en-US" sz="3000">
-                <a:solidFill>
-                  <a:srgbClr val="000000"/>
-                </a:solidFill>
-                <a:latin typeface="Canva Sans"/>
-                <a:ea typeface="Canva Sans"/>
-                <a:cs typeface="Canva Sans"/>
-                <a:sym typeface="Canva Sans"/>
-              </a:rPr>
-              <a:t>Marketcap</a:t>
-            </a:r>
-          </a:p>
-          <a:p>
-            <a:pPr algn="l" marL="647702" indent="-323851" lvl="1">
-              <a:lnSpc>
-                <a:spcPts val="4200"/>
-              </a:lnSpc>
-              <a:buFont typeface="Arial"/>
-              <a:buChar char="•"/>
-            </a:pPr>
-            <a:r>
-              <a:rPr lang="en-US" sz="3000">
-                <a:solidFill>
-                  <a:srgbClr val="000000"/>
-                </a:solidFill>
-                <a:latin typeface="Canva Sans"/>
-                <a:ea typeface="Canva Sans"/>
-                <a:cs typeface="Canva Sans"/>
-                <a:sym typeface="Canva Sans"/>
-              </a:rPr>
-              <a:t>Sector</a:t>
-            </a:r>
-          </a:p>
-          <a:p>
-            <a:pPr algn="l" marL="647702" indent="-323851" lvl="1">
-              <a:lnSpc>
-                <a:spcPts val="4200"/>
-              </a:lnSpc>
-              <a:buFont typeface="Arial"/>
-              <a:buChar char="•"/>
-            </a:pPr>
-            <a:r>
-              <a:rPr lang="en-US" sz="3000">
-                <a:solidFill>
-                  <a:srgbClr val="000000"/>
-                </a:solidFill>
-                <a:latin typeface="Canva Sans"/>
-                <a:ea typeface="Canva Sans"/>
-                <a:cs typeface="Canva Sans"/>
-                <a:sym typeface="Canva Sans"/>
-              </a:rPr>
-              <a:t>Subsector</a:t>
-            </a:r>
-          </a:p>
-        </p:txBody>
-      </p:sp>
-      <p:sp>
-        <p:nvSpPr>
-          <p:cNvPr name="TextBox 10" id="10"/>
-          <p:cNvSpPr txBox="true"/>
-          <p:nvPr/>
-        </p:nvSpPr>
-        <p:spPr>
-          <a:xfrm rot="0">
-            <a:off x="13093377" y="1789062"/>
-            <a:ext cx="5015159" cy="4248150"/>
-          </a:xfrm>
-          <a:prstGeom prst="rect">
-            <a:avLst/>
-          </a:prstGeom>
-        </p:spPr>
-        <p:txBody>
-          <a:bodyPr anchor="t" rtlCol="false" tIns="0" lIns="0" bIns="0" rIns="0">
-            <a:spAutoFit/>
-          </a:bodyPr>
-          <a:lstStyle/>
-          <a:p>
-            <a:pPr algn="l">
-              <a:lnSpc>
-                <a:spcPts val="4200"/>
-              </a:lnSpc>
-            </a:pPr>
-            <a:r>
-              <a:rPr lang="en-US" sz="3000">
-                <a:solidFill>
-                  <a:srgbClr val="000000"/>
-                </a:solidFill>
-                <a:latin typeface="Canva Sans"/>
-                <a:ea typeface="Canva Sans"/>
-                <a:cs typeface="Canva Sans"/>
-                <a:sym typeface="Canva Sans"/>
-              </a:rPr>
-              <a:t>Feature Engineering:</a:t>
-            </a:r>
-          </a:p>
-          <a:p>
-            <a:pPr algn="l" marL="647702" indent="-323851" lvl="1">
-              <a:lnSpc>
-                <a:spcPts val="4200"/>
-              </a:lnSpc>
-              <a:buFont typeface="Arial"/>
-              <a:buChar char="•"/>
-            </a:pPr>
-            <a:r>
-              <a:rPr lang="en-US" sz="3000">
-                <a:solidFill>
-                  <a:srgbClr val="000000"/>
-                </a:solidFill>
-                <a:latin typeface="Canva Sans"/>
-                <a:ea typeface="Canva Sans"/>
-                <a:cs typeface="Canva Sans"/>
-                <a:sym typeface="Canva Sans"/>
-              </a:rPr>
-              <a:t>Norm Price</a:t>
-            </a:r>
-          </a:p>
-          <a:p>
-            <a:pPr algn="l" marL="647702" indent="-323851" lvl="1">
-              <a:lnSpc>
-                <a:spcPts val="4200"/>
-              </a:lnSpc>
-              <a:buFont typeface="Arial"/>
-              <a:buChar char="•"/>
-            </a:pPr>
-            <a:r>
-              <a:rPr lang="en-US" sz="3000">
-                <a:solidFill>
-                  <a:srgbClr val="000000"/>
-                </a:solidFill>
-                <a:latin typeface="Canva Sans"/>
-                <a:ea typeface="Canva Sans"/>
-                <a:cs typeface="Canva Sans"/>
-                <a:sym typeface="Canva Sans"/>
-              </a:rPr>
-              <a:t>Price Change</a:t>
-            </a:r>
-          </a:p>
-          <a:p>
-            <a:pPr algn="l" marL="647702" indent="-323851" lvl="1">
-              <a:lnSpc>
-                <a:spcPts val="4200"/>
-              </a:lnSpc>
-              <a:buFont typeface="Arial"/>
-              <a:buChar char="•"/>
-            </a:pPr>
-            <a:r>
-              <a:rPr lang="en-US" sz="3000">
-                <a:solidFill>
-                  <a:srgbClr val="000000"/>
-                </a:solidFill>
-                <a:latin typeface="Canva Sans"/>
-                <a:ea typeface="Canva Sans"/>
-                <a:cs typeface="Canva Sans"/>
-                <a:sym typeface="Canva Sans"/>
-              </a:rPr>
-              <a:t>Volatility</a:t>
-            </a:r>
-          </a:p>
-          <a:p>
-            <a:pPr algn="l" marL="647702" indent="-323851" lvl="1">
-              <a:lnSpc>
-                <a:spcPts val="4200"/>
-              </a:lnSpc>
-              <a:buFont typeface="Arial"/>
-              <a:buChar char="•"/>
-            </a:pPr>
-            <a:r>
-              <a:rPr lang="en-US" sz="3000">
-                <a:solidFill>
-                  <a:srgbClr val="000000"/>
-                </a:solidFill>
-                <a:latin typeface="Canva Sans"/>
-                <a:ea typeface="Canva Sans"/>
-                <a:cs typeface="Canva Sans"/>
-                <a:sym typeface="Canva Sans"/>
-              </a:rPr>
-              <a:t>Averages (MA 20 &amp; 60)</a:t>
-            </a:r>
-          </a:p>
-          <a:p>
-            <a:pPr algn="l" marL="647702" indent="-323851" lvl="1">
-              <a:lnSpc>
-                <a:spcPts val="4200"/>
-              </a:lnSpc>
-              <a:buFont typeface="Arial"/>
-              <a:buChar char="•"/>
-            </a:pPr>
-            <a:r>
-              <a:rPr lang="en-US" sz="3000">
-                <a:solidFill>
-                  <a:srgbClr val="000000"/>
-                </a:solidFill>
-                <a:latin typeface="Canva Sans"/>
-                <a:ea typeface="Canva Sans"/>
-                <a:cs typeface="Canva Sans"/>
-                <a:sym typeface="Canva Sans"/>
-              </a:rPr>
-              <a:t>Bollinger Bands</a:t>
-            </a:r>
-          </a:p>
-          <a:p>
-            <a:pPr algn="l" marL="647702" indent="-323851" lvl="1">
-              <a:lnSpc>
-                <a:spcPts val="4200"/>
-              </a:lnSpc>
-              <a:buFont typeface="Arial"/>
-              <a:buChar char="•"/>
-            </a:pPr>
-            <a:r>
-              <a:rPr lang="en-US" sz="3000">
-                <a:solidFill>
-                  <a:srgbClr val="000000"/>
-                </a:solidFill>
-                <a:latin typeface="Canva Sans"/>
-                <a:ea typeface="Canva Sans"/>
-                <a:cs typeface="Canva Sans"/>
-                <a:sym typeface="Canva Sans"/>
-              </a:rPr>
-              <a:t>RSI</a:t>
-            </a:r>
-          </a:p>
-          <a:p>
-            <a:pPr algn="l" marL="647702" indent="-323851" lvl="1">
-              <a:lnSpc>
-                <a:spcPts val="4200"/>
-              </a:lnSpc>
-              <a:buFont typeface="Arial"/>
-              <a:buChar char="•"/>
-            </a:pPr>
-            <a:r>
-              <a:rPr lang="en-US" sz="3000">
-                <a:solidFill>
-                  <a:srgbClr val="000000"/>
-                </a:solidFill>
-                <a:latin typeface="Canva Sans"/>
-                <a:ea typeface="Canva Sans"/>
-                <a:cs typeface="Canva Sans"/>
-                <a:sym typeface="Canva Sans"/>
-              </a:rPr>
-              <a:t>MACD</a:t>
-            </a:r>
-          </a:p>
-        </p:txBody>
-      </p:sp>
-    </p:spTree>
-  </p:cSld>
-  <p:clrMapOvr>
-    <a:masterClrMapping/>
-  </p:clrMapOvr>
-</p:sld>
-</file>
-
-<file path=ppt/slides/slide9.xml><?xml version="1.0" encoding="utf-8"?>
-<p:sld xmlns:p="http://schemas.openxmlformats.org/presentationml/2006/main" xmlns:a="http://schemas.openxmlformats.org/drawingml/2006/main" xmlns:r="http://schemas.openxmlformats.org/officeDocument/2006/relationships">
-  <p:cSld>
-    <p:bg>
-      <p:bgPr>
-        <a:solidFill>
-          <a:srgbClr val="A6A6A6"/>
-        </a:solidFill>
-      </p:bgPr>
-    </p:bg>
-    <p:spTree>
-      <p:nvGrpSpPr>
-        <p:cNvPr id="1" name=""/>
-        <p:cNvGrpSpPr/>
-        <p:nvPr/>
-      </p:nvGrpSpPr>
-      <p:grpSpPr>
-        <a:xfrm>
-          <a:off x="0" y="0"/>
-          <a:ext cx="0" cy="0"/>
-          <a:chOff x="0" y="0"/>
-          <a:chExt cx="0" cy="0"/>
-        </a:xfrm>
-      </p:grpSpPr>
-      <p:grpSp>
-        <p:nvGrpSpPr>
-          <p:cNvPr name="Group 2" id="2"/>
-          <p:cNvGrpSpPr/>
-          <p:nvPr/>
-        </p:nvGrpSpPr>
-        <p:grpSpPr>
-          <a:xfrm rot="0">
-            <a:off x="236090" y="236074"/>
-            <a:ext cx="17774681" cy="9814853"/>
-            <a:chOff x="0" y="0"/>
-            <a:chExt cx="4681397" cy="2584982"/>
-          </a:xfrm>
-        </p:grpSpPr>
-        <p:sp>
-          <p:nvSpPr>
-            <p:cNvPr name="Freeform 3" id="3"/>
-            <p:cNvSpPr/>
-            <p:nvPr/>
-          </p:nvSpPr>
-          <p:spPr>
-            <a:xfrm flipH="false" flipV="false" rot="0">
-              <a:off x="0" y="0"/>
-              <a:ext cx="4681398" cy="2584982"/>
-            </a:xfrm>
-            <a:custGeom>
-              <a:avLst/>
-              <a:gdLst/>
-              <a:ahLst/>
-              <a:cxnLst/>
-              <a:rect r="r" b="b" t="t" l="l"/>
-              <a:pathLst>
-                <a:path h="2584982" w="4681398">
-                  <a:moveTo>
-                    <a:pt x="22214" y="0"/>
-                  </a:moveTo>
-                  <a:lnTo>
-                    <a:pt x="4659184" y="0"/>
-                  </a:lnTo>
-                  <a:cubicBezTo>
-                    <a:pt x="4671452" y="0"/>
-                    <a:pt x="4681398" y="9945"/>
-                    <a:pt x="4681398" y="22214"/>
-                  </a:cubicBezTo>
-                  <a:lnTo>
-                    <a:pt x="4681398" y="2562768"/>
-                  </a:lnTo>
-                  <a:cubicBezTo>
-                    <a:pt x="4681398" y="2575037"/>
-                    <a:pt x="4671452" y="2584982"/>
-                    <a:pt x="4659184" y="2584982"/>
-                  </a:cubicBezTo>
-                  <a:lnTo>
-                    <a:pt x="22214" y="2584982"/>
-                  </a:lnTo>
-                  <a:cubicBezTo>
-                    <a:pt x="9945" y="2584982"/>
-                    <a:pt x="0" y="2575037"/>
-                    <a:pt x="0" y="2562768"/>
-                  </a:cubicBezTo>
-                  <a:lnTo>
-                    <a:pt x="0" y="22214"/>
-                  </a:lnTo>
-                  <a:cubicBezTo>
-                    <a:pt x="0" y="9945"/>
-                    <a:pt x="9945" y="0"/>
-                    <a:pt x="22214" y="0"/>
-                  </a:cubicBezTo>
-                  <a:close/>
-                </a:path>
-              </a:pathLst>
-            </a:custGeom>
-            <a:solidFill>
-              <a:srgbClr val="D9D9D9"/>
-            </a:solidFill>
-          </p:spPr>
-        </p:sp>
-        <p:sp>
-          <p:nvSpPr>
-            <p:cNvPr name="TextBox 4" id="4"/>
-            <p:cNvSpPr txBox="true"/>
-            <p:nvPr/>
-          </p:nvSpPr>
-          <p:spPr>
-            <a:xfrm>
-              <a:off x="0" y="-38100"/>
-              <a:ext cx="4681397" cy="2623082"/>
-            </a:xfrm>
-            <a:prstGeom prst="rect">
-              <a:avLst/>
-            </a:prstGeom>
-          </p:spPr>
-          <p:txBody>
-            <a:bodyPr anchor="ctr" rtlCol="false" tIns="50800" lIns="50800" bIns="50800" rIns="50800"/>
-            <a:lstStyle/>
-            <a:p>
-              <a:pPr algn="ctr" marL="410209" indent="-205105" lvl="1">
-                <a:lnSpc>
-                  <a:spcPts val="2659"/>
-                </a:lnSpc>
-                <a:buFont typeface="Arial"/>
-                <a:buChar char="•"/>
-              </a:pPr>
-            </a:p>
-          </p:txBody>
-        </p:sp>
-      </p:grpSp>
-      <p:sp>
-        <p:nvSpPr>
-          <p:cNvPr name="Freeform 5" id="5"/>
-          <p:cNvSpPr/>
-          <p:nvPr/>
-        </p:nvSpPr>
-        <p:spPr>
-          <a:xfrm flipH="false" flipV="false" rot="0">
-            <a:off x="6383891" y="3811254"/>
-            <a:ext cx="4069911" cy="4114800"/>
-          </a:xfrm>
-          <a:custGeom>
-            <a:avLst/>
-            <a:gdLst/>
-            <a:ahLst/>
-            <a:cxnLst/>
-            <a:rect r="r" b="b" t="t" l="l"/>
-            <a:pathLst>
-              <a:path h="4114800" w="4069911">
-                <a:moveTo>
-                  <a:pt x="0" y="0"/>
-                </a:moveTo>
-                <a:lnTo>
-                  <a:pt x="4069911" y="0"/>
-                </a:lnTo>
-                <a:lnTo>
-                  <a:pt x="4069911" y="4114800"/>
-                </a:lnTo>
-                <a:lnTo>
-                  <a:pt x="0" y="4114800"/>
-                </a:lnTo>
-                <a:lnTo>
-                  <a:pt x="0" y="0"/>
-                </a:lnTo>
-                <a:close/>
-              </a:path>
-            </a:pathLst>
-          </a:custGeom>
-          <a:blipFill>
-            <a:blip r:embed="rId3">
-              <a:extLst>
-                <a:ext uri="{96DAC541-7B7A-43D3-8B79-37D633B846F1}">
-                  <asvg:svgBlip xmlns:asvg="http://schemas.microsoft.com/office/drawing/2016/SVG/main" r:embed="rId4"/>
-                </a:ext>
-              </a:extLst>
-            </a:blip>
-            <a:stretch>
-              <a:fillRect l="0" t="0" r="0" b="0"/>
-            </a:stretch>
-          </a:blipFill>
-        </p:spPr>
-      </p:sp>
-      <p:sp>
-        <p:nvSpPr>
-          <p:cNvPr name="TextBox 6" id="6"/>
-          <p:cNvSpPr txBox="true"/>
-          <p:nvPr/>
-        </p:nvSpPr>
-        <p:spPr>
-          <a:xfrm rot="0">
-            <a:off x="4480938" y="481012"/>
-            <a:ext cx="9284984" cy="1095375"/>
-          </a:xfrm>
-          <a:prstGeom prst="rect">
-            <a:avLst/>
-          </a:prstGeom>
-        </p:spPr>
-        <p:txBody>
-          <a:bodyPr anchor="t" rtlCol="false" tIns="0" lIns="0" bIns="0" rIns="0">
-            <a:spAutoFit/>
-          </a:bodyPr>
-          <a:lstStyle/>
-          <a:p>
-            <a:pPr algn="ctr" marL="0" indent="0" lvl="0">
-              <a:lnSpc>
-                <a:spcPts val="8640"/>
-              </a:lnSpc>
-            </a:pPr>
-            <a:r>
-              <a:rPr lang="en-US" b="true" sz="7200">
-                <a:solidFill>
-                  <a:srgbClr val="84282E"/>
-                </a:solidFill>
-                <a:latin typeface="Barlow Bold"/>
-                <a:ea typeface="Barlow Bold"/>
-                <a:cs typeface="Barlow Bold"/>
-                <a:sym typeface="Barlow Bold"/>
-              </a:rPr>
-              <a:t>XG Boost</a:t>
-            </a:r>
-          </a:p>
-        </p:txBody>
-      </p:sp>
-      <p:sp>
-        <p:nvSpPr>
-          <p:cNvPr name="TextBox 7" id="7"/>
-          <p:cNvSpPr txBox="true"/>
-          <p:nvPr/>
-        </p:nvSpPr>
-        <p:spPr>
-          <a:xfrm rot="0">
-            <a:off x="893788" y="4645009"/>
-            <a:ext cx="4368701" cy="2380615"/>
-          </a:xfrm>
-          <a:prstGeom prst="rect">
-            <a:avLst/>
-          </a:prstGeom>
-        </p:spPr>
-        <p:txBody>
-          <a:bodyPr anchor="t" rtlCol="false" tIns="0" lIns="0" bIns="0" rIns="0">
-            <a:spAutoFit/>
-          </a:bodyPr>
-          <a:lstStyle/>
-          <a:p>
-            <a:pPr algn="l">
-              <a:lnSpc>
-                <a:spcPts val="4759"/>
-              </a:lnSpc>
-            </a:pPr>
-            <a:r>
-              <a:rPr lang="en-US" sz="3399">
-                <a:solidFill>
-                  <a:srgbClr val="000000"/>
-                </a:solidFill>
-                <a:latin typeface="Canva Sans"/>
-                <a:ea typeface="Canva Sans"/>
-                <a:cs typeface="Canva Sans"/>
-                <a:sym typeface="Canva Sans"/>
-              </a:rPr>
-              <a:t>Preprocessing</a:t>
+              <a:t>Components:</a:t>
             </a:r>
           </a:p>
           <a:p>
@@ -11624,7 +11200,7 @@
                 <a:cs typeface="Canva Sans"/>
                 <a:sym typeface="Canva Sans"/>
               </a:rPr>
-              <a:t>lagged features</a:t>
+              <a:t>Embedding, Flatten: used for Input Categoricals</a:t>
             </a:r>
           </a:p>
           <a:p>
@@ -11645,7 +11221,7 @@
                 <a:cs typeface="Canva Sans"/>
                 <a:sym typeface="Canva Sans"/>
               </a:rPr>
-              <a:t>drop categoricals</a:t>
+              <a:t>Dense: Basic Building Block</a:t>
             </a:r>
           </a:p>
           <a:p>
@@ -11666,233 +11242,10 @@
                 <a:cs typeface="Canva Sans"/>
                 <a:sym typeface="Canva Sans"/>
               </a:rPr>
-              <a:t>default settings</a:t>
-            </a:r>
-          </a:p>
-        </p:txBody>
-      </p:sp>
-      <p:sp>
-        <p:nvSpPr>
-          <p:cNvPr name="TextBox 8" id="8"/>
-          <p:cNvSpPr txBox="true"/>
-          <p:nvPr/>
-        </p:nvSpPr>
-        <p:spPr>
-          <a:xfrm rot="0">
-            <a:off x="9403729" y="8297067"/>
-            <a:ext cx="4069911" cy="1180465"/>
-          </a:xfrm>
-          <a:prstGeom prst="rect">
-            <a:avLst/>
-          </a:prstGeom>
-        </p:spPr>
-        <p:txBody>
-          <a:bodyPr anchor="t" rtlCol="false" tIns="0" lIns="0" bIns="0" rIns="0">
-            <a:spAutoFit/>
-          </a:bodyPr>
-          <a:lstStyle/>
-          <a:p>
-            <a:pPr algn="ctr">
-              <a:lnSpc>
-                <a:spcPts val="4759"/>
-              </a:lnSpc>
-            </a:pPr>
-            <a:r>
-              <a:rPr lang="en-US" sz="3399">
-                <a:solidFill>
-                  <a:srgbClr val="000000"/>
-                </a:solidFill>
-                <a:latin typeface="Canva Sans"/>
-                <a:ea typeface="Canva Sans"/>
-                <a:cs typeface="Canva Sans"/>
-                <a:sym typeface="Canva Sans"/>
-              </a:rPr>
-              <a:t> Test: </a:t>
-            </a:r>
-          </a:p>
-          <a:p>
-            <a:pPr algn="ctr">
-              <a:lnSpc>
-                <a:spcPts val="4759"/>
-              </a:lnSpc>
-            </a:pPr>
-            <a:r>
-              <a:rPr lang="en-US" sz="3399">
-                <a:solidFill>
-                  <a:srgbClr val="000000"/>
-                </a:solidFill>
-                <a:latin typeface="Canva Sans"/>
-                <a:ea typeface="Canva Sans"/>
-                <a:cs typeface="Canva Sans"/>
-                <a:sym typeface="Canva Sans"/>
-              </a:rPr>
-              <a:t>2022 - 2024</a:t>
-            </a:r>
-          </a:p>
-        </p:txBody>
-      </p:sp>
-      <p:sp>
-        <p:nvSpPr>
-          <p:cNvPr name="TextBox 9" id="9"/>
-          <p:cNvSpPr txBox="true"/>
-          <p:nvPr/>
-        </p:nvSpPr>
-        <p:spPr>
-          <a:xfrm rot="0">
-            <a:off x="9403729" y="2298095"/>
-            <a:ext cx="4069911" cy="1180465"/>
-          </a:xfrm>
-          <a:prstGeom prst="rect">
-            <a:avLst/>
-          </a:prstGeom>
-        </p:spPr>
-        <p:txBody>
-          <a:bodyPr anchor="t" rtlCol="false" tIns="0" lIns="0" bIns="0" rIns="0">
-            <a:spAutoFit/>
-          </a:bodyPr>
-          <a:lstStyle/>
-          <a:p>
-            <a:pPr algn="ctr">
-              <a:lnSpc>
-                <a:spcPts val="4759"/>
-              </a:lnSpc>
-            </a:pPr>
-            <a:r>
-              <a:rPr lang="en-US" sz="3399">
-                <a:solidFill>
-                  <a:srgbClr val="000000"/>
-                </a:solidFill>
-                <a:latin typeface="Canva Sans"/>
-                <a:ea typeface="Canva Sans"/>
-                <a:cs typeface="Canva Sans"/>
-                <a:sym typeface="Canva Sans"/>
-              </a:rPr>
-              <a:t> Training Data: 1960 - 2021</a:t>
-            </a:r>
-          </a:p>
-        </p:txBody>
-      </p:sp>
-      <p:sp>
-        <p:nvSpPr>
-          <p:cNvPr name="TextBox 10" id="10"/>
-          <p:cNvSpPr txBox="true"/>
-          <p:nvPr/>
-        </p:nvSpPr>
-        <p:spPr>
-          <a:xfrm rot="0">
-            <a:off x="12282053" y="4645009"/>
-            <a:ext cx="5562451" cy="2380615"/>
-          </a:xfrm>
-          <a:prstGeom prst="rect">
-            <a:avLst/>
-          </a:prstGeom>
-        </p:spPr>
-        <p:txBody>
-          <a:bodyPr anchor="t" rtlCol="false" tIns="0" lIns="0" bIns="0" rIns="0">
-            <a:spAutoFit/>
-          </a:bodyPr>
-          <a:lstStyle/>
-          <a:p>
-            <a:pPr algn="ctr">
-              <a:lnSpc>
-                <a:spcPts val="4759"/>
-              </a:lnSpc>
-            </a:pPr>
-            <a:r>
-              <a:rPr lang="en-US" sz="3399">
-                <a:solidFill>
-                  <a:srgbClr val="000000"/>
-                </a:solidFill>
-                <a:latin typeface="Canva Sans"/>
-                <a:ea typeface="Canva Sans"/>
-                <a:cs typeface="Canva Sans"/>
-                <a:sym typeface="Canva Sans"/>
-              </a:rPr>
-              <a:t>Metrics: Profit on Portfolio</a:t>
-            </a:r>
-          </a:p>
-          <a:p>
-            <a:pPr algn="ctr">
-              <a:lnSpc>
-                <a:spcPts val="4759"/>
-              </a:lnSpc>
-            </a:pPr>
-            <a:r>
-              <a:rPr lang="en-US" sz="3399">
-                <a:solidFill>
-                  <a:srgbClr val="000000"/>
-                </a:solidFill>
-                <a:latin typeface="Canva Sans"/>
-                <a:ea typeface="Canva Sans"/>
-                <a:cs typeface="Canva Sans"/>
-                <a:sym typeface="Canva Sans"/>
-              </a:rPr>
-              <a:t>2022: -25%</a:t>
-            </a:r>
-          </a:p>
-          <a:p>
-            <a:pPr algn="ctr">
-              <a:lnSpc>
-                <a:spcPts val="4759"/>
-              </a:lnSpc>
-            </a:pPr>
-            <a:r>
-              <a:rPr lang="en-US" sz="3399">
-                <a:solidFill>
-                  <a:srgbClr val="000000"/>
-                </a:solidFill>
-                <a:latin typeface="Canva Sans"/>
-                <a:ea typeface="Canva Sans"/>
-                <a:cs typeface="Canva Sans"/>
-                <a:sym typeface="Canva Sans"/>
-              </a:rPr>
-              <a:t>2023: +53%</a:t>
-            </a:r>
-          </a:p>
-          <a:p>
-            <a:pPr algn="ctr">
-              <a:lnSpc>
-                <a:spcPts val="4759"/>
-              </a:lnSpc>
-            </a:pPr>
-            <a:r>
-              <a:rPr lang="en-US" sz="3399">
-                <a:solidFill>
-                  <a:srgbClr val="000000"/>
-                </a:solidFill>
-                <a:latin typeface="Canva Sans"/>
-                <a:ea typeface="Canva Sans"/>
-                <a:cs typeface="Canva Sans"/>
-                <a:sym typeface="Canva Sans"/>
-              </a:rPr>
-              <a:t>2024: +36%</a:t>
-            </a:r>
-          </a:p>
-        </p:txBody>
-      </p:sp>
-      <p:sp>
-        <p:nvSpPr>
-          <p:cNvPr name="AutoShape 11" id="11"/>
-          <p:cNvSpPr/>
-          <p:nvPr/>
-        </p:nvSpPr>
-        <p:spPr>
-          <a:xfrm>
-            <a:off x="3566879" y="1907570"/>
-            <a:ext cx="11113103" cy="0"/>
-          </a:xfrm>
-          <a:prstGeom prst="line">
-            <a:avLst/>
-          </a:prstGeom>
-          <a:ln cap="flat" w="38100">
-            <a:solidFill>
-              <a:srgbClr val="000000"/>
-            </a:solidFill>
-            <a:prstDash val="solid"/>
-            <a:headEnd type="none" len="sm" w="sm"/>
-            <a:tailEnd type="none" len="sm" w="sm"/>
-          </a:ln>
-        </p:spPr>
+              <a:t>Optimizer: Adam</a:t>
+            </a:r>
+          </a:p>
+        </p:txBody>
       </p:sp>
     </p:spTree>
   </p:cSld>
